--- a/Monsters of Dungeons and Dragons.pptx
+++ b/Monsters of Dungeons and Dragons.pptx
@@ -5,26 +5,30 @@
     <p:sldMasterId id="2147483648" r:id="rId4"/>
   </p:sldMasterIdLst>
   <p:notesMasterIdLst>
-    <p:notesMasterId r:id="rId22"/>
+    <p:notesMasterId r:id="rId26"/>
   </p:notesMasterIdLst>
   <p:sldIdLst>
     <p:sldId id="256" r:id="rId5"/>
     <p:sldId id="257" r:id="rId6"/>
-    <p:sldId id="258" r:id="rId7"/>
-    <p:sldId id="259" r:id="rId8"/>
-    <p:sldId id="260" r:id="rId9"/>
-    <p:sldId id="261" r:id="rId10"/>
-    <p:sldId id="262" r:id="rId11"/>
-    <p:sldId id="263" r:id="rId12"/>
-    <p:sldId id="264" r:id="rId13"/>
-    <p:sldId id="265" r:id="rId14"/>
-    <p:sldId id="268" r:id="rId15"/>
+    <p:sldId id="273" r:id="rId7"/>
+    <p:sldId id="258" r:id="rId8"/>
+    <p:sldId id="259" r:id="rId9"/>
+    <p:sldId id="260" r:id="rId10"/>
+    <p:sldId id="275" r:id="rId11"/>
+    <p:sldId id="261" r:id="rId12"/>
+    <p:sldId id="265" r:id="rId13"/>
+    <p:sldId id="262" r:id="rId14"/>
+    <p:sldId id="274" r:id="rId15"/>
     <p:sldId id="266" r:id="rId16"/>
-    <p:sldId id="267" r:id="rId17"/>
-    <p:sldId id="269" r:id="rId18"/>
-    <p:sldId id="270" r:id="rId19"/>
-    <p:sldId id="271" r:id="rId20"/>
-    <p:sldId id="272" r:id="rId21"/>
+    <p:sldId id="269" r:id="rId17"/>
+    <p:sldId id="270" r:id="rId18"/>
+    <p:sldId id="277" r:id="rId19"/>
+    <p:sldId id="268" r:id="rId20"/>
+    <p:sldId id="264" r:id="rId21"/>
+    <p:sldId id="263" r:id="rId22"/>
+    <p:sldId id="276" r:id="rId23"/>
+    <p:sldId id="271" r:id="rId24"/>
+    <p:sldId id="272" r:id="rId25"/>
   </p:sldIdLst>
   <p:sldSz cx="12192000" cy="6858000"/>
   <p:notesSz cx="6858000" cy="9144000"/>
@@ -221,7 +225,7 @@
           <a:p>
             <a:fld id="{589C7B01-7FD2-442F-BC76-8C3475CEA711}" type="datetimeFigureOut">
               <a:rPr lang="en-US" smtClean="0"/>
-              <a:t>7/14/2025</a:t>
+              <a:t>7/18/2025</a:t>
             </a:fld>
             <a:endParaRPr lang="en-US"/>
           </a:p>
@@ -553,7 +557,7 @@
           <a:p>
             <a:fld id="{2D9E7AE7-85D9-4564-9F8B-BB3B77FD7270}" type="slidenum">
               <a:rPr lang="en-US" smtClean="0"/>
-              <a:t>14</a:t>
+              <a:t>13</a:t>
             </a:fld>
             <a:endParaRPr lang="en-US"/>
           </a:p>
@@ -661,7 +665,7 @@
           <a:p>
             <a:fld id="{2D9E7AE7-85D9-4564-9F8B-BB3B77FD7270}" type="slidenum">
               <a:rPr lang="en-US" smtClean="0"/>
-              <a:t>15</a:t>
+              <a:t>14</a:t>
             </a:fld>
             <a:endParaRPr lang="en-US"/>
           </a:p>
@@ -769,7 +773,7 @@
           <a:p>
             <a:fld id="{2D9E7AE7-85D9-4564-9F8B-BB3B77FD7270}" type="slidenum">
               <a:rPr lang="en-US" smtClean="0"/>
-              <a:t>16</a:t>
+              <a:t>20</a:t>
             </a:fld>
             <a:endParaRPr lang="en-US"/>
           </a:p>
@@ -935,7 +939,7 @@
           <a:p>
             <a:fld id="{D963610A-465F-4FA2-98F9-B91CBFF49EE6}" type="datetimeFigureOut">
               <a:rPr lang="en-US" smtClean="0"/>
-              <a:t>7/14/2025</a:t>
+              <a:t>7/18/2025</a:t>
             </a:fld>
             <a:endParaRPr lang="en-US"/>
           </a:p>
@@ -1133,7 +1137,7 @@
           <a:p>
             <a:fld id="{D963610A-465F-4FA2-98F9-B91CBFF49EE6}" type="datetimeFigureOut">
               <a:rPr lang="en-US" smtClean="0"/>
-              <a:t>7/14/2025</a:t>
+              <a:t>7/18/2025</a:t>
             </a:fld>
             <a:endParaRPr lang="en-US"/>
           </a:p>
@@ -1341,7 +1345,7 @@
           <a:p>
             <a:fld id="{D963610A-465F-4FA2-98F9-B91CBFF49EE6}" type="datetimeFigureOut">
               <a:rPr lang="en-US" smtClean="0"/>
-              <a:t>7/14/2025</a:t>
+              <a:t>7/18/2025</a:t>
             </a:fld>
             <a:endParaRPr lang="en-US"/>
           </a:p>
@@ -1539,7 +1543,7 @@
           <a:p>
             <a:fld id="{D963610A-465F-4FA2-98F9-B91CBFF49EE6}" type="datetimeFigureOut">
               <a:rPr lang="en-US" smtClean="0"/>
-              <a:t>7/14/2025</a:t>
+              <a:t>7/18/2025</a:t>
             </a:fld>
             <a:endParaRPr lang="en-US"/>
           </a:p>
@@ -1814,7 +1818,7 @@
           <a:p>
             <a:fld id="{D963610A-465F-4FA2-98F9-B91CBFF49EE6}" type="datetimeFigureOut">
               <a:rPr lang="en-US" smtClean="0"/>
-              <a:t>7/14/2025</a:t>
+              <a:t>7/18/2025</a:t>
             </a:fld>
             <a:endParaRPr lang="en-US"/>
           </a:p>
@@ -2079,7 +2083,7 @@
           <a:p>
             <a:fld id="{D963610A-465F-4FA2-98F9-B91CBFF49EE6}" type="datetimeFigureOut">
               <a:rPr lang="en-US" smtClean="0"/>
-              <a:t>7/14/2025</a:t>
+              <a:t>7/18/2025</a:t>
             </a:fld>
             <a:endParaRPr lang="en-US"/>
           </a:p>
@@ -2491,7 +2495,7 @@
           <a:p>
             <a:fld id="{D963610A-465F-4FA2-98F9-B91CBFF49EE6}" type="datetimeFigureOut">
               <a:rPr lang="en-US" smtClean="0"/>
-              <a:t>7/14/2025</a:t>
+              <a:t>7/18/2025</a:t>
             </a:fld>
             <a:endParaRPr lang="en-US"/>
           </a:p>
@@ -2632,7 +2636,7 @@
           <a:p>
             <a:fld id="{D963610A-465F-4FA2-98F9-B91CBFF49EE6}" type="datetimeFigureOut">
               <a:rPr lang="en-US" smtClean="0"/>
-              <a:t>7/14/2025</a:t>
+              <a:t>7/18/2025</a:t>
             </a:fld>
             <a:endParaRPr lang="en-US"/>
           </a:p>
@@ -2745,7 +2749,7 @@
           <a:p>
             <a:fld id="{D963610A-465F-4FA2-98F9-B91CBFF49EE6}" type="datetimeFigureOut">
               <a:rPr lang="en-US" smtClean="0"/>
-              <a:t>7/14/2025</a:t>
+              <a:t>7/18/2025</a:t>
             </a:fld>
             <a:endParaRPr lang="en-US"/>
           </a:p>
@@ -3056,7 +3060,7 @@
           <a:p>
             <a:fld id="{D963610A-465F-4FA2-98F9-B91CBFF49EE6}" type="datetimeFigureOut">
               <a:rPr lang="en-US" smtClean="0"/>
-              <a:t>7/14/2025</a:t>
+              <a:t>7/18/2025</a:t>
             </a:fld>
             <a:endParaRPr lang="en-US"/>
           </a:p>
@@ -3344,7 +3348,7 @@
           <a:p>
             <a:fld id="{D963610A-465F-4FA2-98F9-B91CBFF49EE6}" type="datetimeFigureOut">
               <a:rPr lang="en-US" smtClean="0"/>
-              <a:t>7/14/2025</a:t>
+              <a:t>7/18/2025</a:t>
             </a:fld>
             <a:endParaRPr lang="en-US"/>
           </a:p>
@@ -3585,7 +3589,7 @@
           <a:p>
             <a:fld id="{D963610A-465F-4FA2-98F9-B91CBFF49EE6}" type="datetimeFigureOut">
               <a:rPr lang="en-US" smtClean="0"/>
-              <a:t>7/14/2025</a:t>
+              <a:t>7/18/2025</a:t>
             </a:fld>
             <a:endParaRPr lang="en-US"/>
           </a:p>
@@ -4304,12 +4308,86 @@
           <a:chExt cx="0" cy="0"/>
         </a:xfrm>
       </p:grpSpPr>
+      <p:sp>
+        <p:nvSpPr>
+          <p:cNvPr id="2" name="Title 1">
+            <a:extLst>
+              <a:ext uri="{FF2B5EF4-FFF2-40B4-BE49-F238E27FC236}">
+                <a16:creationId xmlns:a16="http://schemas.microsoft.com/office/drawing/2014/main" id="{EB4B5F15-F4F5-F44E-7C57-149BC046F74F}"/>
+              </a:ext>
+            </a:extLst>
+          </p:cNvPr>
+          <p:cNvSpPr>
+            <a:spLocks noGrp="1"/>
+          </p:cNvSpPr>
+          <p:nvPr>
+            <p:ph type="title"/>
+          </p:nvPr>
+        </p:nvSpPr>
+        <p:spPr>
+          <a:xfrm>
+            <a:off x="44450" y="18255"/>
+            <a:ext cx="10515600" cy="718345"/>
+          </a:xfrm>
+        </p:spPr>
+        <p:txBody>
+          <a:bodyPr/>
+          <a:lstStyle/>
+          <a:p>
+            <a:r>
+              <a:rPr lang="en-US" dirty="0"/>
+              <a:t>Tab 2: Explore Your Monsters</a:t>
+            </a:r>
+          </a:p>
+        </p:txBody>
+      </p:sp>
+      <p:sp>
+        <p:nvSpPr>
+          <p:cNvPr id="3" name="Content Placeholder 2">
+            <a:extLst>
+              <a:ext uri="{FF2B5EF4-FFF2-40B4-BE49-F238E27FC236}">
+                <a16:creationId xmlns:a16="http://schemas.microsoft.com/office/drawing/2014/main" id="{4D1CB74F-24AB-C3E3-85B9-EDB0EBCC2D8B}"/>
+              </a:ext>
+            </a:extLst>
+          </p:cNvPr>
+          <p:cNvSpPr>
+            <a:spLocks noGrp="1"/>
+          </p:cNvSpPr>
+          <p:nvPr>
+            <p:ph idx="1"/>
+          </p:nvPr>
+        </p:nvSpPr>
+        <p:spPr>
+          <a:xfrm>
+            <a:off x="177801" y="736600"/>
+            <a:ext cx="11724216" cy="869949"/>
+          </a:xfrm>
+        </p:spPr>
+        <p:txBody>
+          <a:bodyPr>
+            <a:normAutofit/>
+          </a:bodyPr>
+          <a:lstStyle/>
+          <a:p>
+            <a:pPr marL="0" indent="0">
+              <a:buNone/>
+            </a:pPr>
+            <a:r>
+              <a:rPr lang="en-US" sz="2400" dirty="0"/>
+              <a:t>This is the page where the user can explore the monsters</a:t>
+            </a:r>
+          </a:p>
+          <a:p>
+            <a:endParaRPr lang="en-US" sz="2400" dirty="0"/>
+          </a:p>
+        </p:txBody>
+      </p:sp>
       <p:pic>
         <p:nvPicPr>
-          <p:cNvPr id="5" name="Picture 4">
-            <a:extLst>
-              <a:ext uri="{FF2B5EF4-FFF2-40B4-BE49-F238E27FC236}">
-                <a16:creationId xmlns:a16="http://schemas.microsoft.com/office/drawing/2014/main" id="{7BCADBC1-4A0D-6EC4-A461-6132D705079C}"/>
+          <p:cNvPr id="8" name="Picture 7">
+            <a:extLst>
+              <a:ext uri="{FF2B5EF4-FFF2-40B4-BE49-F238E27FC236}">
+                <a16:creationId xmlns:a16="http://schemas.microsoft.com/office/drawing/2014/main" id="{757144F9-27AD-5C98-24C1-5AED99D1581A}"/>
               </a:ext>
             </a:extLst>
           </p:cNvPr>
@@ -4326,8 +4404,8 @@
         </p:blipFill>
         <p:spPr>
           <a:xfrm>
-            <a:off x="0" y="865653"/>
-            <a:ext cx="12192000" cy="5126694"/>
+            <a:off x="855133" y="1252959"/>
+            <a:ext cx="10727267" cy="5214252"/>
           </a:xfrm>
           <a:prstGeom prst="rect">
             <a:avLst/>
@@ -4339,87 +4417,10 @@
           </a:ln>
         </p:spPr>
       </p:pic>
-      <p:sp>
-        <p:nvSpPr>
-          <p:cNvPr id="2" name="Title 1">
-            <a:extLst>
-              <a:ext uri="{FF2B5EF4-FFF2-40B4-BE49-F238E27FC236}">
-                <a16:creationId xmlns:a16="http://schemas.microsoft.com/office/drawing/2014/main" id="{86297F28-5D18-9127-6DB3-6DC31F18845C}"/>
-              </a:ext>
-            </a:extLst>
-          </p:cNvPr>
-          <p:cNvSpPr>
-            <a:spLocks noGrp="1"/>
-          </p:cNvSpPr>
-          <p:nvPr>
-            <p:ph type="title"/>
-          </p:nvPr>
-        </p:nvSpPr>
-        <p:spPr>
-          <a:xfrm>
-            <a:off x="0" y="18255"/>
-            <a:ext cx="10515600" cy="807245"/>
-          </a:xfrm>
-        </p:spPr>
-        <p:txBody>
-          <a:bodyPr/>
-          <a:lstStyle/>
-          <a:p>
-            <a:r>
-              <a:rPr lang="en-US" dirty="0"/>
-              <a:t>Tab 2: Predictor Explorer</a:t>
-            </a:r>
-          </a:p>
-        </p:txBody>
-      </p:sp>
-      <p:sp>
-        <p:nvSpPr>
-          <p:cNvPr id="3" name="Content Placeholder 2">
-            <a:extLst>
-              <a:ext uri="{FF2B5EF4-FFF2-40B4-BE49-F238E27FC236}">
-                <a16:creationId xmlns:a16="http://schemas.microsoft.com/office/drawing/2014/main" id="{A6787EE7-726D-0BAA-D543-3E2777E2906D}"/>
-              </a:ext>
-            </a:extLst>
-          </p:cNvPr>
-          <p:cNvSpPr>
-            <a:spLocks noGrp="1"/>
-          </p:cNvSpPr>
-          <p:nvPr>
-            <p:ph idx="1"/>
-          </p:nvPr>
-        </p:nvSpPr>
-        <p:spPr>
-          <a:xfrm>
-            <a:off x="155473" y="2470150"/>
-            <a:ext cx="3832327" cy="3340100"/>
-          </a:xfrm>
-        </p:spPr>
-        <p:txBody>
-          <a:bodyPr>
-            <a:normAutofit fontScale="92500"/>
-          </a:bodyPr>
-          <a:lstStyle/>
-          <a:p>
-            <a:r>
-              <a:rPr lang="en-US" dirty="0"/>
-              <a:t>Tab 2 is about exploring the predictors against challenge rating</a:t>
-            </a:r>
-          </a:p>
-          <a:p>
-            <a:endParaRPr lang="en-US" dirty="0"/>
-          </a:p>
-          <a:p>
-            <a:r>
-              <a:rPr lang="en-US" dirty="0"/>
-              <a:t>The dropdown menu allows user’s to explore each of the predictors individually </a:t>
-            </a:r>
-          </a:p>
-        </p:txBody>
-      </p:sp>
     </p:spTree>
     <p:extLst>
       <p:ext uri="{BB962C8B-B14F-4D97-AF65-F5344CB8AC3E}">
-        <p14:creationId xmlns:p14="http://schemas.microsoft.com/office/powerpoint/2010/main" val="3095961224"/>
+        <p14:creationId xmlns:p14="http://schemas.microsoft.com/office/powerpoint/2010/main" val="3113018929"/>
       </p:ext>
     </p:extLst>
   </p:cSld>
@@ -4437,7 +4438,7 @@
         <p:cNvPr id="1" name="">
           <a:extLst>
             <a:ext uri="{FF2B5EF4-FFF2-40B4-BE49-F238E27FC236}">
-              <a16:creationId xmlns:a16="http://schemas.microsoft.com/office/drawing/2014/main" id="{EBA87B48-2656-BF07-BA50-ED7BAB0BFBBA}"/>
+              <a16:creationId xmlns:a16="http://schemas.microsoft.com/office/drawing/2014/main" id="{3379E137-C5C7-16C0-6BDA-98419F0EBFB8}"/>
             </a:ext>
           </a:extLst>
         </p:cNvPr>
@@ -4454,10 +4455,10 @@
       </p:grpSpPr>
       <p:pic>
         <p:nvPicPr>
-          <p:cNvPr id="5" name="Picture 4">
-            <a:extLst>
-              <a:ext uri="{FF2B5EF4-FFF2-40B4-BE49-F238E27FC236}">
-                <a16:creationId xmlns:a16="http://schemas.microsoft.com/office/drawing/2014/main" id="{C4E31C77-3D68-6A25-756A-CA784EE3C817}"/>
+          <p:cNvPr id="7" name="Picture 6">
+            <a:extLst>
+              <a:ext uri="{FF2B5EF4-FFF2-40B4-BE49-F238E27FC236}">
+                <a16:creationId xmlns:a16="http://schemas.microsoft.com/office/drawing/2014/main" id="{2CE6C9CC-A593-BB25-6924-E3A5DD01E528}"/>
               </a:ext>
             </a:extLst>
           </p:cNvPr>
@@ -4468,14 +4469,15 @@
         </p:nvPicPr>
         <p:blipFill>
           <a:blip r:embed="rId2"/>
+          <a:srcRect t="11087"/>
           <a:stretch>
             <a:fillRect/>
           </a:stretch>
         </p:blipFill>
         <p:spPr>
           <a:xfrm>
-            <a:off x="0" y="989857"/>
-            <a:ext cx="12192000" cy="4878285"/>
+            <a:off x="366180" y="2081743"/>
+            <a:ext cx="8690170" cy="3938058"/>
           </a:xfrm>
           <a:prstGeom prst="rect">
             <a:avLst/>
@@ -4492,7 +4494,7 @@
           <p:cNvPr id="2" name="Title 1">
             <a:extLst>
               <a:ext uri="{FF2B5EF4-FFF2-40B4-BE49-F238E27FC236}">
-                <a16:creationId xmlns:a16="http://schemas.microsoft.com/office/drawing/2014/main" id="{D42EDE61-33C9-F2BB-F24A-896E476DA757}"/>
+                <a16:creationId xmlns:a16="http://schemas.microsoft.com/office/drawing/2014/main" id="{A74D3D95-1FED-A4C3-FD7A-CF75CA843D99}"/>
               </a:ext>
             </a:extLst>
           </p:cNvPr>
@@ -4505,8 +4507,8 @@
         </p:nvSpPr>
         <p:spPr>
           <a:xfrm>
-            <a:off x="0" y="18255"/>
-            <a:ext cx="10515600" cy="807245"/>
+            <a:off x="44450" y="18255"/>
+            <a:ext cx="10515600" cy="718345"/>
           </a:xfrm>
         </p:spPr>
         <p:txBody>
@@ -4515,42 +4517,238 @@
           <a:p>
             <a:r>
               <a:rPr lang="en-US" dirty="0"/>
-              <a:t>Tab 2: Predictor Explorer</a:t>
-            </a:r>
-          </a:p>
-        </p:txBody>
-      </p:sp>
-      <p:sp>
-        <p:nvSpPr>
-          <p:cNvPr id="3" name="Content Placeholder 2">
-            <a:extLst>
-              <a:ext uri="{FF2B5EF4-FFF2-40B4-BE49-F238E27FC236}">
-                <a16:creationId xmlns:a16="http://schemas.microsoft.com/office/drawing/2014/main" id="{B7595B7B-7EA9-6BDC-A6B6-E5BB5343B0CD}"/>
-              </a:ext>
-            </a:extLst>
-          </p:cNvPr>
-          <p:cNvSpPr>
-            <a:spLocks noGrp="1"/>
-          </p:cNvSpPr>
-          <p:nvPr>
-            <p:ph idx="1"/>
-          </p:nvPr>
+              <a:t>Tab 2: Explore Your Monsters</a:t>
+            </a:r>
+          </a:p>
+        </p:txBody>
+      </p:sp>
+      <p:cxnSp>
+        <p:nvCxnSpPr>
+          <p:cNvPr id="8" name="Straight Arrow Connector 7">
+            <a:extLst>
+              <a:ext uri="{FF2B5EF4-FFF2-40B4-BE49-F238E27FC236}">
+                <a16:creationId xmlns:a16="http://schemas.microsoft.com/office/drawing/2014/main" id="{1BCD393B-8BA9-5D76-DE17-067C182DE2C9}"/>
+              </a:ext>
+            </a:extLst>
+          </p:cNvPr>
+          <p:cNvCxnSpPr>
+            <a:cxnSpLocks/>
+          </p:cNvCxnSpPr>
+          <p:nvPr/>
+        </p:nvCxnSpPr>
+        <p:spPr>
+          <a:xfrm flipV="1">
+            <a:off x="730249" y="5860001"/>
+            <a:ext cx="0" cy="522819"/>
+          </a:xfrm>
+          <a:prstGeom prst="straightConnector1">
+            <a:avLst/>
+          </a:prstGeom>
+          <a:ln>
+            <a:tailEnd type="triangle"/>
+          </a:ln>
+        </p:spPr>
+        <p:style>
+          <a:lnRef idx="2">
+            <a:schemeClr val="dk1"/>
+          </a:lnRef>
+          <a:fillRef idx="0">
+            <a:schemeClr val="dk1"/>
+          </a:fillRef>
+          <a:effectRef idx="1">
+            <a:schemeClr val="dk1"/>
+          </a:effectRef>
+          <a:fontRef idx="minor">
+            <a:schemeClr val="tx1"/>
+          </a:fontRef>
+        </p:style>
+      </p:cxnSp>
+      <p:sp>
+        <p:nvSpPr>
+          <p:cNvPr id="5" name="Right Brace 4">
+            <a:extLst>
+              <a:ext uri="{FF2B5EF4-FFF2-40B4-BE49-F238E27FC236}">
+                <a16:creationId xmlns:a16="http://schemas.microsoft.com/office/drawing/2014/main" id="{5FF70367-ECF6-2C5E-6822-B225FD4E2E99}"/>
+              </a:ext>
+            </a:extLst>
+          </p:cNvPr>
+          <p:cNvSpPr/>
+          <p:nvPr/>
         </p:nvSpPr>
         <p:spPr>
           <a:xfrm>
-            <a:off x="168173" y="2039092"/>
-            <a:ext cx="3749777" cy="3829050"/>
-          </a:xfrm>
-        </p:spPr>
-        <p:txBody>
-          <a:bodyPr>
-            <a:normAutofit fontScale="92500"/>
+            <a:off x="9088724" y="4503210"/>
+            <a:ext cx="550327" cy="1516591"/>
+          </a:xfrm>
+          <a:prstGeom prst="rightBrace">
+            <a:avLst/>
+          </a:prstGeom>
+        </p:spPr>
+        <p:style>
+          <a:lnRef idx="2">
+            <a:schemeClr val="dk1"/>
+          </a:lnRef>
+          <a:fillRef idx="0">
+            <a:schemeClr val="dk1"/>
+          </a:fillRef>
+          <a:effectRef idx="1">
+            <a:schemeClr val="dk1"/>
+          </a:effectRef>
+          <a:fontRef idx="minor">
+            <a:schemeClr val="tx1"/>
+          </a:fontRef>
+        </p:style>
+        <p:txBody>
+          <a:bodyPr rtlCol="0" anchor="ctr"/>
+          <a:lstStyle/>
+          <a:p>
+            <a:pPr algn="ctr"/>
+            <a:endParaRPr lang="en-US"/>
+          </a:p>
+        </p:txBody>
+      </p:sp>
+      <p:cxnSp>
+        <p:nvCxnSpPr>
+          <p:cNvPr id="10" name="Straight Arrow Connector 9">
+            <a:extLst>
+              <a:ext uri="{FF2B5EF4-FFF2-40B4-BE49-F238E27FC236}">
+                <a16:creationId xmlns:a16="http://schemas.microsoft.com/office/drawing/2014/main" id="{64CF44C5-E306-5327-CBD1-90C32443EC95}"/>
+              </a:ext>
+            </a:extLst>
+          </p:cNvPr>
+          <p:cNvCxnSpPr>
+            <a:cxnSpLocks/>
+          </p:cNvCxnSpPr>
+          <p:nvPr/>
+        </p:nvCxnSpPr>
+        <p:spPr>
+          <a:xfrm flipH="1">
+            <a:off x="3208867" y="1617133"/>
+            <a:ext cx="247398" cy="389467"/>
+          </a:xfrm>
+          <a:prstGeom prst="straightConnector1">
+            <a:avLst/>
+          </a:prstGeom>
+          <a:ln>
+            <a:tailEnd type="triangle"/>
+          </a:ln>
+        </p:spPr>
+        <p:style>
+          <a:lnRef idx="2">
+            <a:schemeClr val="dk1"/>
+          </a:lnRef>
+          <a:fillRef idx="0">
+            <a:schemeClr val="dk1"/>
+          </a:fillRef>
+          <a:effectRef idx="1">
+            <a:schemeClr val="dk1"/>
+          </a:effectRef>
+          <a:fontRef idx="minor">
+            <a:schemeClr val="tx1"/>
+          </a:fontRef>
+        </p:style>
+      </p:cxnSp>
+      <p:sp>
+        <p:nvSpPr>
+          <p:cNvPr id="4" name="TextBox 3">
+            <a:extLst>
+              <a:ext uri="{FF2B5EF4-FFF2-40B4-BE49-F238E27FC236}">
+                <a16:creationId xmlns:a16="http://schemas.microsoft.com/office/drawing/2014/main" id="{071B3A55-2988-604A-01FF-2786CC7B6CAA}"/>
+              </a:ext>
+            </a:extLst>
+          </p:cNvPr>
+          <p:cNvSpPr txBox="1"/>
+          <p:nvPr/>
+        </p:nvSpPr>
+        <p:spPr>
+          <a:xfrm>
+            <a:off x="9660459" y="4735863"/>
+            <a:ext cx="2531541" cy="1200329"/>
+          </a:xfrm>
+          <a:prstGeom prst="rect">
+            <a:avLst/>
+          </a:prstGeom>
+          <a:noFill/>
+        </p:spPr>
+        <p:txBody>
+          <a:bodyPr wrap="square" rtlCol="0">
+            <a:spAutoFit/>
           </a:bodyPr>
           <a:lstStyle/>
           <a:p>
             <a:r>
               <a:rPr lang="en-US" dirty="0"/>
-              <a:t>For most of the predictors, there is a relationship between Challenge Rating and the predictor, except for Dexterity, which does not seem to have a strong relationship as Challenge Rating increases</a:t>
+              <a:t>The table below shows the monsters that are being plotted in the graph</a:t>
+            </a:r>
+          </a:p>
+        </p:txBody>
+      </p:sp>
+      <p:sp>
+        <p:nvSpPr>
+          <p:cNvPr id="9" name="TextBox 8">
+            <a:extLst>
+              <a:ext uri="{FF2B5EF4-FFF2-40B4-BE49-F238E27FC236}">
+                <a16:creationId xmlns:a16="http://schemas.microsoft.com/office/drawing/2014/main" id="{5F9FBAFC-83EF-B653-9B61-28160918ABF3}"/>
+              </a:ext>
+            </a:extLst>
+          </p:cNvPr>
+          <p:cNvSpPr txBox="1"/>
+          <p:nvPr/>
+        </p:nvSpPr>
+        <p:spPr>
+          <a:xfrm>
+            <a:off x="3456265" y="799189"/>
+            <a:ext cx="4373040" cy="923330"/>
+          </a:xfrm>
+          <a:prstGeom prst="rect">
+            <a:avLst/>
+          </a:prstGeom>
+          <a:noFill/>
+        </p:spPr>
+        <p:txBody>
+          <a:bodyPr wrap="square" rtlCol="0">
+            <a:spAutoFit/>
+          </a:bodyPr>
+          <a:lstStyle/>
+          <a:p>
+            <a:r>
+              <a:rPr lang="en-US" dirty="0"/>
+              <a:t>The user can change any of the filters on the panel to see what monsters get filtered out (including monster type)</a:t>
+            </a:r>
+          </a:p>
+        </p:txBody>
+      </p:sp>
+      <p:sp>
+        <p:nvSpPr>
+          <p:cNvPr id="15" name="TextBox 14">
+            <a:extLst>
+              <a:ext uri="{FF2B5EF4-FFF2-40B4-BE49-F238E27FC236}">
+                <a16:creationId xmlns:a16="http://schemas.microsoft.com/office/drawing/2014/main" id="{6BF3FC3D-02BA-5E36-9707-FC573DC2B842}"/>
+              </a:ext>
+            </a:extLst>
+          </p:cNvPr>
+          <p:cNvSpPr txBox="1"/>
+          <p:nvPr/>
+        </p:nvSpPr>
+        <p:spPr>
+          <a:xfrm>
+            <a:off x="86785" y="6382820"/>
+            <a:ext cx="5045677" cy="369332"/>
+          </a:xfrm>
+          <a:prstGeom prst="rect">
+            <a:avLst/>
+          </a:prstGeom>
+          <a:noFill/>
+        </p:spPr>
+        <p:txBody>
+          <a:bodyPr wrap="none" rtlCol="0">
+            <a:spAutoFit/>
+          </a:bodyPr>
+          <a:lstStyle/>
+          <a:p>
+            <a:r>
+              <a:rPr lang="en-US" dirty="0"/>
+              <a:t>Clear All reverts the settings back to the default</a:t>
             </a:r>
           </a:p>
         </p:txBody>
@@ -4558,7 +4756,7 @@
     </p:spTree>
     <p:extLst>
       <p:ext uri="{BB962C8B-B14F-4D97-AF65-F5344CB8AC3E}">
-        <p14:creationId xmlns:p14="http://schemas.microsoft.com/office/powerpoint/2010/main" val="3094022729"/>
+        <p14:creationId xmlns:p14="http://schemas.microsoft.com/office/powerpoint/2010/main" val="1518075780"/>
       </p:ext>
     </p:extLst>
   </p:cSld>
@@ -4593,10 +4791,10 @@
       </p:grpSpPr>
       <p:pic>
         <p:nvPicPr>
-          <p:cNvPr id="5" name="Picture 4">
-            <a:extLst>
-              <a:ext uri="{FF2B5EF4-FFF2-40B4-BE49-F238E27FC236}">
-                <a16:creationId xmlns:a16="http://schemas.microsoft.com/office/drawing/2014/main" id="{4A1FA62D-B13F-3771-E08B-5696D065F5E2}"/>
+          <p:cNvPr id="10" name="Picture 9">
+            <a:extLst>
+              <a:ext uri="{FF2B5EF4-FFF2-40B4-BE49-F238E27FC236}">
+                <a16:creationId xmlns:a16="http://schemas.microsoft.com/office/drawing/2014/main" id="{22AE9909-F417-AE05-165E-1BE505B96582}"/>
               </a:ext>
             </a:extLst>
           </p:cNvPr>
@@ -4613,8 +4811,8 @@
         </p:blipFill>
         <p:spPr>
           <a:xfrm>
-            <a:off x="0" y="951689"/>
-            <a:ext cx="12192000" cy="4954622"/>
+            <a:off x="0" y="1594993"/>
+            <a:ext cx="12192000" cy="4334934"/>
           </a:xfrm>
           <a:prstGeom prst="rect">
             <a:avLst/>
@@ -4677,16 +4875,19 @@
         </p:nvSpPr>
         <p:spPr>
           <a:xfrm>
-            <a:off x="180873" y="2660650"/>
-            <a:ext cx="3635477" cy="3333750"/>
+            <a:off x="592668" y="730851"/>
+            <a:ext cx="11235266" cy="912283"/>
           </a:xfrm>
         </p:spPr>
         <p:txBody>
           <a:bodyPr>
-            <a:normAutofit fontScale="77500" lnSpcReduction="20000"/>
+            <a:normAutofit/>
           </a:bodyPr>
           <a:lstStyle/>
           <a:p>
+            <a:pPr marL="0" indent="0">
+              <a:buNone/>
+            </a:pPr>
             <a:r>
               <a:rPr lang="en-US" dirty="0"/>
               <a:t>Tab 3 is about looking at the similarities between monsters within each monster type</a:t>
@@ -4695,180 +4896,113 @@
           <a:p>
             <a:endParaRPr lang="en-US" dirty="0"/>
           </a:p>
-          <a:p>
-            <a:r>
-              <a:rPr lang="en-US" dirty="0"/>
-              <a:t>The PCA plot can show if certain monster types behave similarly or it the DM needs to think more about how to incorporate the monster into the campaign</a:t>
-            </a:r>
-          </a:p>
-        </p:txBody>
-      </p:sp>
-    </p:spTree>
-    <p:extLst>
-      <p:ext uri="{BB962C8B-B14F-4D97-AF65-F5344CB8AC3E}">
-        <p14:creationId xmlns:p14="http://schemas.microsoft.com/office/powerpoint/2010/main" val="1069480931"/>
-      </p:ext>
-    </p:extLst>
-  </p:cSld>
-  <p:clrMapOvr>
-    <a:masterClrMapping/>
-  </p:clrMapOvr>
-</p:sld>
-</file>
-
-<file path=ppt/slides/slide13.xml><?xml version="1.0" encoding="utf-8"?>
-<p:sld xmlns:a="http://schemas.openxmlformats.org/drawingml/2006/main" xmlns:r="http://schemas.openxmlformats.org/officeDocument/2006/relationships" xmlns:p="http://schemas.openxmlformats.org/presentationml/2006/main">
-  <p:cSld>
-    <p:spTree>
-      <p:nvGrpSpPr>
-        <p:cNvPr id="1" name="">
-          <a:extLst>
-            <a:ext uri="{FF2B5EF4-FFF2-40B4-BE49-F238E27FC236}">
-              <a16:creationId xmlns:a16="http://schemas.microsoft.com/office/drawing/2014/main" id="{4D049534-543E-1A5E-E0C8-CC9284F7F9FC}"/>
-            </a:ext>
-          </a:extLst>
-        </p:cNvPr>
-        <p:cNvGrpSpPr/>
-        <p:nvPr/>
-      </p:nvGrpSpPr>
-      <p:grpSpPr>
-        <a:xfrm>
-          <a:off x="0" y="0"/>
-          <a:ext cx="0" cy="0"/>
-          <a:chOff x="0" y="0"/>
-          <a:chExt cx="0" cy="0"/>
-        </a:xfrm>
-      </p:grpSpPr>
-      <p:pic>
-        <p:nvPicPr>
-          <p:cNvPr id="8" name="Picture 7">
-            <a:extLst>
-              <a:ext uri="{FF2B5EF4-FFF2-40B4-BE49-F238E27FC236}">
-                <a16:creationId xmlns:a16="http://schemas.microsoft.com/office/drawing/2014/main" id="{644D5E1D-3067-177E-43E8-DBAE01D54DCC}"/>
-              </a:ext>
-            </a:extLst>
-          </p:cNvPr>
-          <p:cNvPicPr>
-            <a:picLocks noChangeAspect="1"/>
-          </p:cNvPicPr>
+        </p:txBody>
+      </p:sp>
+      <p:sp>
+        <p:nvSpPr>
+          <p:cNvPr id="4" name="TextBox 3">
+            <a:extLst>
+              <a:ext uri="{FF2B5EF4-FFF2-40B4-BE49-F238E27FC236}">
+                <a16:creationId xmlns:a16="http://schemas.microsoft.com/office/drawing/2014/main" id="{CD825849-3782-12BF-CBC8-72A4D9A5AAB3}"/>
+              </a:ext>
+            </a:extLst>
+          </p:cNvPr>
+          <p:cNvSpPr txBox="1"/>
           <p:nvPr/>
-        </p:nvPicPr>
-        <p:blipFill>
-          <a:blip r:embed="rId2"/>
-          <a:stretch>
-            <a:fillRect/>
-          </a:stretch>
-        </p:blipFill>
+        </p:nvSpPr>
         <p:spPr>
           <a:xfrm>
-            <a:off x="0" y="970996"/>
-            <a:ext cx="12192000" cy="4916007"/>
+            <a:off x="0" y="6053089"/>
+            <a:ext cx="12115800" cy="646331"/>
           </a:xfrm>
           <a:prstGeom prst="rect">
             <a:avLst/>
           </a:prstGeom>
-          <a:ln>
-            <a:solidFill>
-              <a:schemeClr val="tx1"/>
-            </a:solidFill>
-          </a:ln>
-        </p:spPr>
-      </p:pic>
-      <p:sp>
-        <p:nvSpPr>
-          <p:cNvPr id="2" name="Title 1">
-            <a:extLst>
-              <a:ext uri="{FF2B5EF4-FFF2-40B4-BE49-F238E27FC236}">
-                <a16:creationId xmlns:a16="http://schemas.microsoft.com/office/drawing/2014/main" id="{0200C353-158B-839E-1972-64EEC9FB0316}"/>
-              </a:ext>
-            </a:extLst>
-          </p:cNvPr>
-          <p:cNvSpPr>
-            <a:spLocks noGrp="1"/>
-          </p:cNvSpPr>
-          <p:nvPr>
-            <p:ph type="title"/>
-          </p:nvPr>
+          <a:noFill/>
+        </p:spPr>
+        <p:txBody>
+          <a:bodyPr wrap="square" rtlCol="0">
+            <a:spAutoFit/>
+          </a:bodyPr>
+          <a:lstStyle/>
+          <a:p>
+            <a:r>
+              <a:rPr lang="en-US" dirty="0"/>
+              <a:t>The PCA plot can show if certain monster types behave similarly or it the DM needs to think more about how to incorporate the monster into the campaign (ex. </a:t>
+            </a:r>
+            <a:r>
+              <a:rPr lang="en-US" dirty="0" err="1"/>
+              <a:t>Chuul</a:t>
+            </a:r>
+            <a:r>
+              <a:rPr lang="en-US" dirty="0"/>
+              <a:t> and </a:t>
+            </a:r>
+            <a:r>
+              <a:rPr lang="en-US" dirty="0" err="1"/>
+              <a:t>Otyugh</a:t>
+            </a:r>
+            <a:r>
+              <a:rPr lang="en-US" dirty="0"/>
+              <a:t> have similar stats from other Aberration monsters)</a:t>
+            </a:r>
+          </a:p>
+        </p:txBody>
+      </p:sp>
+      <p:sp>
+        <p:nvSpPr>
+          <p:cNvPr id="6" name="TextBox 5">
+            <a:extLst>
+              <a:ext uri="{FF2B5EF4-FFF2-40B4-BE49-F238E27FC236}">
+                <a16:creationId xmlns:a16="http://schemas.microsoft.com/office/drawing/2014/main" id="{BD910F50-59B2-FC70-047D-9CEBBFDC2929}"/>
+              </a:ext>
+            </a:extLst>
+          </p:cNvPr>
+          <p:cNvSpPr txBox="1"/>
+          <p:nvPr/>
         </p:nvSpPr>
         <p:spPr>
           <a:xfrm>
-            <a:off x="0" y="18255"/>
-            <a:ext cx="10515600" cy="807245"/>
-          </a:xfrm>
-        </p:spPr>
-        <p:txBody>
-          <a:bodyPr/>
-          <a:lstStyle/>
-          <a:p>
-            <a:r>
-              <a:rPr lang="en-US" dirty="0"/>
-              <a:t>Tab 3: PCA by Monster Type</a:t>
-            </a:r>
-          </a:p>
-        </p:txBody>
-      </p:sp>
-      <p:sp>
-        <p:nvSpPr>
-          <p:cNvPr id="3" name="Content Placeholder 2">
-            <a:extLst>
-              <a:ext uri="{FF2B5EF4-FFF2-40B4-BE49-F238E27FC236}">
-                <a16:creationId xmlns:a16="http://schemas.microsoft.com/office/drawing/2014/main" id="{7CF8D91F-5783-8E00-72DE-E2C1B5EC67DF}"/>
-              </a:ext>
-            </a:extLst>
-          </p:cNvPr>
-          <p:cNvSpPr>
-            <a:spLocks noGrp="1"/>
-          </p:cNvSpPr>
-          <p:nvPr>
-            <p:ph idx="1"/>
-          </p:nvPr>
-        </p:nvSpPr>
-        <p:spPr>
-          <a:xfrm>
-            <a:off x="180873" y="2057400"/>
-            <a:ext cx="3635477" cy="3829603"/>
-          </a:xfrm>
-        </p:spPr>
-        <p:txBody>
-          <a:bodyPr>
-            <a:normAutofit fontScale="77500" lnSpcReduction="20000"/>
+            <a:off x="118536" y="3186913"/>
+            <a:ext cx="3979334" cy="584775"/>
+          </a:xfrm>
+          <a:prstGeom prst="rect">
+            <a:avLst/>
+          </a:prstGeom>
+          <a:noFill/>
+        </p:spPr>
+        <p:txBody>
+          <a:bodyPr wrap="square" rtlCol="0">
+            <a:spAutoFit/>
           </a:bodyPr>
           <a:lstStyle/>
           <a:p>
             <a:r>
-              <a:rPr lang="en-US" dirty="0"/>
-              <a:t>For the most part, all Dragon types are similar, except for Wyverns which are far away from the other Dragon types on the PCA plot</a:t>
-            </a:r>
-          </a:p>
-          <a:p>
-            <a:endParaRPr lang="en-US" dirty="0"/>
-          </a:p>
-          <a:p>
-            <a:r>
-              <a:rPr lang="en-US" dirty="0"/>
-              <a:t>This tells me that if I’m planning to use a Wyvern in my campaign, then it is probably going to behave differently than the other Dragons</a:t>
+              <a:rPr lang="en-US" sz="1600" dirty="0"/>
+              <a:t>The dropdown menu allows users to explore each monster type</a:t>
             </a:r>
           </a:p>
         </p:txBody>
       </p:sp>
       <p:cxnSp>
         <p:nvCxnSpPr>
-          <p:cNvPr id="10" name="Straight Arrow Connector 9">
-            <a:extLst>
-              <a:ext uri="{FF2B5EF4-FFF2-40B4-BE49-F238E27FC236}">
-                <a16:creationId xmlns:a16="http://schemas.microsoft.com/office/drawing/2014/main" id="{CF4B5797-39A1-DABC-CA77-60C5773CF7A0}"/>
+          <p:cNvPr id="7" name="Straight Arrow Connector 6">
+            <a:extLst>
+              <a:ext uri="{FF2B5EF4-FFF2-40B4-BE49-F238E27FC236}">
+                <a16:creationId xmlns:a16="http://schemas.microsoft.com/office/drawing/2014/main" id="{EC55325C-E122-EC52-8F96-0F8C35026B97}"/>
               </a:ext>
             </a:extLst>
           </p:cNvPr>
           <p:cNvCxnSpPr>
             <a:cxnSpLocks/>
+            <a:stCxn id="6" idx="0"/>
           </p:cNvCxnSpPr>
           <p:nvPr/>
         </p:nvCxnSpPr>
         <p:spPr>
-          <a:xfrm>
-            <a:off x="4114800" y="4261403"/>
-            <a:ext cx="774700" cy="703263"/>
+          <a:xfrm flipV="1">
+            <a:off x="2108203" y="2671020"/>
+            <a:ext cx="0" cy="515893"/>
           </a:xfrm>
           <a:prstGeom prst="straightConnector1">
             <a:avLst/>
@@ -4894,10 +5028,10 @@
       </p:cxnSp>
       <p:sp>
         <p:nvSpPr>
-          <p:cNvPr id="11" name="Oval 10">
-            <a:extLst>
-              <a:ext uri="{FF2B5EF4-FFF2-40B4-BE49-F238E27FC236}">
-                <a16:creationId xmlns:a16="http://schemas.microsoft.com/office/drawing/2014/main" id="{27AFC2AD-0FFE-E9EE-663A-0FC57E00B6A1}"/>
+          <p:cNvPr id="5" name="Oval 4">
+            <a:extLst>
+              <a:ext uri="{FF2B5EF4-FFF2-40B4-BE49-F238E27FC236}">
+                <a16:creationId xmlns:a16="http://schemas.microsoft.com/office/drawing/2014/main" id="{FE0ED9F1-305C-2AE6-E8C3-F476BCDAF12E}"/>
               </a:ext>
             </a:extLst>
           </p:cNvPr>
@@ -4906,8 +5040,8 @@
         </p:nvSpPr>
         <p:spPr>
           <a:xfrm>
-            <a:off x="4838700" y="4902200"/>
-            <a:ext cx="482600" cy="558800"/>
+            <a:off x="8479367" y="4792133"/>
+            <a:ext cx="673100" cy="722436"/>
           </a:xfrm>
           <a:prstGeom prst="ellipse">
             <a:avLst/>
@@ -4915,7 +5049,7 @@
           <a:noFill/>
           <a:ln>
             <a:solidFill>
-              <a:schemeClr val="tx1"/>
+              <a:schemeClr val="accent6"/>
             </a:solidFill>
           </a:ln>
         </p:spPr>
@@ -4947,7 +5081,7 @@
     </p:spTree>
     <p:extLst>
       <p:ext uri="{BB962C8B-B14F-4D97-AF65-F5344CB8AC3E}">
-        <p14:creationId xmlns:p14="http://schemas.microsoft.com/office/powerpoint/2010/main" val="2469566896"/>
+        <p14:creationId xmlns:p14="http://schemas.microsoft.com/office/powerpoint/2010/main" val="1069480931"/>
       </p:ext>
     </p:extLst>
   </p:cSld>
@@ -4957,7 +5091,7 @@
 </p:sld>
 </file>
 
-<file path=ppt/slides/slide14.xml><?xml version="1.0" encoding="utf-8"?>
+<file path=ppt/slides/slide13.xml><?xml version="1.0" encoding="utf-8"?>
 <p:sld xmlns:a="http://schemas.openxmlformats.org/drawingml/2006/main" xmlns:r="http://schemas.openxmlformats.org/officeDocument/2006/relationships" xmlns:p="http://schemas.openxmlformats.org/presentationml/2006/main">
   <p:cSld>
     <p:spTree>
@@ -4982,10 +5116,10 @@
       </p:grpSpPr>
       <p:pic>
         <p:nvPicPr>
-          <p:cNvPr id="6" name="Picture 5">
-            <a:extLst>
-              <a:ext uri="{FF2B5EF4-FFF2-40B4-BE49-F238E27FC236}">
-                <a16:creationId xmlns:a16="http://schemas.microsoft.com/office/drawing/2014/main" id="{1C89D2DC-2448-0A1E-93AF-B11F7B47EA3D}"/>
+          <p:cNvPr id="9" name="Picture 8">
+            <a:extLst>
+              <a:ext uri="{FF2B5EF4-FFF2-40B4-BE49-F238E27FC236}">
+                <a16:creationId xmlns:a16="http://schemas.microsoft.com/office/drawing/2014/main" id="{57774D24-E6D1-70D0-F686-7505C9B3731A}"/>
               </a:ext>
             </a:extLst>
           </p:cNvPr>
@@ -5002,8 +5136,8 @@
         </p:blipFill>
         <p:spPr>
           <a:xfrm>
-            <a:off x="0" y="833387"/>
-            <a:ext cx="12192000" cy="5191226"/>
+            <a:off x="0" y="1778106"/>
+            <a:ext cx="12192000" cy="4246508"/>
           </a:xfrm>
           <a:prstGeom prst="rect">
             <a:avLst/>
@@ -5066,13 +5200,13 @@
         </p:nvSpPr>
         <p:spPr>
           <a:xfrm>
-            <a:off x="66573" y="2978150"/>
-            <a:ext cx="3832327" cy="3046463"/>
+            <a:off x="66573" y="728134"/>
+            <a:ext cx="11998427" cy="5296480"/>
           </a:xfrm>
         </p:spPr>
         <p:txBody>
           <a:bodyPr>
-            <a:normAutofit fontScale="85000" lnSpcReduction="20000"/>
+            <a:normAutofit/>
           </a:bodyPr>
           <a:lstStyle/>
           <a:p>
@@ -5084,6 +5218,35 @@
           <a:p>
             <a:endParaRPr lang="en-US" dirty="0"/>
           </a:p>
+        </p:txBody>
+      </p:sp>
+      <p:sp>
+        <p:nvSpPr>
+          <p:cNvPr id="4" name="TextBox 3">
+            <a:extLst>
+              <a:ext uri="{FF2B5EF4-FFF2-40B4-BE49-F238E27FC236}">
+                <a16:creationId xmlns:a16="http://schemas.microsoft.com/office/drawing/2014/main" id="{0C8BC462-4E4B-DF22-2776-AAD388BDFA86}"/>
+              </a:ext>
+            </a:extLst>
+          </p:cNvPr>
+          <p:cNvSpPr txBox="1"/>
+          <p:nvPr/>
+        </p:nvSpPr>
+        <p:spPr>
+          <a:xfrm>
+            <a:off x="287867" y="4510118"/>
+            <a:ext cx="3403599" cy="1200329"/>
+          </a:xfrm>
+          <a:prstGeom prst="rect">
+            <a:avLst/>
+          </a:prstGeom>
+          <a:noFill/>
+        </p:spPr>
+        <p:txBody>
+          <a:bodyPr wrap="square" rtlCol="0">
+            <a:spAutoFit/>
+          </a:bodyPr>
+          <a:lstStyle/>
           <a:p>
             <a:r>
               <a:rPr lang="en-US" dirty="0"/>
@@ -5092,6 +5255,45 @@
           </a:p>
         </p:txBody>
       </p:sp>
+      <p:cxnSp>
+        <p:nvCxnSpPr>
+          <p:cNvPr id="7" name="Straight Arrow Connector 6">
+            <a:extLst>
+              <a:ext uri="{FF2B5EF4-FFF2-40B4-BE49-F238E27FC236}">
+                <a16:creationId xmlns:a16="http://schemas.microsoft.com/office/drawing/2014/main" id="{AD1CAA30-2640-ACC8-C464-89BEE4E06292}"/>
+              </a:ext>
+            </a:extLst>
+          </p:cNvPr>
+          <p:cNvCxnSpPr/>
+          <p:nvPr/>
+        </p:nvCxnSpPr>
+        <p:spPr>
+          <a:xfrm flipV="1">
+            <a:off x="2065867" y="3530600"/>
+            <a:ext cx="0" cy="905933"/>
+          </a:xfrm>
+          <a:prstGeom prst="straightConnector1">
+            <a:avLst/>
+          </a:prstGeom>
+          <a:ln>
+            <a:tailEnd type="triangle"/>
+          </a:ln>
+        </p:spPr>
+        <p:style>
+          <a:lnRef idx="2">
+            <a:schemeClr val="dk1"/>
+          </a:lnRef>
+          <a:fillRef idx="0">
+            <a:schemeClr val="dk1"/>
+          </a:fillRef>
+          <a:effectRef idx="1">
+            <a:schemeClr val="dk1"/>
+          </a:effectRef>
+          <a:fontRef idx="minor">
+            <a:schemeClr val="tx1"/>
+          </a:fontRef>
+        </p:style>
+      </p:cxnSp>
     </p:spTree>
     <p:extLst>
       <p:ext uri="{BB962C8B-B14F-4D97-AF65-F5344CB8AC3E}">
@@ -5105,7 +5307,7 @@
 </p:sld>
 </file>
 
-<file path=ppt/slides/slide15.xml><?xml version="1.0" encoding="utf-8"?>
+<file path=ppt/slides/slide14.xml><?xml version="1.0" encoding="utf-8"?>
 <p:sld xmlns:a="http://schemas.openxmlformats.org/drawingml/2006/main" xmlns:r="http://schemas.openxmlformats.org/officeDocument/2006/relationships" xmlns:p="http://schemas.openxmlformats.org/presentationml/2006/main">
   <p:cSld>
     <p:spTree>
@@ -5358,6 +5560,154 @@
 </p:sld>
 </file>
 
+<file path=ppt/slides/slide15.xml><?xml version="1.0" encoding="utf-8"?>
+<p:sld xmlns:a="http://schemas.openxmlformats.org/drawingml/2006/main" xmlns:r="http://schemas.openxmlformats.org/officeDocument/2006/relationships" xmlns:p="http://schemas.openxmlformats.org/presentationml/2006/main">
+  <p:cSld>
+    <p:spTree>
+      <p:nvGrpSpPr>
+        <p:cNvPr id="1" name="">
+          <a:extLst>
+            <a:ext uri="{FF2B5EF4-FFF2-40B4-BE49-F238E27FC236}">
+              <a16:creationId xmlns:a16="http://schemas.microsoft.com/office/drawing/2014/main" id="{2A4058B8-A8EB-122B-EF83-97D36DE60139}"/>
+            </a:ext>
+          </a:extLst>
+        </p:cNvPr>
+        <p:cNvGrpSpPr/>
+        <p:nvPr/>
+      </p:nvGrpSpPr>
+      <p:grpSpPr>
+        <a:xfrm>
+          <a:off x="0" y="0"/>
+          <a:ext cx="0" cy="0"/>
+          <a:chOff x="0" y="0"/>
+          <a:chExt cx="0" cy="0"/>
+        </a:xfrm>
+      </p:grpSpPr>
+      <p:sp>
+        <p:nvSpPr>
+          <p:cNvPr id="2" name="Title 1">
+            <a:extLst>
+              <a:ext uri="{FF2B5EF4-FFF2-40B4-BE49-F238E27FC236}">
+                <a16:creationId xmlns:a16="http://schemas.microsoft.com/office/drawing/2014/main" id="{752BADD7-40AA-4CEE-45A2-0D424438F045}"/>
+              </a:ext>
+            </a:extLst>
+          </p:cNvPr>
+          <p:cNvSpPr>
+            <a:spLocks noGrp="1"/>
+          </p:cNvSpPr>
+          <p:nvPr>
+            <p:ph type="title"/>
+          </p:nvPr>
+        </p:nvSpPr>
+        <p:spPr>
+          <a:xfrm>
+            <a:off x="44450" y="18255"/>
+            <a:ext cx="10515600" cy="718345"/>
+          </a:xfrm>
+        </p:spPr>
+        <p:txBody>
+          <a:bodyPr/>
+          <a:lstStyle/>
+          <a:p>
+            <a:r>
+              <a:rPr lang="en-US" dirty="0"/>
+              <a:t>Example Use Case: The Lich</a:t>
+            </a:r>
+          </a:p>
+        </p:txBody>
+      </p:sp>
+      <p:sp>
+        <p:nvSpPr>
+          <p:cNvPr id="3" name="Content Placeholder 2">
+            <a:extLst>
+              <a:ext uri="{FF2B5EF4-FFF2-40B4-BE49-F238E27FC236}">
+                <a16:creationId xmlns:a16="http://schemas.microsoft.com/office/drawing/2014/main" id="{233BB0D5-8F58-7558-8E28-539AF6643174}"/>
+              </a:ext>
+            </a:extLst>
+          </p:cNvPr>
+          <p:cNvSpPr>
+            <a:spLocks noGrp="1"/>
+          </p:cNvSpPr>
+          <p:nvPr>
+            <p:ph idx="1"/>
+          </p:nvPr>
+        </p:nvSpPr>
+        <p:spPr>
+          <a:xfrm>
+            <a:off x="414867" y="736600"/>
+            <a:ext cx="11656483" cy="1625600"/>
+          </a:xfrm>
+        </p:spPr>
+        <p:txBody>
+          <a:bodyPr>
+            <a:normAutofit fontScale="77500" lnSpcReduction="20000"/>
+          </a:bodyPr>
+          <a:lstStyle/>
+          <a:p>
+            <a:r>
+              <a:rPr lang="en-US" dirty="0"/>
+              <a:t>Let’s say for the campaign I’m running as a DM, the players (level 8) are trapped in a graveyard and I want them to fight off some Undead monster</a:t>
+            </a:r>
+          </a:p>
+          <a:p>
+            <a:endParaRPr lang="en-US" dirty="0"/>
+          </a:p>
+          <a:p>
+            <a:r>
+              <a:rPr lang="en-US" dirty="0"/>
+              <a:t>I want to first look at what predictors will predict more challenging monsters (such as hit points)</a:t>
+            </a:r>
+          </a:p>
+        </p:txBody>
+      </p:sp>
+      <p:pic>
+        <p:nvPicPr>
+          <p:cNvPr id="7" name="Picture 6">
+            <a:extLst>
+              <a:ext uri="{FF2B5EF4-FFF2-40B4-BE49-F238E27FC236}">
+                <a16:creationId xmlns:a16="http://schemas.microsoft.com/office/drawing/2014/main" id="{9FECFA22-782E-415D-DAD4-261BE6DD6A03}"/>
+              </a:ext>
+            </a:extLst>
+          </p:cNvPr>
+          <p:cNvPicPr>
+            <a:picLocks noChangeAspect="1"/>
+          </p:cNvPicPr>
+          <p:nvPr/>
+        </p:nvPicPr>
+        <p:blipFill>
+          <a:blip r:embed="rId2"/>
+          <a:stretch>
+            <a:fillRect/>
+          </a:stretch>
+        </p:blipFill>
+        <p:spPr>
+          <a:xfrm>
+            <a:off x="2046484" y="2181014"/>
+            <a:ext cx="9317899" cy="4445281"/>
+          </a:xfrm>
+          <a:prstGeom prst="rect">
+            <a:avLst/>
+          </a:prstGeom>
+          <a:ln>
+            <a:solidFill>
+              <a:schemeClr val="tx1"/>
+            </a:solidFill>
+          </a:ln>
+        </p:spPr>
+      </p:pic>
+    </p:spTree>
+    <p:extLst>
+      <p:ext uri="{BB962C8B-B14F-4D97-AF65-F5344CB8AC3E}">
+        <p14:creationId xmlns:p14="http://schemas.microsoft.com/office/powerpoint/2010/main" val="4051840919"/>
+      </p:ext>
+    </p:extLst>
+  </p:cSld>
+  <p:clrMapOvr>
+    <a:masterClrMapping/>
+  </p:clrMapOvr>
+</p:sld>
+</file>
+
 <file path=ppt/slides/slide16.xml><?xml version="1.0" encoding="utf-8"?>
 <p:sld xmlns:a="http://schemas.openxmlformats.org/drawingml/2006/main" xmlns:r="http://schemas.openxmlformats.org/officeDocument/2006/relationships" xmlns:p="http://schemas.openxmlformats.org/presentationml/2006/main">
   <p:cSld>
@@ -5366,7 +5716,7 @@
         <p:cNvPr id="1" name="">
           <a:extLst>
             <a:ext uri="{FF2B5EF4-FFF2-40B4-BE49-F238E27FC236}">
-              <a16:creationId xmlns:a16="http://schemas.microsoft.com/office/drawing/2014/main" id="{BEEF1C3C-FEC3-9260-BB22-2F1D855DAFFB}"/>
+              <a16:creationId xmlns:a16="http://schemas.microsoft.com/office/drawing/2014/main" id="{EBA87B48-2656-BF07-BA50-ED7BAB0BFBBA}"/>
             </a:ext>
           </a:extLst>
         </p:cNvPr>
@@ -5383,10 +5733,10 @@
       </p:grpSpPr>
       <p:pic>
         <p:nvPicPr>
-          <p:cNvPr id="6" name="Picture 5">
-            <a:extLst>
-              <a:ext uri="{FF2B5EF4-FFF2-40B4-BE49-F238E27FC236}">
-                <a16:creationId xmlns:a16="http://schemas.microsoft.com/office/drawing/2014/main" id="{06C31217-4017-14FF-C951-868C406BA05A}"/>
+          <p:cNvPr id="5" name="Picture 4">
+            <a:extLst>
+              <a:ext uri="{FF2B5EF4-FFF2-40B4-BE49-F238E27FC236}">
+                <a16:creationId xmlns:a16="http://schemas.microsoft.com/office/drawing/2014/main" id="{C4E31C77-3D68-6A25-756A-CA784EE3C817}"/>
               </a:ext>
             </a:extLst>
           </p:cNvPr>
@@ -5396,15 +5746,15 @@
           <p:nvPr/>
         </p:nvPicPr>
         <p:blipFill>
-          <a:blip r:embed="rId3"/>
+          <a:blip r:embed="rId2"/>
           <a:stretch>
             <a:fillRect/>
           </a:stretch>
         </p:blipFill>
         <p:spPr>
           <a:xfrm>
-            <a:off x="0" y="825500"/>
-            <a:ext cx="12192000" cy="5743379"/>
+            <a:off x="0" y="989857"/>
+            <a:ext cx="12192000" cy="4878285"/>
           </a:xfrm>
           <a:prstGeom prst="rect">
             <a:avLst/>
@@ -5421,7 +5771,7 @@
           <p:cNvPr id="2" name="Title 1">
             <a:extLst>
               <a:ext uri="{FF2B5EF4-FFF2-40B4-BE49-F238E27FC236}">
-                <a16:creationId xmlns:a16="http://schemas.microsoft.com/office/drawing/2014/main" id="{234F82C9-CAE0-B93A-239F-94920EAA31A6}"/>
+                <a16:creationId xmlns:a16="http://schemas.microsoft.com/office/drawing/2014/main" id="{D42EDE61-33C9-F2BB-F24A-896E476DA757}"/>
               </a:ext>
             </a:extLst>
           </p:cNvPr>
@@ -5444,7 +5794,7 @@
           <a:p>
             <a:r>
               <a:rPr lang="en-US" dirty="0"/>
-              <a:t>Tab 4: Search for Monsters</a:t>
+              <a:t>Example Use Case: The Lich</a:t>
             </a:r>
           </a:p>
         </p:txBody>
@@ -5454,7 +5804,7 @@
           <p:cNvPr id="3" name="Content Placeholder 2">
             <a:extLst>
               <a:ext uri="{FF2B5EF4-FFF2-40B4-BE49-F238E27FC236}">
-                <a16:creationId xmlns:a16="http://schemas.microsoft.com/office/drawing/2014/main" id="{428EE031-0E8F-A65B-E69E-A8CD315F6F9E}"/>
+                <a16:creationId xmlns:a16="http://schemas.microsoft.com/office/drawing/2014/main" id="{B7595B7B-7EA9-6BDC-A6B6-E5BB5343B0CD}"/>
               </a:ext>
             </a:extLst>
           </p:cNvPr>
@@ -5467,19 +5817,22 @@
         </p:nvSpPr>
         <p:spPr>
           <a:xfrm>
-            <a:off x="66573" y="4121150"/>
-            <a:ext cx="3076677" cy="2400300"/>
+            <a:off x="168173" y="2286000"/>
+            <a:ext cx="3749777" cy="3582142"/>
           </a:xfrm>
         </p:spPr>
         <p:txBody>
           <a:bodyPr>
-            <a:normAutofit/>
+            <a:normAutofit fontScale="85000" lnSpcReduction="10000"/>
           </a:bodyPr>
           <a:lstStyle/>
           <a:p>
+            <a:pPr marL="0" indent="0">
+              <a:buNone/>
+            </a:pPr>
             <a:r>
               <a:rPr lang="en-US" dirty="0"/>
-              <a:t>Example output for the Lich</a:t>
+              <a:t>For most of the predictors, there is a relationship between Challenge Rating and the predictor, except for Dexterity, which does not seem to have a strong relationship as Challenge Rating increases, so this stat doesn’t matter as much when picking a challenging monster</a:t>
             </a:r>
           </a:p>
         </p:txBody>
@@ -5487,7 +5840,7 @@
     </p:spTree>
     <p:extLst>
       <p:ext uri="{BB962C8B-B14F-4D97-AF65-F5344CB8AC3E}">
-        <p14:creationId xmlns:p14="http://schemas.microsoft.com/office/powerpoint/2010/main" val="2052776318"/>
+        <p14:creationId xmlns:p14="http://schemas.microsoft.com/office/powerpoint/2010/main" val="3094022729"/>
       </p:ext>
     </p:extLst>
   </p:cSld>
@@ -5498,6 +5851,713 @@
 </file>
 
 <file path=ppt/slides/slide17.xml><?xml version="1.0" encoding="utf-8"?>
+<p:sld xmlns:a="http://schemas.openxmlformats.org/drawingml/2006/main" xmlns:r="http://schemas.openxmlformats.org/officeDocument/2006/relationships" xmlns:p="http://schemas.openxmlformats.org/presentationml/2006/main">
+  <p:cSld>
+    <p:spTree>
+      <p:nvGrpSpPr>
+        <p:cNvPr id="1" name="">
+          <a:extLst>
+            <a:ext uri="{FF2B5EF4-FFF2-40B4-BE49-F238E27FC236}">
+              <a16:creationId xmlns:a16="http://schemas.microsoft.com/office/drawing/2014/main" id="{4B1DC937-7AEA-7055-ADBB-9F128FB84DC8}"/>
+            </a:ext>
+          </a:extLst>
+        </p:cNvPr>
+        <p:cNvGrpSpPr/>
+        <p:nvPr/>
+      </p:nvGrpSpPr>
+      <p:grpSpPr>
+        <a:xfrm>
+          <a:off x="0" y="0"/>
+          <a:ext cx="0" cy="0"/>
+          <a:chOff x="0" y="0"/>
+          <a:chExt cx="0" cy="0"/>
+        </a:xfrm>
+      </p:grpSpPr>
+      <p:sp>
+        <p:nvSpPr>
+          <p:cNvPr id="2" name="Title 1">
+            <a:extLst>
+              <a:ext uri="{FF2B5EF4-FFF2-40B4-BE49-F238E27FC236}">
+                <a16:creationId xmlns:a16="http://schemas.microsoft.com/office/drawing/2014/main" id="{C85E4B43-54FC-7044-0E8F-BEA37B102534}"/>
+              </a:ext>
+            </a:extLst>
+          </p:cNvPr>
+          <p:cNvSpPr>
+            <a:spLocks noGrp="1"/>
+          </p:cNvSpPr>
+          <p:nvPr>
+            <p:ph type="title"/>
+          </p:nvPr>
+        </p:nvSpPr>
+        <p:spPr>
+          <a:xfrm>
+            <a:off x="44450" y="18256"/>
+            <a:ext cx="10515600" cy="642144"/>
+          </a:xfrm>
+        </p:spPr>
+        <p:txBody>
+          <a:bodyPr>
+            <a:noAutofit/>
+          </a:bodyPr>
+          <a:lstStyle/>
+          <a:p>
+            <a:r>
+              <a:rPr lang="en-US" sz="3600" dirty="0"/>
+              <a:t>Example Use Case: The Lich</a:t>
+            </a:r>
+          </a:p>
+        </p:txBody>
+      </p:sp>
+      <p:sp>
+        <p:nvSpPr>
+          <p:cNvPr id="5" name="Content Placeholder 4">
+            <a:extLst>
+              <a:ext uri="{FF2B5EF4-FFF2-40B4-BE49-F238E27FC236}">
+                <a16:creationId xmlns:a16="http://schemas.microsoft.com/office/drawing/2014/main" id="{2F6DC646-F5D7-01ED-F5F6-830E67E7E24A}"/>
+              </a:ext>
+            </a:extLst>
+          </p:cNvPr>
+          <p:cNvSpPr>
+            <a:spLocks noGrp="1"/>
+          </p:cNvSpPr>
+          <p:nvPr>
+            <p:ph idx="1"/>
+          </p:nvPr>
+        </p:nvSpPr>
+        <p:spPr>
+          <a:xfrm>
+            <a:off x="8655050" y="3206750"/>
+            <a:ext cx="3340099" cy="3486149"/>
+          </a:xfrm>
+        </p:spPr>
+        <p:txBody>
+          <a:bodyPr>
+            <a:normAutofit/>
+          </a:bodyPr>
+          <a:lstStyle/>
+          <a:p>
+            <a:pPr marL="0" indent="0">
+              <a:buNone/>
+            </a:pPr>
+            <a:r>
+              <a:rPr lang="en-US" sz="1800" dirty="0"/>
+              <a:t>Interestingly, it seems like there’s a chunk of monsters (circled in green) that the guidebook rates between 10 and 20 but the model gives a slightly lower predicted CR</a:t>
+            </a:r>
+          </a:p>
+          <a:p>
+            <a:pPr marL="0" indent="0">
+              <a:buNone/>
+            </a:pPr>
+            <a:endParaRPr lang="en-US" sz="1800" dirty="0"/>
+          </a:p>
+          <a:p>
+            <a:pPr marL="0" indent="0">
+              <a:buNone/>
+            </a:pPr>
+            <a:r>
+              <a:rPr lang="en-US" sz="1800" dirty="0"/>
+              <a:t>Further, there is one monster (the Lich) that seems to be predicted even lower than the rest, and might be a potential outlier</a:t>
+            </a:r>
+          </a:p>
+        </p:txBody>
+      </p:sp>
+      <p:sp>
+        <p:nvSpPr>
+          <p:cNvPr id="11" name="Oval 10">
+            <a:extLst>
+              <a:ext uri="{FF2B5EF4-FFF2-40B4-BE49-F238E27FC236}">
+                <a16:creationId xmlns:a16="http://schemas.microsoft.com/office/drawing/2014/main" id="{0F31B34F-D996-B899-795B-33675B263C07}"/>
+              </a:ext>
+            </a:extLst>
+          </p:cNvPr>
+          <p:cNvSpPr/>
+          <p:nvPr/>
+        </p:nvSpPr>
+        <p:spPr>
+          <a:xfrm rot="21271954">
+            <a:off x="5744190" y="1844816"/>
+            <a:ext cx="2621305" cy="977820"/>
+          </a:xfrm>
+          <a:prstGeom prst="ellipse">
+            <a:avLst/>
+          </a:prstGeom>
+          <a:noFill/>
+          <a:ln>
+            <a:solidFill>
+              <a:schemeClr val="accent6"/>
+            </a:solidFill>
+          </a:ln>
+        </p:spPr>
+        <p:style>
+          <a:lnRef idx="2">
+            <a:schemeClr val="accent1">
+              <a:shade val="15000"/>
+            </a:schemeClr>
+          </a:lnRef>
+          <a:fillRef idx="1">
+            <a:schemeClr val="accent1"/>
+          </a:fillRef>
+          <a:effectRef idx="0">
+            <a:schemeClr val="accent1"/>
+          </a:effectRef>
+          <a:fontRef idx="minor">
+            <a:schemeClr val="lt1"/>
+          </a:fontRef>
+        </p:style>
+        <p:txBody>
+          <a:bodyPr rtlCol="0" anchor="ctr"/>
+          <a:lstStyle/>
+          <a:p>
+            <a:pPr algn="ctr"/>
+            <a:endParaRPr lang="en-US"/>
+          </a:p>
+        </p:txBody>
+      </p:sp>
+      <p:pic>
+        <p:nvPicPr>
+          <p:cNvPr id="16" name="Picture 15">
+            <a:extLst>
+              <a:ext uri="{FF2B5EF4-FFF2-40B4-BE49-F238E27FC236}">
+                <a16:creationId xmlns:a16="http://schemas.microsoft.com/office/drawing/2014/main" id="{40F41B17-D9DB-3053-A8FA-E95B560BD1A2}"/>
+              </a:ext>
+            </a:extLst>
+          </p:cNvPr>
+          <p:cNvPicPr>
+            <a:picLocks noChangeAspect="1"/>
+          </p:cNvPicPr>
+          <p:nvPr/>
+        </p:nvPicPr>
+        <p:blipFill>
+          <a:blip r:embed="rId2"/>
+          <a:stretch>
+            <a:fillRect/>
+          </a:stretch>
+        </p:blipFill>
+        <p:spPr>
+          <a:xfrm>
+            <a:off x="101601" y="1049637"/>
+            <a:ext cx="8553450" cy="4650775"/>
+          </a:xfrm>
+          <a:prstGeom prst="rect">
+            <a:avLst/>
+          </a:prstGeom>
+          <a:ln>
+            <a:solidFill>
+              <a:schemeClr val="tx1"/>
+            </a:solidFill>
+          </a:ln>
+        </p:spPr>
+      </p:pic>
+      <p:sp>
+        <p:nvSpPr>
+          <p:cNvPr id="17" name="Oval 16">
+            <a:extLst>
+              <a:ext uri="{FF2B5EF4-FFF2-40B4-BE49-F238E27FC236}">
+                <a16:creationId xmlns:a16="http://schemas.microsoft.com/office/drawing/2014/main" id="{27CC08C0-3469-4B4B-2FEF-548336A23E7C}"/>
+              </a:ext>
+            </a:extLst>
+          </p:cNvPr>
+          <p:cNvSpPr/>
+          <p:nvPr/>
+        </p:nvSpPr>
+        <p:spPr>
+          <a:xfrm rot="21271954">
+            <a:off x="4455141" y="1908316"/>
+            <a:ext cx="2621305" cy="977820"/>
+          </a:xfrm>
+          <a:prstGeom prst="ellipse">
+            <a:avLst/>
+          </a:prstGeom>
+          <a:noFill/>
+          <a:ln>
+            <a:solidFill>
+              <a:schemeClr val="accent6"/>
+            </a:solidFill>
+          </a:ln>
+        </p:spPr>
+        <p:style>
+          <a:lnRef idx="2">
+            <a:schemeClr val="accent1">
+              <a:shade val="15000"/>
+            </a:schemeClr>
+          </a:lnRef>
+          <a:fillRef idx="1">
+            <a:schemeClr val="accent1"/>
+          </a:fillRef>
+          <a:effectRef idx="0">
+            <a:schemeClr val="accent1"/>
+          </a:effectRef>
+          <a:fontRef idx="minor">
+            <a:schemeClr val="lt1"/>
+          </a:fontRef>
+        </p:style>
+        <p:txBody>
+          <a:bodyPr rtlCol="0" anchor="ctr"/>
+          <a:lstStyle/>
+          <a:p>
+            <a:pPr algn="ctr"/>
+            <a:endParaRPr lang="en-US"/>
+          </a:p>
+        </p:txBody>
+      </p:sp>
+      <p:pic>
+        <p:nvPicPr>
+          <p:cNvPr id="15" name="Picture 14">
+            <a:extLst>
+              <a:ext uri="{FF2B5EF4-FFF2-40B4-BE49-F238E27FC236}">
+                <a16:creationId xmlns:a16="http://schemas.microsoft.com/office/drawing/2014/main" id="{1B37412F-9E0B-D21E-3483-05B215EDE6FD}"/>
+              </a:ext>
+            </a:extLst>
+          </p:cNvPr>
+          <p:cNvPicPr>
+            <a:picLocks noChangeAspect="1"/>
+          </p:cNvPicPr>
+          <p:nvPr/>
+        </p:nvPicPr>
+        <p:blipFill>
+          <a:blip r:embed="rId3"/>
+          <a:srcRect l="33021" b="29063"/>
+          <a:stretch>
+            <a:fillRect/>
+          </a:stretch>
+        </p:blipFill>
+        <p:spPr>
+          <a:xfrm>
+            <a:off x="7692829" y="519591"/>
+            <a:ext cx="4302321" cy="2425700"/>
+          </a:xfrm>
+          <a:prstGeom prst="rect">
+            <a:avLst/>
+          </a:prstGeom>
+          <a:ln>
+            <a:solidFill>
+              <a:schemeClr val="tx1"/>
+            </a:solidFill>
+          </a:ln>
+        </p:spPr>
+      </p:pic>
+      <p:sp>
+        <p:nvSpPr>
+          <p:cNvPr id="20" name="Rectangle 19">
+            <a:extLst>
+              <a:ext uri="{FF2B5EF4-FFF2-40B4-BE49-F238E27FC236}">
+                <a16:creationId xmlns:a16="http://schemas.microsoft.com/office/drawing/2014/main" id="{94F23841-877A-D156-5801-B9DA921BF189}"/>
+              </a:ext>
+            </a:extLst>
+          </p:cNvPr>
+          <p:cNvSpPr/>
+          <p:nvPr/>
+        </p:nvSpPr>
+        <p:spPr>
+          <a:xfrm>
+            <a:off x="6643384" y="2246464"/>
+            <a:ext cx="398767" cy="238024"/>
+          </a:xfrm>
+          <a:prstGeom prst="rect">
+            <a:avLst/>
+          </a:prstGeom>
+          <a:noFill/>
+          <a:ln>
+            <a:solidFill>
+              <a:schemeClr val="tx1"/>
+            </a:solidFill>
+          </a:ln>
+        </p:spPr>
+        <p:style>
+          <a:lnRef idx="2">
+            <a:schemeClr val="accent1">
+              <a:shade val="15000"/>
+            </a:schemeClr>
+          </a:lnRef>
+          <a:fillRef idx="1">
+            <a:schemeClr val="accent1"/>
+          </a:fillRef>
+          <a:effectRef idx="0">
+            <a:schemeClr val="accent1"/>
+          </a:effectRef>
+          <a:fontRef idx="minor">
+            <a:schemeClr val="lt1"/>
+          </a:fontRef>
+        </p:style>
+        <p:txBody>
+          <a:bodyPr rtlCol="0" anchor="ctr"/>
+          <a:lstStyle/>
+          <a:p>
+            <a:pPr algn="ctr"/>
+            <a:endParaRPr lang="en-US"/>
+          </a:p>
+        </p:txBody>
+      </p:sp>
+      <p:cxnSp>
+        <p:nvCxnSpPr>
+          <p:cNvPr id="22" name="Straight Connector 21">
+            <a:extLst>
+              <a:ext uri="{FF2B5EF4-FFF2-40B4-BE49-F238E27FC236}">
+                <a16:creationId xmlns:a16="http://schemas.microsoft.com/office/drawing/2014/main" id="{64C7872E-1E71-236F-DA89-3DB5CBB51E3D}"/>
+              </a:ext>
+            </a:extLst>
+          </p:cNvPr>
+          <p:cNvCxnSpPr>
+            <a:cxnSpLocks/>
+          </p:cNvCxnSpPr>
+          <p:nvPr/>
+        </p:nvCxnSpPr>
+        <p:spPr>
+          <a:xfrm flipV="1">
+            <a:off x="7042151" y="519591"/>
+            <a:ext cx="650678" cy="1722355"/>
+          </a:xfrm>
+          <a:prstGeom prst="line">
+            <a:avLst/>
+          </a:prstGeom>
+          <a:ln>
+            <a:solidFill>
+              <a:schemeClr val="tx1"/>
+            </a:solidFill>
+          </a:ln>
+        </p:spPr>
+        <p:style>
+          <a:lnRef idx="2">
+            <a:schemeClr val="accent1"/>
+          </a:lnRef>
+          <a:fillRef idx="0">
+            <a:schemeClr val="accent1"/>
+          </a:fillRef>
+          <a:effectRef idx="1">
+            <a:schemeClr val="accent1"/>
+          </a:effectRef>
+          <a:fontRef idx="minor">
+            <a:schemeClr val="tx1"/>
+          </a:fontRef>
+        </p:style>
+      </p:cxnSp>
+      <p:cxnSp>
+        <p:nvCxnSpPr>
+          <p:cNvPr id="23" name="Straight Connector 22">
+            <a:extLst>
+              <a:ext uri="{FF2B5EF4-FFF2-40B4-BE49-F238E27FC236}">
+                <a16:creationId xmlns:a16="http://schemas.microsoft.com/office/drawing/2014/main" id="{33233986-A0EF-9528-FDEF-09A1E2396060}"/>
+              </a:ext>
+            </a:extLst>
+          </p:cNvPr>
+          <p:cNvCxnSpPr>
+            <a:cxnSpLocks/>
+          </p:cNvCxnSpPr>
+          <p:nvPr/>
+        </p:nvCxnSpPr>
+        <p:spPr>
+          <a:xfrm>
+            <a:off x="7054842" y="2484488"/>
+            <a:ext cx="637987" cy="460803"/>
+          </a:xfrm>
+          <a:prstGeom prst="line">
+            <a:avLst/>
+          </a:prstGeom>
+          <a:ln>
+            <a:solidFill>
+              <a:schemeClr val="tx1"/>
+            </a:solidFill>
+          </a:ln>
+        </p:spPr>
+        <p:style>
+          <a:lnRef idx="2">
+            <a:schemeClr val="accent1"/>
+          </a:lnRef>
+          <a:fillRef idx="0">
+            <a:schemeClr val="accent1"/>
+          </a:fillRef>
+          <a:effectRef idx="1">
+            <a:schemeClr val="accent1"/>
+          </a:effectRef>
+          <a:fontRef idx="minor">
+            <a:schemeClr val="tx1"/>
+          </a:fontRef>
+        </p:style>
+      </p:cxnSp>
+    </p:spTree>
+    <p:extLst>
+      <p:ext uri="{BB962C8B-B14F-4D97-AF65-F5344CB8AC3E}">
+        <p14:creationId xmlns:p14="http://schemas.microsoft.com/office/powerpoint/2010/main" val="2015162609"/>
+      </p:ext>
+    </p:extLst>
+  </p:cSld>
+  <p:clrMapOvr>
+    <a:masterClrMapping/>
+  </p:clrMapOvr>
+</p:sld>
+</file>
+
+<file path=ppt/slides/slide18.xml><?xml version="1.0" encoding="utf-8"?>
+<p:sld xmlns:a="http://schemas.openxmlformats.org/drawingml/2006/main" xmlns:r="http://schemas.openxmlformats.org/officeDocument/2006/relationships" xmlns:p="http://schemas.openxmlformats.org/presentationml/2006/main">
+  <p:cSld>
+    <p:spTree>
+      <p:nvGrpSpPr>
+        <p:cNvPr id="1" name="">
+          <a:extLst>
+            <a:ext uri="{FF2B5EF4-FFF2-40B4-BE49-F238E27FC236}">
+              <a16:creationId xmlns:a16="http://schemas.microsoft.com/office/drawing/2014/main" id="{D5C480CB-741C-C63F-4A45-15328B897D0F}"/>
+            </a:ext>
+          </a:extLst>
+        </p:cNvPr>
+        <p:cNvGrpSpPr/>
+        <p:nvPr/>
+      </p:nvGrpSpPr>
+      <p:grpSpPr>
+        <a:xfrm>
+          <a:off x="0" y="0"/>
+          <a:ext cx="0" cy="0"/>
+          <a:chOff x="0" y="0"/>
+          <a:chExt cx="0" cy="0"/>
+        </a:xfrm>
+      </p:grpSpPr>
+      <p:sp>
+        <p:nvSpPr>
+          <p:cNvPr id="2" name="Title 1">
+            <a:extLst>
+              <a:ext uri="{FF2B5EF4-FFF2-40B4-BE49-F238E27FC236}">
+                <a16:creationId xmlns:a16="http://schemas.microsoft.com/office/drawing/2014/main" id="{51C76015-DC06-8B87-8AA5-867900AF0698}"/>
+              </a:ext>
+            </a:extLst>
+          </p:cNvPr>
+          <p:cNvSpPr>
+            <a:spLocks noGrp="1"/>
+          </p:cNvSpPr>
+          <p:nvPr>
+            <p:ph type="title"/>
+          </p:nvPr>
+        </p:nvSpPr>
+        <p:spPr>
+          <a:xfrm>
+            <a:off x="44450" y="18255"/>
+            <a:ext cx="10515600" cy="718345"/>
+          </a:xfrm>
+        </p:spPr>
+        <p:txBody>
+          <a:bodyPr/>
+          <a:lstStyle/>
+          <a:p>
+            <a:r>
+              <a:rPr lang="en-US" dirty="0"/>
+              <a:t>Example Use Case: The Lich</a:t>
+            </a:r>
+          </a:p>
+        </p:txBody>
+      </p:sp>
+      <p:sp>
+        <p:nvSpPr>
+          <p:cNvPr id="3" name="Content Placeholder 2">
+            <a:extLst>
+              <a:ext uri="{FF2B5EF4-FFF2-40B4-BE49-F238E27FC236}">
+                <a16:creationId xmlns:a16="http://schemas.microsoft.com/office/drawing/2014/main" id="{8435A3AF-1B6B-014E-3CE8-BE23D4626747}"/>
+              </a:ext>
+            </a:extLst>
+          </p:cNvPr>
+          <p:cNvSpPr>
+            <a:spLocks noGrp="1"/>
+          </p:cNvSpPr>
+          <p:nvPr>
+            <p:ph idx="1"/>
+          </p:nvPr>
+        </p:nvSpPr>
+        <p:spPr>
+          <a:xfrm>
+            <a:off x="414867" y="736600"/>
+            <a:ext cx="11656483" cy="1345205"/>
+          </a:xfrm>
+        </p:spPr>
+        <p:txBody>
+          <a:bodyPr>
+            <a:normAutofit/>
+          </a:bodyPr>
+          <a:lstStyle/>
+          <a:p>
+            <a:r>
+              <a:rPr lang="en-US" dirty="0"/>
+              <a:t>If I only want to look at Monster Types that are Undead and Legendary Creatures, then the list is limited to these three: Lich, Mummy Lord, Vampire</a:t>
+            </a:r>
+          </a:p>
+        </p:txBody>
+      </p:sp>
+      <p:pic>
+        <p:nvPicPr>
+          <p:cNvPr id="6" name="Picture 5">
+            <a:extLst>
+              <a:ext uri="{FF2B5EF4-FFF2-40B4-BE49-F238E27FC236}">
+                <a16:creationId xmlns:a16="http://schemas.microsoft.com/office/drawing/2014/main" id="{2787CC3A-A584-CE93-4745-0004EC25EC66}"/>
+              </a:ext>
+            </a:extLst>
+          </p:cNvPr>
+          <p:cNvPicPr>
+            <a:picLocks noChangeAspect="1"/>
+          </p:cNvPicPr>
+          <p:nvPr/>
+        </p:nvPicPr>
+        <p:blipFill>
+          <a:blip r:embed="rId2"/>
+          <a:stretch>
+            <a:fillRect/>
+          </a:stretch>
+        </p:blipFill>
+        <p:spPr>
+          <a:xfrm>
+            <a:off x="44450" y="2081805"/>
+            <a:ext cx="8830595" cy="4695761"/>
+          </a:xfrm>
+          <a:prstGeom prst="rect">
+            <a:avLst/>
+          </a:prstGeom>
+          <a:ln>
+            <a:solidFill>
+              <a:schemeClr val="tx1"/>
+            </a:solidFill>
+          </a:ln>
+        </p:spPr>
+      </p:pic>
+      <p:sp>
+        <p:nvSpPr>
+          <p:cNvPr id="4" name="Oval 3">
+            <a:extLst>
+              <a:ext uri="{FF2B5EF4-FFF2-40B4-BE49-F238E27FC236}">
+                <a16:creationId xmlns:a16="http://schemas.microsoft.com/office/drawing/2014/main" id="{247E14CD-7711-29E1-3C97-7F0E4E15F33A}"/>
+              </a:ext>
+            </a:extLst>
+          </p:cNvPr>
+          <p:cNvSpPr/>
+          <p:nvPr/>
+        </p:nvSpPr>
+        <p:spPr>
+          <a:xfrm>
+            <a:off x="5302250" y="3131672"/>
+            <a:ext cx="2006600" cy="677333"/>
+          </a:xfrm>
+          <a:prstGeom prst="ellipse">
+            <a:avLst/>
+          </a:prstGeom>
+          <a:noFill/>
+          <a:ln>
+            <a:solidFill>
+              <a:schemeClr val="accent6"/>
+            </a:solidFill>
+          </a:ln>
+        </p:spPr>
+        <p:style>
+          <a:lnRef idx="2">
+            <a:schemeClr val="accent1">
+              <a:shade val="15000"/>
+            </a:schemeClr>
+          </a:lnRef>
+          <a:fillRef idx="1">
+            <a:schemeClr val="accent1"/>
+          </a:fillRef>
+          <a:effectRef idx="0">
+            <a:schemeClr val="accent1"/>
+          </a:effectRef>
+          <a:fontRef idx="minor">
+            <a:schemeClr val="lt1"/>
+          </a:fontRef>
+        </p:style>
+        <p:txBody>
+          <a:bodyPr rtlCol="0" anchor="ctr"/>
+          <a:lstStyle/>
+          <a:p>
+            <a:pPr algn="ctr"/>
+            <a:endParaRPr lang="en-US"/>
+          </a:p>
+        </p:txBody>
+      </p:sp>
+      <p:sp>
+        <p:nvSpPr>
+          <p:cNvPr id="5" name="TextBox 4">
+            <a:extLst>
+              <a:ext uri="{FF2B5EF4-FFF2-40B4-BE49-F238E27FC236}">
+                <a16:creationId xmlns:a16="http://schemas.microsoft.com/office/drawing/2014/main" id="{513A087A-0C5F-5C17-6C4B-5E2569BCF981}"/>
+              </a:ext>
+            </a:extLst>
+          </p:cNvPr>
+          <p:cNvSpPr txBox="1"/>
+          <p:nvPr/>
+        </p:nvSpPr>
+        <p:spPr>
+          <a:xfrm>
+            <a:off x="9389534" y="4741333"/>
+            <a:ext cx="1997236" cy="1477328"/>
+          </a:xfrm>
+          <a:prstGeom prst="rect">
+            <a:avLst/>
+          </a:prstGeom>
+          <a:noFill/>
+        </p:spPr>
+        <p:txBody>
+          <a:bodyPr wrap="square" rtlCol="0">
+            <a:spAutoFit/>
+          </a:bodyPr>
+          <a:lstStyle/>
+          <a:p>
+            <a:r>
+              <a:rPr lang="en-US" dirty="0"/>
+              <a:t>These might be good candidates for my graveyard fight against my level 8 players! </a:t>
+            </a:r>
+          </a:p>
+        </p:txBody>
+      </p:sp>
+      <p:sp>
+        <p:nvSpPr>
+          <p:cNvPr id="7" name="Right Brace 6">
+            <a:extLst>
+              <a:ext uri="{FF2B5EF4-FFF2-40B4-BE49-F238E27FC236}">
+                <a16:creationId xmlns:a16="http://schemas.microsoft.com/office/drawing/2014/main" id="{9132E480-310D-2E06-A58A-026A7696117C}"/>
+              </a:ext>
+            </a:extLst>
+          </p:cNvPr>
+          <p:cNvSpPr/>
+          <p:nvPr/>
+        </p:nvSpPr>
+        <p:spPr>
+          <a:xfrm>
+            <a:off x="8974667" y="4741333"/>
+            <a:ext cx="254000" cy="821267"/>
+          </a:xfrm>
+          <a:prstGeom prst="rightBrace">
+            <a:avLst/>
+          </a:prstGeom>
+        </p:spPr>
+        <p:style>
+          <a:lnRef idx="2">
+            <a:schemeClr val="dk1"/>
+          </a:lnRef>
+          <a:fillRef idx="0">
+            <a:schemeClr val="dk1"/>
+          </a:fillRef>
+          <a:effectRef idx="1">
+            <a:schemeClr val="dk1"/>
+          </a:effectRef>
+          <a:fontRef idx="minor">
+            <a:schemeClr val="tx1"/>
+          </a:fontRef>
+        </p:style>
+        <p:txBody>
+          <a:bodyPr rtlCol="0" anchor="ctr"/>
+          <a:lstStyle/>
+          <a:p>
+            <a:pPr algn="ctr"/>
+            <a:endParaRPr lang="en-US"/>
+          </a:p>
+        </p:txBody>
+      </p:sp>
+    </p:spTree>
+    <p:extLst>
+      <p:ext uri="{BB962C8B-B14F-4D97-AF65-F5344CB8AC3E}">
+        <p14:creationId xmlns:p14="http://schemas.microsoft.com/office/powerpoint/2010/main" val="106282631"/>
+      </p:ext>
+    </p:extLst>
+  </p:cSld>
+  <p:clrMapOvr>
+    <a:masterClrMapping/>
+  </p:clrMapOvr>
+</p:sld>
+</file>
+
+<file path=ppt/slides/slide19.xml><?xml version="1.0" encoding="utf-8"?>
 <p:sld xmlns:a="http://schemas.openxmlformats.org/drawingml/2006/main" xmlns:r="http://schemas.openxmlformats.org/officeDocument/2006/relationships" xmlns:p="http://schemas.openxmlformats.org/presentationml/2006/main">
   <p:cSld>
     <p:spTree>
@@ -5514,63 +6574,351 @@
           <a:chExt cx="0" cy="0"/>
         </a:xfrm>
       </p:grpSpPr>
-      <p:sp>
-        <p:nvSpPr>
-          <p:cNvPr id="2" name="Title 1">
-            <a:extLst>
-              <a:ext uri="{FF2B5EF4-FFF2-40B4-BE49-F238E27FC236}">
-                <a16:creationId xmlns:a16="http://schemas.microsoft.com/office/drawing/2014/main" id="{22B51C7C-AD20-5748-BCB7-A38D1AC6744C}"/>
-              </a:ext>
-            </a:extLst>
-          </p:cNvPr>
-          <p:cNvSpPr>
-            <a:spLocks noGrp="1"/>
-          </p:cNvSpPr>
-          <p:nvPr>
-            <p:ph type="title"/>
-          </p:nvPr>
-        </p:nvSpPr>
-        <p:spPr/>
-        <p:txBody>
-          <a:bodyPr/>
-          <a:lstStyle/>
+      <p:pic>
+        <p:nvPicPr>
+          <p:cNvPr id="6" name="Picture 5">
+            <a:extLst>
+              <a:ext uri="{FF2B5EF4-FFF2-40B4-BE49-F238E27FC236}">
+                <a16:creationId xmlns:a16="http://schemas.microsoft.com/office/drawing/2014/main" id="{78132076-C150-7AF7-638B-3EF3582BDA0A}"/>
+              </a:ext>
+            </a:extLst>
+          </p:cNvPr>
+          <p:cNvPicPr>
+            <a:picLocks noChangeAspect="1"/>
+          </p:cNvPicPr>
+          <p:nvPr/>
+        </p:nvPicPr>
+        <p:blipFill>
+          <a:blip r:embed="rId2"/>
+          <a:stretch>
+            <a:fillRect/>
+          </a:stretch>
+        </p:blipFill>
+        <p:spPr>
+          <a:xfrm>
+            <a:off x="419100" y="1642152"/>
+            <a:ext cx="11353800" cy="5012647"/>
+          </a:xfrm>
+          <a:prstGeom prst="rect">
+            <a:avLst/>
+          </a:prstGeom>
+          <a:ln>
+            <a:solidFill>
+              <a:schemeClr val="tx1"/>
+            </a:solidFill>
+          </a:ln>
+        </p:spPr>
+      </p:pic>
+      <p:sp>
+        <p:nvSpPr>
+          <p:cNvPr id="7" name="Oval 6">
+            <a:extLst>
+              <a:ext uri="{FF2B5EF4-FFF2-40B4-BE49-F238E27FC236}">
+                <a16:creationId xmlns:a16="http://schemas.microsoft.com/office/drawing/2014/main" id="{522FE97B-F34E-8732-290C-BFDCE06606D4}"/>
+              </a:ext>
+            </a:extLst>
+          </p:cNvPr>
+          <p:cNvSpPr/>
+          <p:nvPr/>
+        </p:nvSpPr>
+        <p:spPr>
+          <a:xfrm>
+            <a:off x="10284883" y="5018027"/>
+            <a:ext cx="1691217" cy="1243604"/>
+          </a:xfrm>
+          <a:prstGeom prst="ellipse">
+            <a:avLst/>
+          </a:prstGeom>
+          <a:noFill/>
+          <a:ln>
+            <a:solidFill>
+              <a:schemeClr val="accent6"/>
+            </a:solidFill>
+          </a:ln>
+        </p:spPr>
+        <p:style>
+          <a:lnRef idx="2">
+            <a:schemeClr val="accent1">
+              <a:shade val="15000"/>
+            </a:schemeClr>
+          </a:lnRef>
+          <a:fillRef idx="1">
+            <a:schemeClr val="accent1"/>
+          </a:fillRef>
+          <a:effectRef idx="0">
+            <a:schemeClr val="accent1"/>
+          </a:effectRef>
+          <a:fontRef idx="minor">
+            <a:schemeClr val="lt1"/>
+          </a:fontRef>
+        </p:style>
+        <p:txBody>
+          <a:bodyPr rtlCol="0" anchor="ctr"/>
+          <a:lstStyle/>
+          <a:p>
+            <a:pPr algn="ctr"/>
+            <a:endParaRPr lang="en-US"/>
+          </a:p>
+        </p:txBody>
+      </p:sp>
+      <p:sp>
+        <p:nvSpPr>
+          <p:cNvPr id="8" name="Title 1">
+            <a:extLst>
+              <a:ext uri="{FF2B5EF4-FFF2-40B4-BE49-F238E27FC236}">
+                <a16:creationId xmlns:a16="http://schemas.microsoft.com/office/drawing/2014/main" id="{1BC19815-FE67-CEF0-B549-EBF77FB8DF8F}"/>
+              </a:ext>
+            </a:extLst>
+          </p:cNvPr>
+          <p:cNvSpPr txBox="1">
+            <a:spLocks/>
+          </p:cNvSpPr>
+          <p:nvPr/>
+        </p:nvSpPr>
+        <p:spPr>
+          <a:xfrm>
+            <a:off x="44450" y="18255"/>
+            <a:ext cx="10515600" cy="718345"/>
+          </a:xfrm>
+          <a:prstGeom prst="rect">
+            <a:avLst/>
+          </a:prstGeom>
+        </p:spPr>
+        <p:txBody>
+          <a:bodyPr vert="horz" lIns="91440" tIns="45720" rIns="91440" bIns="45720" rtlCol="0" anchor="ctr">
+            <a:normAutofit/>
+          </a:bodyPr>
+          <a:lstStyle>
+            <a:lvl1pPr algn="l" defTabSz="914400" rtl="0" eaLnBrk="1" latinLnBrk="0" hangingPunct="1">
+              <a:lnSpc>
+                <a:spcPct val="90000"/>
+              </a:lnSpc>
+              <a:spcBef>
+                <a:spcPct val="0"/>
+              </a:spcBef>
+              <a:buNone/>
+              <a:defRPr sz="4400" kern="1200">
+                <a:solidFill>
+                  <a:schemeClr val="tx1"/>
+                </a:solidFill>
+                <a:latin typeface="+mj-lt"/>
+                <a:ea typeface="+mj-ea"/>
+                <a:cs typeface="+mj-cs"/>
+              </a:defRPr>
+            </a:lvl1pPr>
+          </a:lstStyle>
+          <a:p>
+            <a:r>
+              <a:rPr lang="en-US"/>
+              <a:t>Example Use Case: The Lich</a:t>
+            </a:r>
+            <a:endParaRPr lang="en-US" dirty="0"/>
+          </a:p>
+        </p:txBody>
+      </p:sp>
+      <p:sp>
+        <p:nvSpPr>
+          <p:cNvPr id="9" name="Content Placeholder 2">
+            <a:extLst>
+              <a:ext uri="{FF2B5EF4-FFF2-40B4-BE49-F238E27FC236}">
+                <a16:creationId xmlns:a16="http://schemas.microsoft.com/office/drawing/2014/main" id="{1A3A6A6D-469D-0EF9-41F1-7EB85004E51C}"/>
+              </a:ext>
+            </a:extLst>
+          </p:cNvPr>
+          <p:cNvSpPr txBox="1">
+            <a:spLocks/>
+          </p:cNvSpPr>
+          <p:nvPr/>
+        </p:nvSpPr>
+        <p:spPr>
+          <a:xfrm>
+            <a:off x="116417" y="736600"/>
+            <a:ext cx="11656483" cy="889000"/>
+          </a:xfrm>
+          <a:prstGeom prst="rect">
+            <a:avLst/>
+          </a:prstGeom>
+        </p:spPr>
+        <p:txBody>
+          <a:bodyPr>
+            <a:normAutofit/>
+          </a:bodyPr>
+          <a:lstStyle>
+            <a:lvl1pPr marL="228600" indent="-228600" algn="l" defTabSz="914400" rtl="0" eaLnBrk="1" latinLnBrk="0" hangingPunct="1">
+              <a:lnSpc>
+                <a:spcPct val="90000"/>
+              </a:lnSpc>
+              <a:spcBef>
+                <a:spcPts val="1000"/>
+              </a:spcBef>
+              <a:buFont typeface="Arial" panose="020B0604020202020204" pitchFamily="34" charset="0"/>
+              <a:buChar char="•"/>
+              <a:defRPr sz="2800" kern="1200">
+                <a:solidFill>
+                  <a:schemeClr val="tx1"/>
+                </a:solidFill>
+                <a:latin typeface="+mn-lt"/>
+                <a:ea typeface="+mn-ea"/>
+                <a:cs typeface="+mn-cs"/>
+              </a:defRPr>
+            </a:lvl1pPr>
+            <a:lvl2pPr marL="685800" indent="-228600" algn="l" defTabSz="914400" rtl="0" eaLnBrk="1" latinLnBrk="0" hangingPunct="1">
+              <a:lnSpc>
+                <a:spcPct val="90000"/>
+              </a:lnSpc>
+              <a:spcBef>
+                <a:spcPts val="500"/>
+              </a:spcBef>
+              <a:buFont typeface="Arial" panose="020B0604020202020204" pitchFamily="34" charset="0"/>
+              <a:buChar char="•"/>
+              <a:defRPr sz="2400" kern="1200">
+                <a:solidFill>
+                  <a:schemeClr val="tx1"/>
+                </a:solidFill>
+                <a:latin typeface="+mn-lt"/>
+                <a:ea typeface="+mn-ea"/>
+                <a:cs typeface="+mn-cs"/>
+              </a:defRPr>
+            </a:lvl2pPr>
+            <a:lvl3pPr marL="1143000" indent="-228600" algn="l" defTabSz="914400" rtl="0" eaLnBrk="1" latinLnBrk="0" hangingPunct="1">
+              <a:lnSpc>
+                <a:spcPct val="90000"/>
+              </a:lnSpc>
+              <a:spcBef>
+                <a:spcPts val="500"/>
+              </a:spcBef>
+              <a:buFont typeface="Arial" panose="020B0604020202020204" pitchFamily="34" charset="0"/>
+              <a:buChar char="•"/>
+              <a:defRPr sz="2000" kern="1200">
+                <a:solidFill>
+                  <a:schemeClr val="tx1"/>
+                </a:solidFill>
+                <a:latin typeface="+mn-lt"/>
+                <a:ea typeface="+mn-ea"/>
+                <a:cs typeface="+mn-cs"/>
+              </a:defRPr>
+            </a:lvl3pPr>
+            <a:lvl4pPr marL="1600200" indent="-228600" algn="l" defTabSz="914400" rtl="0" eaLnBrk="1" latinLnBrk="0" hangingPunct="1">
+              <a:lnSpc>
+                <a:spcPct val="90000"/>
+              </a:lnSpc>
+              <a:spcBef>
+                <a:spcPts val="500"/>
+              </a:spcBef>
+              <a:buFont typeface="Arial" panose="020B0604020202020204" pitchFamily="34" charset="0"/>
+              <a:buChar char="•"/>
+              <a:defRPr sz="1800" kern="1200">
+                <a:solidFill>
+                  <a:schemeClr val="tx1"/>
+                </a:solidFill>
+                <a:latin typeface="+mn-lt"/>
+                <a:ea typeface="+mn-ea"/>
+                <a:cs typeface="+mn-cs"/>
+              </a:defRPr>
+            </a:lvl4pPr>
+            <a:lvl5pPr marL="2057400" indent="-228600" algn="l" defTabSz="914400" rtl="0" eaLnBrk="1" latinLnBrk="0" hangingPunct="1">
+              <a:lnSpc>
+                <a:spcPct val="90000"/>
+              </a:lnSpc>
+              <a:spcBef>
+                <a:spcPts val="500"/>
+              </a:spcBef>
+              <a:buFont typeface="Arial" panose="020B0604020202020204" pitchFamily="34" charset="0"/>
+              <a:buChar char="•"/>
+              <a:defRPr sz="1800" kern="1200">
+                <a:solidFill>
+                  <a:schemeClr val="tx1"/>
+                </a:solidFill>
+                <a:latin typeface="+mn-lt"/>
+                <a:ea typeface="+mn-ea"/>
+                <a:cs typeface="+mn-cs"/>
+              </a:defRPr>
+            </a:lvl5pPr>
+            <a:lvl6pPr marL="2514600" indent="-228600" algn="l" defTabSz="914400" rtl="0" eaLnBrk="1" latinLnBrk="0" hangingPunct="1">
+              <a:lnSpc>
+                <a:spcPct val="90000"/>
+              </a:lnSpc>
+              <a:spcBef>
+                <a:spcPts val="500"/>
+              </a:spcBef>
+              <a:buFont typeface="Arial" panose="020B0604020202020204" pitchFamily="34" charset="0"/>
+              <a:buChar char="•"/>
+              <a:defRPr sz="1800" kern="1200">
+                <a:solidFill>
+                  <a:schemeClr val="tx1"/>
+                </a:solidFill>
+                <a:latin typeface="+mn-lt"/>
+                <a:ea typeface="+mn-ea"/>
+                <a:cs typeface="+mn-cs"/>
+              </a:defRPr>
+            </a:lvl6pPr>
+            <a:lvl7pPr marL="2971800" indent="-228600" algn="l" defTabSz="914400" rtl="0" eaLnBrk="1" latinLnBrk="0" hangingPunct="1">
+              <a:lnSpc>
+                <a:spcPct val="90000"/>
+              </a:lnSpc>
+              <a:spcBef>
+                <a:spcPts val="500"/>
+              </a:spcBef>
+              <a:buFont typeface="Arial" panose="020B0604020202020204" pitchFamily="34" charset="0"/>
+              <a:buChar char="•"/>
+              <a:defRPr sz="1800" kern="1200">
+                <a:solidFill>
+                  <a:schemeClr val="tx1"/>
+                </a:solidFill>
+                <a:latin typeface="+mn-lt"/>
+                <a:ea typeface="+mn-ea"/>
+                <a:cs typeface="+mn-cs"/>
+              </a:defRPr>
+            </a:lvl7pPr>
+            <a:lvl8pPr marL="3429000" indent="-228600" algn="l" defTabSz="914400" rtl="0" eaLnBrk="1" latinLnBrk="0" hangingPunct="1">
+              <a:lnSpc>
+                <a:spcPct val="90000"/>
+              </a:lnSpc>
+              <a:spcBef>
+                <a:spcPts val="500"/>
+              </a:spcBef>
+              <a:buFont typeface="Arial" panose="020B0604020202020204" pitchFamily="34" charset="0"/>
+              <a:buChar char="•"/>
+              <a:defRPr sz="1800" kern="1200">
+                <a:solidFill>
+                  <a:schemeClr val="tx1"/>
+                </a:solidFill>
+                <a:latin typeface="+mn-lt"/>
+                <a:ea typeface="+mn-ea"/>
+                <a:cs typeface="+mn-cs"/>
+              </a:defRPr>
+            </a:lvl8pPr>
+            <a:lvl9pPr marL="3886200" indent="-228600" algn="l" defTabSz="914400" rtl="0" eaLnBrk="1" latinLnBrk="0" hangingPunct="1">
+              <a:lnSpc>
+                <a:spcPct val="90000"/>
+              </a:lnSpc>
+              <a:spcBef>
+                <a:spcPts val="500"/>
+              </a:spcBef>
+              <a:buFont typeface="Arial" panose="020B0604020202020204" pitchFamily="34" charset="0"/>
+              <a:buChar char="•"/>
+              <a:defRPr sz="1800" kern="1200">
+                <a:solidFill>
+                  <a:schemeClr val="tx1"/>
+                </a:solidFill>
+                <a:latin typeface="+mn-lt"/>
+                <a:ea typeface="+mn-ea"/>
+                <a:cs typeface="+mn-cs"/>
+              </a:defRPr>
+            </a:lvl9pPr>
+          </a:lstStyle>
           <a:p>
             <a:r>
               <a:rPr lang="en-US" dirty="0"/>
-              <a:t>Conclusions and Summary</a:t>
-            </a:r>
-          </a:p>
-        </p:txBody>
-      </p:sp>
-      <p:sp>
-        <p:nvSpPr>
-          <p:cNvPr id="3" name="Content Placeholder 2">
-            <a:extLst>
-              <a:ext uri="{FF2B5EF4-FFF2-40B4-BE49-F238E27FC236}">
-                <a16:creationId xmlns:a16="http://schemas.microsoft.com/office/drawing/2014/main" id="{35651C88-2F9C-0A61-1C8A-D5C31D1DEBC9}"/>
-              </a:ext>
-            </a:extLst>
-          </p:cNvPr>
-          <p:cNvSpPr>
-            <a:spLocks noGrp="1"/>
-          </p:cNvSpPr>
-          <p:nvPr>
-            <p:ph idx="1"/>
-          </p:nvPr>
-        </p:nvSpPr>
-        <p:spPr/>
-        <p:txBody>
-          <a:bodyPr/>
-          <a:lstStyle/>
-          <a:p>
-            <a:endParaRPr lang="en-US" dirty="0"/>
+              <a:t>I can see from the PCA plot that these three will behave similarly in terms of their stats</a:t>
+            </a:r>
           </a:p>
         </p:txBody>
       </p:sp>
     </p:spTree>
     <p:extLst>
       <p:ext uri="{BB962C8B-B14F-4D97-AF65-F5344CB8AC3E}">
-        <p14:creationId xmlns:p14="http://schemas.microsoft.com/office/powerpoint/2010/main" val="4277873210"/>
+        <p14:creationId xmlns:p14="http://schemas.microsoft.com/office/powerpoint/2010/main" val="4080213326"/>
       </p:ext>
     </p:extLst>
   </p:cSld>
@@ -5694,7 +7042,7 @@
           <a:p>
             <a:r>
               <a:rPr lang="en-US" dirty="0"/>
-              <a:t>Monsters have a “Challenge Rating” which is an aggregate score of a monster’s toughness in battle based on various “stats” such as ability scores, hit points, and armor class values</a:t>
+              <a:t>Monsters have a “Challenge Rating” which is a representative score of a monster’s toughness in battle based on various “stats” such as ability scores, hit points, and armor class values</a:t>
             </a:r>
           </a:p>
           <a:p>
@@ -6316,6 +7664,398 @@
 </p:sld>
 </file>
 
+<file path=ppt/slides/slide20.xml><?xml version="1.0" encoding="utf-8"?>
+<p:sld xmlns:a="http://schemas.openxmlformats.org/drawingml/2006/main" xmlns:r="http://schemas.openxmlformats.org/officeDocument/2006/relationships" xmlns:p="http://schemas.openxmlformats.org/presentationml/2006/main">
+  <p:cSld>
+    <p:spTree>
+      <p:nvGrpSpPr>
+        <p:cNvPr id="1" name="">
+          <a:extLst>
+            <a:ext uri="{FF2B5EF4-FFF2-40B4-BE49-F238E27FC236}">
+              <a16:creationId xmlns:a16="http://schemas.microsoft.com/office/drawing/2014/main" id="{BEEF1C3C-FEC3-9260-BB22-2F1D855DAFFB}"/>
+            </a:ext>
+          </a:extLst>
+        </p:cNvPr>
+        <p:cNvGrpSpPr/>
+        <p:nvPr/>
+      </p:nvGrpSpPr>
+      <p:grpSpPr>
+        <a:xfrm>
+          <a:off x="0" y="0"/>
+          <a:ext cx="0" cy="0"/>
+          <a:chOff x="0" y="0"/>
+          <a:chExt cx="0" cy="0"/>
+        </a:xfrm>
+      </p:grpSpPr>
+      <p:pic>
+        <p:nvPicPr>
+          <p:cNvPr id="6" name="Picture 5">
+            <a:extLst>
+              <a:ext uri="{FF2B5EF4-FFF2-40B4-BE49-F238E27FC236}">
+                <a16:creationId xmlns:a16="http://schemas.microsoft.com/office/drawing/2014/main" id="{06C31217-4017-14FF-C951-868C406BA05A}"/>
+              </a:ext>
+            </a:extLst>
+          </p:cNvPr>
+          <p:cNvPicPr>
+            <a:picLocks noChangeAspect="1"/>
+          </p:cNvPicPr>
+          <p:nvPr/>
+        </p:nvPicPr>
+        <p:blipFill>
+          <a:blip r:embed="rId3"/>
+          <a:stretch>
+            <a:fillRect/>
+          </a:stretch>
+        </p:blipFill>
+        <p:spPr>
+          <a:xfrm>
+            <a:off x="702733" y="1729199"/>
+            <a:ext cx="10651067" cy="5017480"/>
+          </a:xfrm>
+          <a:prstGeom prst="rect">
+            <a:avLst/>
+          </a:prstGeom>
+          <a:ln>
+            <a:solidFill>
+              <a:schemeClr val="tx1"/>
+            </a:solidFill>
+          </a:ln>
+        </p:spPr>
+      </p:pic>
+      <p:sp>
+        <p:nvSpPr>
+          <p:cNvPr id="2" name="Title 1">
+            <a:extLst>
+              <a:ext uri="{FF2B5EF4-FFF2-40B4-BE49-F238E27FC236}">
+                <a16:creationId xmlns:a16="http://schemas.microsoft.com/office/drawing/2014/main" id="{234F82C9-CAE0-B93A-239F-94920EAA31A6}"/>
+              </a:ext>
+            </a:extLst>
+          </p:cNvPr>
+          <p:cNvSpPr>
+            <a:spLocks noGrp="1"/>
+          </p:cNvSpPr>
+          <p:nvPr>
+            <p:ph type="title"/>
+          </p:nvPr>
+        </p:nvSpPr>
+        <p:spPr>
+          <a:xfrm>
+            <a:off x="0" y="18255"/>
+            <a:ext cx="10515600" cy="807245"/>
+          </a:xfrm>
+        </p:spPr>
+        <p:txBody>
+          <a:bodyPr/>
+          <a:lstStyle/>
+          <a:p>
+            <a:r>
+              <a:rPr lang="en-US" dirty="0"/>
+              <a:t>Example Use Case: The Lich</a:t>
+            </a:r>
+          </a:p>
+        </p:txBody>
+      </p:sp>
+      <p:sp>
+        <p:nvSpPr>
+          <p:cNvPr id="7" name="Content Placeholder 2">
+            <a:extLst>
+              <a:ext uri="{FF2B5EF4-FFF2-40B4-BE49-F238E27FC236}">
+                <a16:creationId xmlns:a16="http://schemas.microsoft.com/office/drawing/2014/main" id="{81F0ECA6-8E46-AE05-0E39-D86612169974}"/>
+              </a:ext>
+            </a:extLst>
+          </p:cNvPr>
+          <p:cNvSpPr txBox="1">
+            <a:spLocks/>
+          </p:cNvSpPr>
+          <p:nvPr/>
+        </p:nvSpPr>
+        <p:spPr>
+          <a:xfrm>
+            <a:off x="702733" y="736600"/>
+            <a:ext cx="11070167" cy="889000"/>
+          </a:xfrm>
+          <a:prstGeom prst="rect">
+            <a:avLst/>
+          </a:prstGeom>
+        </p:spPr>
+        <p:txBody>
+          <a:bodyPr>
+            <a:normAutofit/>
+          </a:bodyPr>
+          <a:lstStyle>
+            <a:lvl1pPr marL="228600" indent="-228600" algn="l" defTabSz="914400" rtl="0" eaLnBrk="1" latinLnBrk="0" hangingPunct="1">
+              <a:lnSpc>
+                <a:spcPct val="90000"/>
+              </a:lnSpc>
+              <a:spcBef>
+                <a:spcPts val="1000"/>
+              </a:spcBef>
+              <a:buFont typeface="Arial" panose="020B0604020202020204" pitchFamily="34" charset="0"/>
+              <a:buChar char="•"/>
+              <a:defRPr sz="2800" kern="1200">
+                <a:solidFill>
+                  <a:schemeClr val="tx1"/>
+                </a:solidFill>
+                <a:latin typeface="+mn-lt"/>
+                <a:ea typeface="+mn-ea"/>
+                <a:cs typeface="+mn-cs"/>
+              </a:defRPr>
+            </a:lvl1pPr>
+            <a:lvl2pPr marL="685800" indent="-228600" algn="l" defTabSz="914400" rtl="0" eaLnBrk="1" latinLnBrk="0" hangingPunct="1">
+              <a:lnSpc>
+                <a:spcPct val="90000"/>
+              </a:lnSpc>
+              <a:spcBef>
+                <a:spcPts val="500"/>
+              </a:spcBef>
+              <a:buFont typeface="Arial" panose="020B0604020202020204" pitchFamily="34" charset="0"/>
+              <a:buChar char="•"/>
+              <a:defRPr sz="2400" kern="1200">
+                <a:solidFill>
+                  <a:schemeClr val="tx1"/>
+                </a:solidFill>
+                <a:latin typeface="+mn-lt"/>
+                <a:ea typeface="+mn-ea"/>
+                <a:cs typeface="+mn-cs"/>
+              </a:defRPr>
+            </a:lvl2pPr>
+            <a:lvl3pPr marL="1143000" indent="-228600" algn="l" defTabSz="914400" rtl="0" eaLnBrk="1" latinLnBrk="0" hangingPunct="1">
+              <a:lnSpc>
+                <a:spcPct val="90000"/>
+              </a:lnSpc>
+              <a:spcBef>
+                <a:spcPts val="500"/>
+              </a:spcBef>
+              <a:buFont typeface="Arial" panose="020B0604020202020204" pitchFamily="34" charset="0"/>
+              <a:buChar char="•"/>
+              <a:defRPr sz="2000" kern="1200">
+                <a:solidFill>
+                  <a:schemeClr val="tx1"/>
+                </a:solidFill>
+                <a:latin typeface="+mn-lt"/>
+                <a:ea typeface="+mn-ea"/>
+                <a:cs typeface="+mn-cs"/>
+              </a:defRPr>
+            </a:lvl3pPr>
+            <a:lvl4pPr marL="1600200" indent="-228600" algn="l" defTabSz="914400" rtl="0" eaLnBrk="1" latinLnBrk="0" hangingPunct="1">
+              <a:lnSpc>
+                <a:spcPct val="90000"/>
+              </a:lnSpc>
+              <a:spcBef>
+                <a:spcPts val="500"/>
+              </a:spcBef>
+              <a:buFont typeface="Arial" panose="020B0604020202020204" pitchFamily="34" charset="0"/>
+              <a:buChar char="•"/>
+              <a:defRPr sz="1800" kern="1200">
+                <a:solidFill>
+                  <a:schemeClr val="tx1"/>
+                </a:solidFill>
+                <a:latin typeface="+mn-lt"/>
+                <a:ea typeface="+mn-ea"/>
+                <a:cs typeface="+mn-cs"/>
+              </a:defRPr>
+            </a:lvl4pPr>
+            <a:lvl5pPr marL="2057400" indent="-228600" algn="l" defTabSz="914400" rtl="0" eaLnBrk="1" latinLnBrk="0" hangingPunct="1">
+              <a:lnSpc>
+                <a:spcPct val="90000"/>
+              </a:lnSpc>
+              <a:spcBef>
+                <a:spcPts val="500"/>
+              </a:spcBef>
+              <a:buFont typeface="Arial" panose="020B0604020202020204" pitchFamily="34" charset="0"/>
+              <a:buChar char="•"/>
+              <a:defRPr sz="1800" kern="1200">
+                <a:solidFill>
+                  <a:schemeClr val="tx1"/>
+                </a:solidFill>
+                <a:latin typeface="+mn-lt"/>
+                <a:ea typeface="+mn-ea"/>
+                <a:cs typeface="+mn-cs"/>
+              </a:defRPr>
+            </a:lvl5pPr>
+            <a:lvl6pPr marL="2514600" indent="-228600" algn="l" defTabSz="914400" rtl="0" eaLnBrk="1" latinLnBrk="0" hangingPunct="1">
+              <a:lnSpc>
+                <a:spcPct val="90000"/>
+              </a:lnSpc>
+              <a:spcBef>
+                <a:spcPts val="500"/>
+              </a:spcBef>
+              <a:buFont typeface="Arial" panose="020B0604020202020204" pitchFamily="34" charset="0"/>
+              <a:buChar char="•"/>
+              <a:defRPr sz="1800" kern="1200">
+                <a:solidFill>
+                  <a:schemeClr val="tx1"/>
+                </a:solidFill>
+                <a:latin typeface="+mn-lt"/>
+                <a:ea typeface="+mn-ea"/>
+                <a:cs typeface="+mn-cs"/>
+              </a:defRPr>
+            </a:lvl6pPr>
+            <a:lvl7pPr marL="2971800" indent="-228600" algn="l" defTabSz="914400" rtl="0" eaLnBrk="1" latinLnBrk="0" hangingPunct="1">
+              <a:lnSpc>
+                <a:spcPct val="90000"/>
+              </a:lnSpc>
+              <a:spcBef>
+                <a:spcPts val="500"/>
+              </a:spcBef>
+              <a:buFont typeface="Arial" panose="020B0604020202020204" pitchFamily="34" charset="0"/>
+              <a:buChar char="•"/>
+              <a:defRPr sz="1800" kern="1200">
+                <a:solidFill>
+                  <a:schemeClr val="tx1"/>
+                </a:solidFill>
+                <a:latin typeface="+mn-lt"/>
+                <a:ea typeface="+mn-ea"/>
+                <a:cs typeface="+mn-cs"/>
+              </a:defRPr>
+            </a:lvl7pPr>
+            <a:lvl8pPr marL="3429000" indent="-228600" algn="l" defTabSz="914400" rtl="0" eaLnBrk="1" latinLnBrk="0" hangingPunct="1">
+              <a:lnSpc>
+                <a:spcPct val="90000"/>
+              </a:lnSpc>
+              <a:spcBef>
+                <a:spcPts val="500"/>
+              </a:spcBef>
+              <a:buFont typeface="Arial" panose="020B0604020202020204" pitchFamily="34" charset="0"/>
+              <a:buChar char="•"/>
+              <a:defRPr sz="1800" kern="1200">
+                <a:solidFill>
+                  <a:schemeClr val="tx1"/>
+                </a:solidFill>
+                <a:latin typeface="+mn-lt"/>
+                <a:ea typeface="+mn-ea"/>
+                <a:cs typeface="+mn-cs"/>
+              </a:defRPr>
+            </a:lvl8pPr>
+            <a:lvl9pPr marL="3886200" indent="-228600" algn="l" defTabSz="914400" rtl="0" eaLnBrk="1" latinLnBrk="0" hangingPunct="1">
+              <a:lnSpc>
+                <a:spcPct val="90000"/>
+              </a:lnSpc>
+              <a:spcBef>
+                <a:spcPts val="500"/>
+              </a:spcBef>
+              <a:buFont typeface="Arial" panose="020B0604020202020204" pitchFamily="34" charset="0"/>
+              <a:buChar char="•"/>
+              <a:defRPr sz="1800" kern="1200">
+                <a:solidFill>
+                  <a:schemeClr val="tx1"/>
+                </a:solidFill>
+                <a:latin typeface="+mn-lt"/>
+                <a:ea typeface="+mn-ea"/>
+                <a:cs typeface="+mn-cs"/>
+              </a:defRPr>
+            </a:lvl9pPr>
+          </a:lstStyle>
+          <a:p>
+            <a:r>
+              <a:rPr lang="en-US" dirty="0"/>
+              <a:t>I use the final tab to compare the stats between the Lich, the Mummy Lord, and the Vampire, and I ultimately chose the Lich</a:t>
+            </a:r>
+          </a:p>
+        </p:txBody>
+      </p:sp>
+    </p:spTree>
+    <p:extLst>
+      <p:ext uri="{BB962C8B-B14F-4D97-AF65-F5344CB8AC3E}">
+        <p14:creationId xmlns:p14="http://schemas.microsoft.com/office/powerpoint/2010/main" val="2052776318"/>
+      </p:ext>
+    </p:extLst>
+  </p:cSld>
+  <p:clrMapOvr>
+    <a:masterClrMapping/>
+  </p:clrMapOvr>
+</p:sld>
+</file>
+
+<file path=ppt/slides/slide21.xml><?xml version="1.0" encoding="utf-8"?>
+<p:sld xmlns:a="http://schemas.openxmlformats.org/drawingml/2006/main" xmlns:r="http://schemas.openxmlformats.org/officeDocument/2006/relationships" xmlns:p="http://schemas.openxmlformats.org/presentationml/2006/main">
+  <p:cSld>
+    <p:spTree>
+      <p:nvGrpSpPr>
+        <p:cNvPr id="1" name=""/>
+        <p:cNvGrpSpPr/>
+        <p:nvPr/>
+      </p:nvGrpSpPr>
+      <p:grpSpPr>
+        <a:xfrm>
+          <a:off x="0" y="0"/>
+          <a:ext cx="0" cy="0"/>
+          <a:chOff x="0" y="0"/>
+          <a:chExt cx="0" cy="0"/>
+        </a:xfrm>
+      </p:grpSpPr>
+      <p:sp>
+        <p:nvSpPr>
+          <p:cNvPr id="2" name="Title 1">
+            <a:extLst>
+              <a:ext uri="{FF2B5EF4-FFF2-40B4-BE49-F238E27FC236}">
+                <a16:creationId xmlns:a16="http://schemas.microsoft.com/office/drawing/2014/main" id="{22B51C7C-AD20-5748-BCB7-A38D1AC6744C}"/>
+              </a:ext>
+            </a:extLst>
+          </p:cNvPr>
+          <p:cNvSpPr>
+            <a:spLocks noGrp="1"/>
+          </p:cNvSpPr>
+          <p:nvPr>
+            <p:ph type="title"/>
+          </p:nvPr>
+        </p:nvSpPr>
+        <p:spPr/>
+        <p:txBody>
+          <a:bodyPr/>
+          <a:lstStyle/>
+          <a:p>
+            <a:r>
+              <a:rPr lang="en-US" dirty="0"/>
+              <a:t>Conclusions and Summary</a:t>
+            </a:r>
+          </a:p>
+        </p:txBody>
+      </p:sp>
+      <p:sp>
+        <p:nvSpPr>
+          <p:cNvPr id="3" name="Content Placeholder 2">
+            <a:extLst>
+              <a:ext uri="{FF2B5EF4-FFF2-40B4-BE49-F238E27FC236}">
+                <a16:creationId xmlns:a16="http://schemas.microsoft.com/office/drawing/2014/main" id="{35651C88-2F9C-0A61-1C8A-D5C31D1DEBC9}"/>
+              </a:ext>
+            </a:extLst>
+          </p:cNvPr>
+          <p:cNvSpPr>
+            <a:spLocks noGrp="1"/>
+          </p:cNvSpPr>
+          <p:nvPr>
+            <p:ph idx="1"/>
+          </p:nvPr>
+        </p:nvSpPr>
+        <p:spPr/>
+        <p:txBody>
+          <a:bodyPr/>
+          <a:lstStyle/>
+          <a:p>
+            <a:r>
+              <a:rPr lang="en-US" dirty="0"/>
+              <a:t>This app is useful for DM’s interested in creating challenge monster interactions with their players’ characters by easily exploring monster stats</a:t>
+            </a:r>
+          </a:p>
+          <a:p>
+            <a:endParaRPr lang="en-US" dirty="0"/>
+          </a:p>
+        </p:txBody>
+      </p:sp>
+    </p:spTree>
+    <p:extLst>
+      <p:ext uri="{BB962C8B-B14F-4D97-AF65-F5344CB8AC3E}">
+        <p14:creationId xmlns:p14="http://schemas.microsoft.com/office/powerpoint/2010/main" val="4277873210"/>
+      </p:ext>
+    </p:extLst>
+  </p:cSld>
+  <p:clrMapOvr>
+    <a:masterClrMapping/>
+  </p:clrMapOvr>
+</p:sld>
+</file>
+
 <file path=ppt/slides/slide3.xml><?xml version="1.0" encoding="utf-8"?>
 <p:sld xmlns:a="http://schemas.openxmlformats.org/drawingml/2006/main" xmlns:r="http://schemas.openxmlformats.org/officeDocument/2006/relationships" xmlns:p="http://schemas.openxmlformats.org/presentationml/2006/main">
   <p:cSld>
@@ -6338,6 +8078,171 @@
           <p:cNvPr id="2" name="Title 1">
             <a:extLst>
               <a:ext uri="{FF2B5EF4-FFF2-40B4-BE49-F238E27FC236}">
+                <a16:creationId xmlns:a16="http://schemas.microsoft.com/office/drawing/2014/main" id="{E25DDB6C-7FC4-AAC6-093E-6792EE5F569F}"/>
+              </a:ext>
+            </a:extLst>
+          </p:cNvPr>
+          <p:cNvSpPr>
+            <a:spLocks noGrp="1"/>
+          </p:cNvSpPr>
+          <p:nvPr>
+            <p:ph type="title"/>
+          </p:nvPr>
+        </p:nvSpPr>
+        <p:spPr>
+          <a:xfrm>
+            <a:off x="0" y="1"/>
+            <a:ext cx="11353800" cy="787399"/>
+          </a:xfrm>
+        </p:spPr>
+        <p:txBody>
+          <a:bodyPr/>
+          <a:lstStyle/>
+          <a:p>
+            <a:r>
+              <a:rPr lang="en-US" dirty="0"/>
+              <a:t>The Dataset and Cleanup</a:t>
+            </a:r>
+          </a:p>
+        </p:txBody>
+      </p:sp>
+      <p:sp>
+        <p:nvSpPr>
+          <p:cNvPr id="3" name="Content Placeholder 2">
+            <a:extLst>
+              <a:ext uri="{FF2B5EF4-FFF2-40B4-BE49-F238E27FC236}">
+                <a16:creationId xmlns:a16="http://schemas.microsoft.com/office/drawing/2014/main" id="{D77466DE-8FB4-92D5-2A01-E015D19F191D}"/>
+              </a:ext>
+            </a:extLst>
+          </p:cNvPr>
+          <p:cNvSpPr>
+            <a:spLocks noGrp="1"/>
+          </p:cNvSpPr>
+          <p:nvPr>
+            <p:ph idx="1"/>
+          </p:nvPr>
+        </p:nvSpPr>
+        <p:spPr>
+          <a:xfrm>
+            <a:off x="296333" y="787400"/>
+            <a:ext cx="11057467" cy="5389563"/>
+          </a:xfrm>
+        </p:spPr>
+        <p:txBody>
+          <a:bodyPr/>
+          <a:lstStyle/>
+          <a:p>
+            <a:r>
+              <a:rPr lang="en-US" dirty="0"/>
+              <a:t>Sourced from Kaggle: </a:t>
+            </a:r>
+            <a:r>
+              <a:rPr lang="en-US" dirty="0">
+                <a:hlinkClick r:id="rId2"/>
+              </a:rPr>
+              <a:t>https://www.kaggle.com/datasets/travistyler/dnd-5e-monster-manual-stats?select=cleaned_monsters_basic.csv</a:t>
+            </a:r>
+            <a:endParaRPr lang="en-US" dirty="0"/>
+          </a:p>
+          <a:p>
+            <a:endParaRPr lang="en-US" dirty="0"/>
+          </a:p>
+          <a:p>
+            <a:r>
+              <a:rPr lang="en-US" dirty="0"/>
+              <a:t>Dimension of original dataset: 324 rows x 45 columns</a:t>
+            </a:r>
+          </a:p>
+          <a:p>
+            <a:endParaRPr lang="en-US" dirty="0"/>
+          </a:p>
+          <a:p>
+            <a:r>
+              <a:rPr lang="en-US" dirty="0"/>
+              <a:t>Clean up Process</a:t>
+            </a:r>
+          </a:p>
+          <a:p>
+            <a:pPr lvl="1"/>
+            <a:r>
+              <a:rPr lang="en-US" dirty="0"/>
+              <a:t>Dropped non-essential rows (down to 324 rows x 16 columns)</a:t>
+            </a:r>
+          </a:p>
+          <a:p>
+            <a:pPr lvl="1"/>
+            <a:r>
+              <a:rPr lang="en-US" dirty="0"/>
+              <a:t>Coded yes/no columns to numeric (i.e. challenge rating, languages, and legendary creature)</a:t>
+            </a:r>
+          </a:p>
+          <a:p>
+            <a:pPr lvl="1"/>
+            <a:r>
+              <a:rPr lang="en-US" dirty="0"/>
+              <a:t>Checked for obvious outliers in numeric variables</a:t>
+            </a:r>
+          </a:p>
+          <a:p>
+            <a:pPr lvl="1"/>
+            <a:r>
+              <a:rPr lang="en-US" dirty="0"/>
+              <a:t>Saved new csv file that was used for analysis (</a:t>
+            </a:r>
+            <a:r>
+              <a:rPr lang="en-US" i="1" dirty="0"/>
+              <a:t>monsters_cleaned.csv</a:t>
+            </a:r>
+            <a:r>
+              <a:rPr lang="en-US" dirty="0"/>
+              <a:t>)</a:t>
+            </a:r>
+          </a:p>
+          <a:p>
+            <a:pPr lvl="1"/>
+            <a:endParaRPr lang="en-US" dirty="0"/>
+          </a:p>
+          <a:p>
+            <a:pPr lvl="1"/>
+            <a:endParaRPr lang="en-US" dirty="0"/>
+          </a:p>
+        </p:txBody>
+      </p:sp>
+    </p:spTree>
+    <p:extLst>
+      <p:ext uri="{BB962C8B-B14F-4D97-AF65-F5344CB8AC3E}">
+        <p14:creationId xmlns:p14="http://schemas.microsoft.com/office/powerpoint/2010/main" val="26183857"/>
+      </p:ext>
+    </p:extLst>
+  </p:cSld>
+  <p:clrMapOvr>
+    <a:masterClrMapping/>
+  </p:clrMapOvr>
+</p:sld>
+</file>
+
+<file path=ppt/slides/slide4.xml><?xml version="1.0" encoding="utf-8"?>
+<p:sld xmlns:a="http://schemas.openxmlformats.org/drawingml/2006/main" xmlns:r="http://schemas.openxmlformats.org/officeDocument/2006/relationships" xmlns:p="http://schemas.openxmlformats.org/presentationml/2006/main">
+  <p:cSld>
+    <p:spTree>
+      <p:nvGrpSpPr>
+        <p:cNvPr id="1" name=""/>
+        <p:cNvGrpSpPr/>
+        <p:nvPr/>
+      </p:nvGrpSpPr>
+      <p:grpSpPr>
+        <a:xfrm>
+          <a:off x="0" y="0"/>
+          <a:ext cx="0" cy="0"/>
+          <a:chOff x="0" y="0"/>
+          <a:chExt cx="0" cy="0"/>
+        </a:xfrm>
+      </p:grpSpPr>
+      <p:sp>
+        <p:nvSpPr>
+          <p:cNvPr id="2" name="Title 1">
+            <a:extLst>
+              <a:ext uri="{FF2B5EF4-FFF2-40B4-BE49-F238E27FC236}">
                 <a16:creationId xmlns:a16="http://schemas.microsoft.com/office/drawing/2014/main" id="{AEDA5D2F-3134-32D2-7178-C42D3B20CF87}"/>
               </a:ext>
             </a:extLst>
@@ -6410,7 +8315,7 @@
             </a:r>
             <a:r>
               <a:rPr lang="en-US" dirty="0"/>
-              <a:t>numeric value from 1 to 700 that describes the amount of damage a monster can take before it is killed (lower HP means a less hits will kill it)</a:t>
+              <a:t>numeric value from 1 to 676 that describes the amount of damage a monster can take before it is killed (lower HP means a less hits will kill it)</a:t>
             </a:r>
           </a:p>
           <a:p>
@@ -6534,7 +8439,7 @@
 </p:sld>
 </file>
 
-<file path=ppt/slides/slide4.xml><?xml version="1.0" encoding="utf-8"?>
+<file path=ppt/slides/slide5.xml><?xml version="1.0" encoding="utf-8"?>
 <p:sld xmlns:a="http://schemas.openxmlformats.org/drawingml/2006/main" xmlns:r="http://schemas.openxmlformats.org/officeDocument/2006/relationships" xmlns:p="http://schemas.openxmlformats.org/presentationml/2006/main">
   <p:cSld>
     <p:spTree>
@@ -7295,7 +9200,7 @@
 </p:sld>
 </file>
 
-<file path=ppt/slides/slide5.xml><?xml version="1.0" encoding="utf-8"?>
+<file path=ppt/slides/slide6.xml><?xml version="1.0" encoding="utf-8"?>
 <p:sld xmlns:a="http://schemas.openxmlformats.org/drawingml/2006/main" xmlns:r="http://schemas.openxmlformats.org/officeDocument/2006/relationships" xmlns:p="http://schemas.openxmlformats.org/presentationml/2006/main">
   <p:cSld>
     <p:spTree>
@@ -7404,151 +9309,6 @@
     <p:extLst>
       <p:ext uri="{BB962C8B-B14F-4D97-AF65-F5344CB8AC3E}">
         <p14:creationId xmlns:p14="http://schemas.microsoft.com/office/powerpoint/2010/main" val="3600176210"/>
-      </p:ext>
-    </p:extLst>
-  </p:cSld>
-  <p:clrMapOvr>
-    <a:masterClrMapping/>
-  </p:clrMapOvr>
-</p:sld>
-</file>
-
-<file path=ppt/slides/slide6.xml><?xml version="1.0" encoding="utf-8"?>
-<p:sld xmlns:a="http://schemas.openxmlformats.org/drawingml/2006/main" xmlns:r="http://schemas.openxmlformats.org/officeDocument/2006/relationships" xmlns:p="http://schemas.openxmlformats.org/presentationml/2006/main">
-  <p:cSld>
-    <p:spTree>
-      <p:nvGrpSpPr>
-        <p:cNvPr id="1" name="">
-          <a:extLst>
-            <a:ext uri="{FF2B5EF4-FFF2-40B4-BE49-F238E27FC236}">
-              <a16:creationId xmlns:a16="http://schemas.microsoft.com/office/drawing/2014/main" id="{E42A8324-8BAD-1E28-0506-D0E202286B2E}"/>
-            </a:ext>
-          </a:extLst>
-        </p:cNvPr>
-        <p:cNvGrpSpPr/>
-        <p:nvPr/>
-      </p:nvGrpSpPr>
-      <p:grpSpPr>
-        <a:xfrm>
-          <a:off x="0" y="0"/>
-          <a:ext cx="0" cy="0"/>
-          <a:chOff x="0" y="0"/>
-          <a:chExt cx="0" cy="0"/>
-        </a:xfrm>
-      </p:grpSpPr>
-      <p:sp>
-        <p:nvSpPr>
-          <p:cNvPr id="2" name="Title 1">
-            <a:extLst>
-              <a:ext uri="{FF2B5EF4-FFF2-40B4-BE49-F238E27FC236}">
-                <a16:creationId xmlns:a16="http://schemas.microsoft.com/office/drawing/2014/main" id="{301B98F0-A646-A26A-D3F7-B4C509C69ED9}"/>
-              </a:ext>
-            </a:extLst>
-          </p:cNvPr>
-          <p:cNvSpPr>
-            <a:spLocks noGrp="1"/>
-          </p:cNvSpPr>
-          <p:nvPr>
-            <p:ph type="title"/>
-          </p:nvPr>
-        </p:nvSpPr>
-        <p:spPr>
-          <a:xfrm>
-            <a:off x="838200" y="-11113"/>
-            <a:ext cx="10515600" cy="1325563"/>
-          </a:xfrm>
-        </p:spPr>
-        <p:txBody>
-          <a:bodyPr/>
-          <a:lstStyle/>
-          <a:p>
-            <a:r>
-              <a:rPr lang="en-US" dirty="0"/>
-              <a:t>The app</a:t>
-            </a:r>
-          </a:p>
-        </p:txBody>
-      </p:sp>
-      <p:sp>
-        <p:nvSpPr>
-          <p:cNvPr id="3" name="Content Placeholder 2">
-            <a:extLst>
-              <a:ext uri="{FF2B5EF4-FFF2-40B4-BE49-F238E27FC236}">
-                <a16:creationId xmlns:a16="http://schemas.microsoft.com/office/drawing/2014/main" id="{2E6FE967-DC3E-1D2B-E133-4002F9E4C264}"/>
-              </a:ext>
-            </a:extLst>
-          </p:cNvPr>
-          <p:cNvSpPr>
-            <a:spLocks noGrp="1"/>
-          </p:cNvSpPr>
-          <p:nvPr>
-            <p:ph idx="1"/>
-          </p:nvPr>
-        </p:nvSpPr>
-        <p:spPr>
-          <a:xfrm>
-            <a:off x="838200" y="965200"/>
-            <a:ext cx="10515600" cy="5600700"/>
-          </a:xfrm>
-        </p:spPr>
-        <p:txBody>
-          <a:bodyPr>
-            <a:normAutofit lnSpcReduction="10000"/>
-          </a:bodyPr>
-          <a:lstStyle/>
-          <a:p>
-            <a:r>
-              <a:rPr lang="en-US" dirty="0"/>
-              <a:t>Tab 1: Introduces the monsters by plotting Challenge Rating (given by the game guidebook) against the Predicted Challenge Rating of the fitted model</a:t>
-            </a:r>
-          </a:p>
-          <a:p>
-            <a:pPr lvl="1"/>
-            <a:r>
-              <a:rPr lang="en-US" dirty="0"/>
-              <a:t>Predictors for Challenge Rating:</a:t>
-            </a:r>
-          </a:p>
-          <a:p>
-            <a:pPr lvl="2"/>
-            <a:r>
-              <a:rPr lang="en-US" dirty="0"/>
-              <a:t>Armor Class, Hit Points, Strength, Dexterity, Constitution, Intelligence, Wisdom, Charisma, Speed, Speak Languages, Legendary Creature</a:t>
-            </a:r>
-          </a:p>
-          <a:p>
-            <a:endParaRPr lang="en-US" dirty="0"/>
-          </a:p>
-          <a:p>
-            <a:r>
-              <a:rPr lang="en-US" dirty="0"/>
-              <a:t>Tab 2: Explores each predictor against actual challenge rating individually</a:t>
-            </a:r>
-          </a:p>
-          <a:p>
-            <a:endParaRPr lang="en-US" dirty="0"/>
-          </a:p>
-          <a:p>
-            <a:r>
-              <a:rPr lang="en-US" dirty="0"/>
-              <a:t>Tab 3: Principal Component Analysis (PCA) of Monster Types</a:t>
-            </a:r>
-          </a:p>
-          <a:p>
-            <a:endParaRPr lang="en-US" dirty="0"/>
-          </a:p>
-          <a:p>
-            <a:r>
-              <a:rPr lang="en-US" dirty="0"/>
-              <a:t>Tab 4: Search for a monster and use it in your campaign!</a:t>
-            </a:r>
-          </a:p>
-        </p:txBody>
-      </p:sp>
-    </p:spTree>
-    <p:extLst>
-      <p:ext uri="{BB962C8B-B14F-4D97-AF65-F5344CB8AC3E}">
-        <p14:creationId xmlns:p14="http://schemas.microsoft.com/office/powerpoint/2010/main" val="3751481816"/>
       </p:ext>
     </p:extLst>
   </p:cSld>
@@ -7575,12 +9335,315 @@
           <a:chExt cx="0" cy="0"/>
         </a:xfrm>
       </p:grpSpPr>
+      <p:sp>
+        <p:nvSpPr>
+          <p:cNvPr id="2" name="Title 1">
+            <a:extLst>
+              <a:ext uri="{FF2B5EF4-FFF2-40B4-BE49-F238E27FC236}">
+                <a16:creationId xmlns:a16="http://schemas.microsoft.com/office/drawing/2014/main" id="{154951E6-1011-70C2-4AD2-48579EC9F592}"/>
+              </a:ext>
+            </a:extLst>
+          </p:cNvPr>
+          <p:cNvSpPr>
+            <a:spLocks noGrp="1"/>
+          </p:cNvSpPr>
+          <p:nvPr>
+            <p:ph type="title"/>
+          </p:nvPr>
+        </p:nvSpPr>
+        <p:spPr/>
+        <p:txBody>
+          <a:bodyPr/>
+          <a:lstStyle/>
+          <a:p>
+            <a:r>
+              <a:rPr lang="en-US" dirty="0"/>
+              <a:t>Link to GitHub</a:t>
+            </a:r>
+          </a:p>
+        </p:txBody>
+      </p:sp>
+      <p:sp>
+        <p:nvSpPr>
+          <p:cNvPr id="3" name="Content Placeholder 2">
+            <a:extLst>
+              <a:ext uri="{FF2B5EF4-FFF2-40B4-BE49-F238E27FC236}">
+                <a16:creationId xmlns:a16="http://schemas.microsoft.com/office/drawing/2014/main" id="{116CE46C-4E38-ADFB-8480-DF1702A5FF7F}"/>
+              </a:ext>
+            </a:extLst>
+          </p:cNvPr>
+          <p:cNvSpPr>
+            <a:spLocks noGrp="1"/>
+          </p:cNvSpPr>
+          <p:nvPr>
+            <p:ph idx="1"/>
+          </p:nvPr>
+        </p:nvSpPr>
+        <p:spPr/>
+        <p:txBody>
+          <a:bodyPr/>
+          <a:lstStyle/>
+          <a:p>
+            <a:r>
+              <a:rPr lang="en-US" dirty="0">
+                <a:hlinkClick r:id="rId2"/>
+              </a:rPr>
+              <a:t>https://github.com/odelmas-sci/824-final</a:t>
+            </a:r>
+            <a:endParaRPr lang="en-US" dirty="0"/>
+          </a:p>
+          <a:p>
+            <a:r>
+              <a:rPr lang="en-US" dirty="0"/>
+              <a:t>README page:</a:t>
+            </a:r>
+          </a:p>
+          <a:p>
+            <a:pPr lvl="1"/>
+            <a:r>
+              <a:rPr lang="en-US" dirty="0"/>
+              <a:t>File name: </a:t>
+            </a:r>
+            <a:r>
+              <a:rPr lang="en-US" u="sng" dirty="0"/>
+              <a:t>Monsters of </a:t>
+            </a:r>
+            <a:r>
+              <a:rPr lang="en-US" u="sng" dirty="0" err="1"/>
+              <a:t>DnD.R</a:t>
+            </a:r>
+            <a:r>
+              <a:rPr lang="en-US" u="sng" dirty="0"/>
+              <a:t> </a:t>
+            </a:r>
+            <a:r>
+              <a:rPr lang="en-US" dirty="0"/>
+              <a:t>is the R script where I cleaned the data that I used in the Shiny app</a:t>
+            </a:r>
+          </a:p>
+          <a:p>
+            <a:pPr lvl="1"/>
+            <a:r>
+              <a:rPr lang="en-US" dirty="0"/>
+              <a:t>File name: </a:t>
+            </a:r>
+            <a:r>
+              <a:rPr lang="en-US" u="sng" dirty="0"/>
+              <a:t>monsters_cleaned.csv </a:t>
+            </a:r>
+            <a:r>
+              <a:rPr lang="en-US" dirty="0"/>
+              <a:t>is the csv file I saved of the cleaned data</a:t>
+            </a:r>
+          </a:p>
+          <a:p>
+            <a:pPr lvl="1"/>
+            <a:r>
+              <a:rPr lang="en-US" dirty="0"/>
+              <a:t>File name: </a:t>
+            </a:r>
+            <a:r>
+              <a:rPr lang="en-US" u="sng" dirty="0" err="1"/>
+              <a:t>app.R</a:t>
+            </a:r>
+            <a:r>
+              <a:rPr lang="en-US" dirty="0"/>
+              <a:t> is the Shiny App</a:t>
+            </a:r>
+          </a:p>
+        </p:txBody>
+      </p:sp>
+    </p:spTree>
+    <p:extLst>
+      <p:ext uri="{BB962C8B-B14F-4D97-AF65-F5344CB8AC3E}">
+        <p14:creationId xmlns:p14="http://schemas.microsoft.com/office/powerpoint/2010/main" val="3378637245"/>
+      </p:ext>
+    </p:extLst>
+  </p:cSld>
+  <p:clrMapOvr>
+    <a:masterClrMapping/>
+  </p:clrMapOvr>
+</p:sld>
+</file>
+
+<file path=ppt/slides/slide8.xml><?xml version="1.0" encoding="utf-8"?>
+<p:sld xmlns:a="http://schemas.openxmlformats.org/drawingml/2006/main" xmlns:r="http://schemas.openxmlformats.org/officeDocument/2006/relationships" xmlns:p="http://schemas.openxmlformats.org/presentationml/2006/main">
+  <p:cSld>
+    <p:spTree>
+      <p:nvGrpSpPr>
+        <p:cNvPr id="1" name="">
+          <a:extLst>
+            <a:ext uri="{FF2B5EF4-FFF2-40B4-BE49-F238E27FC236}">
+              <a16:creationId xmlns:a16="http://schemas.microsoft.com/office/drawing/2014/main" id="{E42A8324-8BAD-1E28-0506-D0E202286B2E}"/>
+            </a:ext>
+          </a:extLst>
+        </p:cNvPr>
+        <p:cNvGrpSpPr/>
+        <p:nvPr/>
+      </p:nvGrpSpPr>
+      <p:grpSpPr>
+        <a:xfrm>
+          <a:off x="0" y="0"/>
+          <a:ext cx="0" cy="0"/>
+          <a:chOff x="0" y="0"/>
+          <a:chExt cx="0" cy="0"/>
+        </a:xfrm>
+      </p:grpSpPr>
+      <p:sp>
+        <p:nvSpPr>
+          <p:cNvPr id="2" name="Title 1">
+            <a:extLst>
+              <a:ext uri="{FF2B5EF4-FFF2-40B4-BE49-F238E27FC236}">
+                <a16:creationId xmlns:a16="http://schemas.microsoft.com/office/drawing/2014/main" id="{301B98F0-A646-A26A-D3F7-B4C509C69ED9}"/>
+              </a:ext>
+            </a:extLst>
+          </p:cNvPr>
+          <p:cNvSpPr>
+            <a:spLocks noGrp="1"/>
+          </p:cNvSpPr>
+          <p:nvPr>
+            <p:ph type="title"/>
+          </p:nvPr>
+        </p:nvSpPr>
+        <p:spPr>
+          <a:xfrm>
+            <a:off x="0" y="-11112"/>
+            <a:ext cx="11353800" cy="781580"/>
+          </a:xfrm>
+        </p:spPr>
+        <p:txBody>
+          <a:bodyPr/>
+          <a:lstStyle/>
+          <a:p>
+            <a:r>
+              <a:rPr lang="en-US" dirty="0"/>
+              <a:t>The app: Monster Challenge Estimator</a:t>
+            </a:r>
+          </a:p>
+        </p:txBody>
+      </p:sp>
+      <p:sp>
+        <p:nvSpPr>
+          <p:cNvPr id="3" name="Content Placeholder 2">
+            <a:extLst>
+              <a:ext uri="{FF2B5EF4-FFF2-40B4-BE49-F238E27FC236}">
+                <a16:creationId xmlns:a16="http://schemas.microsoft.com/office/drawing/2014/main" id="{2E6FE967-DC3E-1D2B-E133-4002F9E4C264}"/>
+              </a:ext>
+            </a:extLst>
+          </p:cNvPr>
+          <p:cNvSpPr>
+            <a:spLocks noGrp="1"/>
+          </p:cNvSpPr>
+          <p:nvPr>
+            <p:ph idx="1"/>
+          </p:nvPr>
+        </p:nvSpPr>
+        <p:spPr>
+          <a:xfrm>
+            <a:off x="838200" y="965200"/>
+            <a:ext cx="10515600" cy="5600700"/>
+          </a:xfrm>
+        </p:spPr>
+        <p:txBody>
+          <a:bodyPr>
+            <a:normAutofit fontScale="92500" lnSpcReduction="10000"/>
+          </a:bodyPr>
+          <a:lstStyle/>
+          <a:p>
+            <a:r>
+              <a:rPr lang="en-US" dirty="0"/>
+              <a:t>Tab 1: Introduces the user to each of the predictors against actual challenge rating individually</a:t>
+            </a:r>
+          </a:p>
+          <a:p>
+            <a:endParaRPr lang="en-US" dirty="0"/>
+          </a:p>
+          <a:p>
+            <a:r>
+              <a:rPr lang="en-US" dirty="0"/>
+              <a:t>Tab 2: Introduces the monsters by plotting Challenge Rating (given by the game guidebook) against the Predicted Challenge Rating of the fitted model</a:t>
+            </a:r>
+          </a:p>
+          <a:p>
+            <a:pPr lvl="1"/>
+            <a:r>
+              <a:rPr lang="en-US" dirty="0"/>
+              <a:t>Predictors for Challenge Rating:</a:t>
+            </a:r>
+          </a:p>
+          <a:p>
+            <a:pPr lvl="2"/>
+            <a:r>
+              <a:rPr lang="en-US" dirty="0"/>
+              <a:t>Armor Class, Hit Points, Strength, Dexterity, Constitution, Intelligence, Wisdom, Charisma, Speed, Speak Languages, Legendary Creature</a:t>
+            </a:r>
+          </a:p>
+          <a:p>
+            <a:pPr lvl="1"/>
+            <a:r>
+              <a:rPr lang="en-US" dirty="0"/>
+              <a:t>Can also filter by Monster Type</a:t>
+            </a:r>
+          </a:p>
+          <a:p>
+            <a:pPr marL="0" indent="0">
+              <a:buNone/>
+            </a:pPr>
+            <a:endParaRPr lang="en-US" dirty="0"/>
+          </a:p>
+          <a:p>
+            <a:r>
+              <a:rPr lang="en-US" dirty="0"/>
+              <a:t>Tab 3: Principal Component Analysis (PCA) of Monster Types</a:t>
+            </a:r>
+          </a:p>
+          <a:p>
+            <a:endParaRPr lang="en-US" dirty="0"/>
+          </a:p>
+          <a:p>
+            <a:r>
+              <a:rPr lang="en-US" dirty="0"/>
+              <a:t>Tab 4: Search for a monster and use it in your campaign!</a:t>
+            </a:r>
+          </a:p>
+        </p:txBody>
+      </p:sp>
+    </p:spTree>
+    <p:extLst>
+      <p:ext uri="{BB962C8B-B14F-4D97-AF65-F5344CB8AC3E}">
+        <p14:creationId xmlns:p14="http://schemas.microsoft.com/office/powerpoint/2010/main" val="3751481816"/>
+      </p:ext>
+    </p:extLst>
+  </p:cSld>
+  <p:clrMapOvr>
+    <a:masterClrMapping/>
+  </p:clrMapOvr>
+</p:sld>
+</file>
+
+<file path=ppt/slides/slide9.xml><?xml version="1.0" encoding="utf-8"?>
+<p:sld xmlns:a="http://schemas.openxmlformats.org/drawingml/2006/main" xmlns:r="http://schemas.openxmlformats.org/officeDocument/2006/relationships" xmlns:p="http://schemas.openxmlformats.org/presentationml/2006/main">
+  <p:cSld>
+    <p:spTree>
+      <p:nvGrpSpPr>
+        <p:cNvPr id="1" name=""/>
+        <p:cNvGrpSpPr/>
+        <p:nvPr/>
+      </p:nvGrpSpPr>
+      <p:grpSpPr>
+        <a:xfrm>
+          <a:off x="0" y="0"/>
+          <a:ext cx="0" cy="0"/>
+          <a:chOff x="0" y="0"/>
+          <a:chExt cx="0" cy="0"/>
+        </a:xfrm>
+      </p:grpSpPr>
       <p:pic>
         <p:nvPicPr>
-          <p:cNvPr id="7" name="Picture 6">
-            <a:extLst>
-              <a:ext uri="{FF2B5EF4-FFF2-40B4-BE49-F238E27FC236}">
-                <a16:creationId xmlns:a16="http://schemas.microsoft.com/office/drawing/2014/main" id="{03CE903C-E696-9ED9-B2AE-6F8CF7B84B3B}"/>
+          <p:cNvPr id="12" name="Picture 11">
+            <a:extLst>
+              <a:ext uri="{FF2B5EF4-FFF2-40B4-BE49-F238E27FC236}">
+                <a16:creationId xmlns:a16="http://schemas.microsoft.com/office/drawing/2014/main" id="{B7154240-5E87-5AAB-3E60-29FD40852A99}"/>
               </a:ext>
             </a:extLst>
           </p:cNvPr>
@@ -7597,8 +9660,8 @@
         </p:blipFill>
         <p:spPr>
           <a:xfrm>
-            <a:off x="120651" y="1092199"/>
-            <a:ext cx="8690170" cy="4429125"/>
+            <a:off x="702734" y="1234664"/>
+            <a:ext cx="10515600" cy="5402307"/>
           </a:xfrm>
           <a:prstGeom prst="rect">
             <a:avLst/>
@@ -7615,7 +9678,7 @@
           <p:cNvPr id="2" name="Title 1">
             <a:extLst>
               <a:ext uri="{FF2B5EF4-FFF2-40B4-BE49-F238E27FC236}">
-                <a16:creationId xmlns:a16="http://schemas.microsoft.com/office/drawing/2014/main" id="{EB4B5F15-F4F5-F44E-7C57-149BC046F74F}"/>
+                <a16:creationId xmlns:a16="http://schemas.microsoft.com/office/drawing/2014/main" id="{86297F28-5D18-9127-6DB3-6DC31F18845C}"/>
               </a:ext>
             </a:extLst>
           </p:cNvPr>
@@ -7628,8 +9691,8 @@
         </p:nvSpPr>
         <p:spPr>
           <a:xfrm>
-            <a:off x="44450" y="18255"/>
-            <a:ext cx="10515600" cy="718345"/>
+            <a:off x="0" y="18255"/>
+            <a:ext cx="10515600" cy="807245"/>
           </a:xfrm>
         </p:spPr>
         <p:txBody>
@@ -7638,7 +9701,7 @@
           <a:p>
             <a:r>
               <a:rPr lang="en-US" dirty="0"/>
-              <a:t>Tab 1: Explore Your Monsters</a:t>
+              <a:t>Tab 1: Predictor Explorer</a:t>
             </a:r>
           </a:p>
         </p:txBody>
@@ -7648,7 +9711,7 @@
           <p:cNvPr id="3" name="Content Placeholder 2">
             <a:extLst>
               <a:ext uri="{FF2B5EF4-FFF2-40B4-BE49-F238E27FC236}">
-                <a16:creationId xmlns:a16="http://schemas.microsoft.com/office/drawing/2014/main" id="{4D1CB74F-24AB-C3E3-85B9-EDB0EBCC2D8B}"/>
+                <a16:creationId xmlns:a16="http://schemas.microsoft.com/office/drawing/2014/main" id="{A6787EE7-726D-0BAA-D543-3E2777E2906D}"/>
               </a:ext>
             </a:extLst>
           </p:cNvPr>
@@ -7661,47 +9724,32 @@
         </p:nvSpPr>
         <p:spPr>
           <a:xfrm>
-            <a:off x="8769350" y="107950"/>
-            <a:ext cx="3302000" cy="6432550"/>
+            <a:off x="499533" y="719667"/>
+            <a:ext cx="11201401" cy="668866"/>
           </a:xfrm>
         </p:spPr>
         <p:txBody>
           <a:bodyPr>
-            <a:normAutofit/>
+            <a:normAutofit fontScale="92500"/>
           </a:bodyPr>
           <a:lstStyle/>
           <a:p>
-            <a:r>
-              <a:rPr lang="en-US" sz="2000" dirty="0"/>
-              <a:t>This is the opening page where the user can explore the monsters</a:t>
-            </a:r>
-          </a:p>
-          <a:p>
-            <a:endParaRPr lang="en-US" sz="2000" dirty="0"/>
-          </a:p>
-          <a:p>
-            <a:r>
-              <a:rPr lang="en-US" sz="2000" dirty="0"/>
-              <a:t>The user can directly look at challenge rating or use the other predictors to see what monsters get filtered out</a:t>
-            </a:r>
-          </a:p>
-          <a:p>
-            <a:endParaRPr lang="en-US" sz="2000" dirty="0"/>
-          </a:p>
-          <a:p>
-            <a:r>
-              <a:rPr lang="en-US" sz="2000" dirty="0"/>
-              <a:t>The table below shows the monsters that are being plotted in the graph</a:t>
-            </a:r>
-          </a:p>
-        </p:txBody>
-      </p:sp>
-      <p:sp>
-        <p:nvSpPr>
-          <p:cNvPr id="6" name="TextBox 5">
-            <a:extLst>
-              <a:ext uri="{FF2B5EF4-FFF2-40B4-BE49-F238E27FC236}">
-                <a16:creationId xmlns:a16="http://schemas.microsoft.com/office/drawing/2014/main" id="{CBC2513B-98FB-0DAF-6A34-781A37EC1C76}"/>
+            <a:pPr marL="0" indent="0">
+              <a:buNone/>
+            </a:pPr>
+            <a:r>
+              <a:rPr lang="en-US" dirty="0"/>
+              <a:t>Tab 1 is an introduction to exploring each predictor against challenge rating</a:t>
+            </a:r>
+          </a:p>
+        </p:txBody>
+      </p:sp>
+      <p:sp>
+        <p:nvSpPr>
+          <p:cNvPr id="4" name="TextBox 3">
+            <a:extLst>
+              <a:ext uri="{FF2B5EF4-FFF2-40B4-BE49-F238E27FC236}">
+                <a16:creationId xmlns:a16="http://schemas.microsoft.com/office/drawing/2014/main" id="{A822C00B-65C6-E5BD-6927-093A42669725}"/>
               </a:ext>
             </a:extLst>
           </p:cNvPr>
@@ -7710,8 +9758,8 @@
         </p:nvSpPr>
         <p:spPr>
           <a:xfrm>
-            <a:off x="330200" y="6369050"/>
-            <a:ext cx="11518410" cy="369332"/>
+            <a:off x="770468" y="3580826"/>
+            <a:ext cx="3039532" cy="830997"/>
           </a:xfrm>
           <a:prstGeom prst="rect">
             <a:avLst/>
@@ -7719,36 +9767,37 @@
           <a:noFill/>
         </p:spPr>
         <p:txBody>
-          <a:bodyPr wrap="none" rtlCol="0">
+          <a:bodyPr wrap="square" rtlCol="0">
             <a:spAutoFit/>
           </a:bodyPr>
           <a:lstStyle/>
           <a:p>
             <a:r>
-              <a:rPr lang="en-US" dirty="0"/>
-              <a:t>The user can specify what monsters they want to look at by deselecting different monster types in this dropdown list</a:t>
+              <a:rPr lang="en-US" sz="1600" dirty="0"/>
+              <a:t>The dropdown menu allows users to explore each of the predictors individually</a:t>
             </a:r>
           </a:p>
         </p:txBody>
       </p:sp>
       <p:cxnSp>
         <p:nvCxnSpPr>
-          <p:cNvPr id="8" name="Straight Arrow Connector 7">
-            <a:extLst>
-              <a:ext uri="{FF2B5EF4-FFF2-40B4-BE49-F238E27FC236}">
-                <a16:creationId xmlns:a16="http://schemas.microsoft.com/office/drawing/2014/main" id="{276AA5D9-176A-45ED-52FE-4B28CB99AC40}"/>
+          <p:cNvPr id="7" name="Straight Arrow Connector 6">
+            <a:extLst>
+              <a:ext uri="{FF2B5EF4-FFF2-40B4-BE49-F238E27FC236}">
+                <a16:creationId xmlns:a16="http://schemas.microsoft.com/office/drawing/2014/main" id="{BEF7896C-CBCE-8E12-947D-948865068B3D}"/>
               </a:ext>
             </a:extLst>
           </p:cNvPr>
           <p:cNvCxnSpPr>
             <a:cxnSpLocks/>
+            <a:stCxn id="4" idx="0"/>
           </p:cNvCxnSpPr>
           <p:nvPr/>
         </p:nvCxnSpPr>
         <p:spPr>
           <a:xfrm flipV="1">
-            <a:off x="1041400" y="5200650"/>
-            <a:ext cx="44450" cy="1231900"/>
+            <a:off x="2290234" y="2749829"/>
+            <a:ext cx="0" cy="830997"/>
           </a:xfrm>
           <a:prstGeom prst="straightConnector1">
             <a:avLst/>
@@ -7775,667 +9824,7 @@
     </p:spTree>
     <p:extLst>
       <p:ext uri="{BB962C8B-B14F-4D97-AF65-F5344CB8AC3E}">
-        <p14:creationId xmlns:p14="http://schemas.microsoft.com/office/powerpoint/2010/main" val="3113018929"/>
-      </p:ext>
-    </p:extLst>
-  </p:cSld>
-  <p:clrMapOvr>
-    <a:masterClrMapping/>
-  </p:clrMapOvr>
-</p:sld>
-</file>
-
-<file path=ppt/slides/slide8.xml><?xml version="1.0" encoding="utf-8"?>
-<p:sld xmlns:a="http://schemas.openxmlformats.org/drawingml/2006/main" xmlns:r="http://schemas.openxmlformats.org/officeDocument/2006/relationships" xmlns:p="http://schemas.openxmlformats.org/presentationml/2006/main">
-  <p:cSld>
-    <p:spTree>
-      <p:nvGrpSpPr>
-        <p:cNvPr id="1" name="">
-          <a:extLst>
-            <a:ext uri="{FF2B5EF4-FFF2-40B4-BE49-F238E27FC236}">
-              <a16:creationId xmlns:a16="http://schemas.microsoft.com/office/drawing/2014/main" id="{D5C480CB-741C-C63F-4A45-15328B897D0F}"/>
-            </a:ext>
-          </a:extLst>
-        </p:cNvPr>
-        <p:cNvGrpSpPr/>
-        <p:nvPr/>
-      </p:nvGrpSpPr>
-      <p:grpSpPr>
-        <a:xfrm>
-          <a:off x="0" y="0"/>
-          <a:ext cx="0" cy="0"/>
-          <a:chOff x="0" y="0"/>
-          <a:chExt cx="0" cy="0"/>
-        </a:xfrm>
-      </p:grpSpPr>
-      <p:sp>
-        <p:nvSpPr>
-          <p:cNvPr id="2" name="Title 1">
-            <a:extLst>
-              <a:ext uri="{FF2B5EF4-FFF2-40B4-BE49-F238E27FC236}">
-                <a16:creationId xmlns:a16="http://schemas.microsoft.com/office/drawing/2014/main" id="{51C76015-DC06-8B87-8AA5-867900AF0698}"/>
-              </a:ext>
-            </a:extLst>
-          </p:cNvPr>
-          <p:cNvSpPr>
-            <a:spLocks noGrp="1"/>
-          </p:cNvSpPr>
-          <p:nvPr>
-            <p:ph type="title"/>
-          </p:nvPr>
-        </p:nvSpPr>
-        <p:spPr>
-          <a:xfrm>
-            <a:off x="44450" y="18255"/>
-            <a:ext cx="10515600" cy="718345"/>
-          </a:xfrm>
-        </p:spPr>
-        <p:txBody>
-          <a:bodyPr/>
-          <a:lstStyle/>
-          <a:p>
-            <a:r>
-              <a:rPr lang="en-US" dirty="0"/>
-              <a:t>Tab 1: Explore Your Monsters</a:t>
-            </a:r>
-          </a:p>
-        </p:txBody>
-      </p:sp>
-      <p:sp>
-        <p:nvSpPr>
-          <p:cNvPr id="3" name="Content Placeholder 2">
-            <a:extLst>
-              <a:ext uri="{FF2B5EF4-FFF2-40B4-BE49-F238E27FC236}">
-                <a16:creationId xmlns:a16="http://schemas.microsoft.com/office/drawing/2014/main" id="{8435A3AF-1B6B-014E-3CE8-BE23D4626747}"/>
-              </a:ext>
-            </a:extLst>
-          </p:cNvPr>
-          <p:cNvSpPr>
-            <a:spLocks noGrp="1"/>
-          </p:cNvSpPr>
-          <p:nvPr>
-            <p:ph idx="1"/>
-          </p:nvPr>
-        </p:nvSpPr>
-        <p:spPr>
-          <a:xfrm>
-            <a:off x="8769350" y="425450"/>
-            <a:ext cx="3302000" cy="6115050"/>
-          </a:xfrm>
-        </p:spPr>
-        <p:txBody>
-          <a:bodyPr>
-            <a:normAutofit fontScale="92500" lnSpcReduction="20000"/>
-          </a:bodyPr>
-          <a:lstStyle/>
-          <a:p>
-            <a:r>
-              <a:rPr lang="en-US" dirty="0"/>
-              <a:t>Let’s say I only want to look at Monster Types that are Undead and Legendary Creatures, then the list is limited to these three</a:t>
-            </a:r>
-          </a:p>
-          <a:p>
-            <a:endParaRPr lang="en-US" dirty="0"/>
-          </a:p>
-          <a:p>
-            <a:r>
-              <a:rPr lang="en-US" dirty="0"/>
-              <a:t>We can see that based on the model, the predicted challenge rating is suggesting that these monsters are less challenging than the guidebook’s recommended Challenge Rating is</a:t>
-            </a:r>
-          </a:p>
-        </p:txBody>
-      </p:sp>
-      <p:pic>
-        <p:nvPicPr>
-          <p:cNvPr id="6" name="Picture 5">
-            <a:extLst>
-              <a:ext uri="{FF2B5EF4-FFF2-40B4-BE49-F238E27FC236}">
-                <a16:creationId xmlns:a16="http://schemas.microsoft.com/office/drawing/2014/main" id="{2787CC3A-A584-CE93-4745-0004EC25EC66}"/>
-              </a:ext>
-            </a:extLst>
-          </p:cNvPr>
-          <p:cNvPicPr>
-            <a:picLocks noChangeAspect="1"/>
-          </p:cNvPicPr>
-          <p:nvPr/>
-        </p:nvPicPr>
-        <p:blipFill>
-          <a:blip r:embed="rId2"/>
-          <a:stretch>
-            <a:fillRect/>
-          </a:stretch>
-        </p:blipFill>
-        <p:spPr>
-          <a:xfrm>
-            <a:off x="0" y="976344"/>
-            <a:ext cx="8830595" cy="4695761"/>
-          </a:xfrm>
-          <a:prstGeom prst="rect">
-            <a:avLst/>
-          </a:prstGeom>
-          <a:ln>
-            <a:solidFill>
-              <a:schemeClr val="tx1"/>
-            </a:solidFill>
-          </a:ln>
-        </p:spPr>
-      </p:pic>
-      <p:cxnSp>
-        <p:nvCxnSpPr>
-          <p:cNvPr id="8" name="Straight Arrow Connector 7">
-            <a:extLst>
-              <a:ext uri="{FF2B5EF4-FFF2-40B4-BE49-F238E27FC236}">
-                <a16:creationId xmlns:a16="http://schemas.microsoft.com/office/drawing/2014/main" id="{32EF1DEA-D67A-1B31-0E71-7B95BA1B1A31}"/>
-              </a:ext>
-            </a:extLst>
-          </p:cNvPr>
-          <p:cNvCxnSpPr/>
-          <p:nvPr/>
-        </p:nvCxnSpPr>
-        <p:spPr>
-          <a:xfrm flipH="1" flipV="1">
-            <a:off x="603250" y="5518150"/>
-            <a:ext cx="177800" cy="508000"/>
-          </a:xfrm>
-          <a:prstGeom prst="straightConnector1">
-            <a:avLst/>
-          </a:prstGeom>
-          <a:ln>
-            <a:solidFill>
-              <a:schemeClr val="tx1"/>
-            </a:solidFill>
-            <a:tailEnd type="triangle"/>
-          </a:ln>
-        </p:spPr>
-        <p:style>
-          <a:lnRef idx="2">
-            <a:schemeClr val="accent1"/>
-          </a:lnRef>
-          <a:fillRef idx="0">
-            <a:schemeClr val="accent1"/>
-          </a:fillRef>
-          <a:effectRef idx="1">
-            <a:schemeClr val="accent1"/>
-          </a:effectRef>
-          <a:fontRef idx="minor">
-            <a:schemeClr val="tx1"/>
-          </a:fontRef>
-        </p:style>
-      </p:cxnSp>
-      <p:sp>
-        <p:nvSpPr>
-          <p:cNvPr id="9" name="TextBox 8">
-            <a:extLst>
-              <a:ext uri="{FF2B5EF4-FFF2-40B4-BE49-F238E27FC236}">
-                <a16:creationId xmlns:a16="http://schemas.microsoft.com/office/drawing/2014/main" id="{82EE2123-5EA0-01B4-4468-18D4E53D1561}"/>
-              </a:ext>
-            </a:extLst>
-          </p:cNvPr>
-          <p:cNvSpPr txBox="1"/>
-          <p:nvPr/>
-        </p:nvSpPr>
-        <p:spPr>
-          <a:xfrm>
-            <a:off x="527050" y="6026150"/>
-            <a:ext cx="6390596" cy="369332"/>
-          </a:xfrm>
-          <a:prstGeom prst="rect">
-            <a:avLst/>
-          </a:prstGeom>
-          <a:noFill/>
-        </p:spPr>
-        <p:txBody>
-          <a:bodyPr wrap="none" rtlCol="0">
-            <a:spAutoFit/>
-          </a:bodyPr>
-          <a:lstStyle/>
-          <a:p>
-            <a:r>
-              <a:rPr lang="en-US" dirty="0"/>
-              <a:t>Clear All reverts the settings back to the default (when opened)</a:t>
-            </a:r>
-          </a:p>
-        </p:txBody>
-      </p:sp>
-    </p:spTree>
-    <p:extLst>
-      <p:ext uri="{BB962C8B-B14F-4D97-AF65-F5344CB8AC3E}">
-        <p14:creationId xmlns:p14="http://schemas.microsoft.com/office/powerpoint/2010/main" val="106282631"/>
-      </p:ext>
-    </p:extLst>
-  </p:cSld>
-  <p:clrMapOvr>
-    <a:masterClrMapping/>
-  </p:clrMapOvr>
-</p:sld>
-</file>
-
-<file path=ppt/slides/slide9.xml><?xml version="1.0" encoding="utf-8"?>
-<p:sld xmlns:a="http://schemas.openxmlformats.org/drawingml/2006/main" xmlns:r="http://schemas.openxmlformats.org/officeDocument/2006/relationships" xmlns:p="http://schemas.openxmlformats.org/presentationml/2006/main">
-  <p:cSld>
-    <p:spTree>
-      <p:nvGrpSpPr>
-        <p:cNvPr id="1" name="">
-          <a:extLst>
-            <a:ext uri="{FF2B5EF4-FFF2-40B4-BE49-F238E27FC236}">
-              <a16:creationId xmlns:a16="http://schemas.microsoft.com/office/drawing/2014/main" id="{4B1DC937-7AEA-7055-ADBB-9F128FB84DC8}"/>
-            </a:ext>
-          </a:extLst>
-        </p:cNvPr>
-        <p:cNvGrpSpPr/>
-        <p:nvPr/>
-      </p:nvGrpSpPr>
-      <p:grpSpPr>
-        <a:xfrm>
-          <a:off x="0" y="0"/>
-          <a:ext cx="0" cy="0"/>
-          <a:chOff x="0" y="0"/>
-          <a:chExt cx="0" cy="0"/>
-        </a:xfrm>
-      </p:grpSpPr>
-      <p:sp>
-        <p:nvSpPr>
-          <p:cNvPr id="2" name="Title 1">
-            <a:extLst>
-              <a:ext uri="{FF2B5EF4-FFF2-40B4-BE49-F238E27FC236}">
-                <a16:creationId xmlns:a16="http://schemas.microsoft.com/office/drawing/2014/main" id="{C85E4B43-54FC-7044-0E8F-BEA37B102534}"/>
-              </a:ext>
-            </a:extLst>
-          </p:cNvPr>
-          <p:cNvSpPr>
-            <a:spLocks noGrp="1"/>
-          </p:cNvSpPr>
-          <p:nvPr>
-            <p:ph type="title"/>
-          </p:nvPr>
-        </p:nvSpPr>
-        <p:spPr>
-          <a:xfrm>
-            <a:off x="44450" y="18255"/>
-            <a:ext cx="10515600" cy="718345"/>
-          </a:xfrm>
-        </p:spPr>
-        <p:txBody>
-          <a:bodyPr/>
-          <a:lstStyle/>
-          <a:p>
-            <a:r>
-              <a:rPr lang="en-US" dirty="0"/>
-              <a:t>Tab 1: Explore Your Monsters</a:t>
-            </a:r>
-          </a:p>
-        </p:txBody>
-      </p:sp>
-      <p:sp>
-        <p:nvSpPr>
-          <p:cNvPr id="5" name="Content Placeholder 4">
-            <a:extLst>
-              <a:ext uri="{FF2B5EF4-FFF2-40B4-BE49-F238E27FC236}">
-                <a16:creationId xmlns:a16="http://schemas.microsoft.com/office/drawing/2014/main" id="{2F6DC646-F5D7-01ED-F5F6-830E67E7E24A}"/>
-              </a:ext>
-            </a:extLst>
-          </p:cNvPr>
-          <p:cNvSpPr>
-            <a:spLocks noGrp="1"/>
-          </p:cNvSpPr>
-          <p:nvPr>
-            <p:ph idx="1"/>
-          </p:nvPr>
-        </p:nvSpPr>
-        <p:spPr>
-          <a:xfrm>
-            <a:off x="8655050" y="3206750"/>
-            <a:ext cx="3340099" cy="3486149"/>
-          </a:xfrm>
-        </p:spPr>
-        <p:txBody>
-          <a:bodyPr>
-            <a:normAutofit/>
-          </a:bodyPr>
-          <a:lstStyle/>
-          <a:p>
-            <a:pPr marL="0" indent="0">
-              <a:buNone/>
-            </a:pPr>
-            <a:r>
-              <a:rPr lang="en-US" sz="1800" dirty="0"/>
-              <a:t>Interestingly, it seems like there’s a chunk of monsters (circled in green) that the guidebook rates between 10 and 20 but the model gives a slightly lower predicted CR</a:t>
-            </a:r>
-          </a:p>
-          <a:p>
-            <a:pPr marL="0" indent="0">
-              <a:buNone/>
-            </a:pPr>
-            <a:endParaRPr lang="en-US" sz="1800" dirty="0"/>
-          </a:p>
-          <a:p>
-            <a:pPr marL="0" indent="0">
-              <a:buNone/>
-            </a:pPr>
-            <a:r>
-              <a:rPr lang="en-US" sz="1800" dirty="0"/>
-              <a:t>Further, there is one monster (the Lich) that seems to be predicted even lower than the rest, and might be a potential outlier</a:t>
-            </a:r>
-          </a:p>
-        </p:txBody>
-      </p:sp>
-      <p:sp>
-        <p:nvSpPr>
-          <p:cNvPr id="11" name="Oval 10">
-            <a:extLst>
-              <a:ext uri="{FF2B5EF4-FFF2-40B4-BE49-F238E27FC236}">
-                <a16:creationId xmlns:a16="http://schemas.microsoft.com/office/drawing/2014/main" id="{0F31B34F-D996-B899-795B-33675B263C07}"/>
-              </a:ext>
-            </a:extLst>
-          </p:cNvPr>
-          <p:cNvSpPr/>
-          <p:nvPr/>
-        </p:nvSpPr>
-        <p:spPr>
-          <a:xfrm rot="21271954">
-            <a:off x="5744190" y="1844816"/>
-            <a:ext cx="2621305" cy="977820"/>
-          </a:xfrm>
-          <a:prstGeom prst="ellipse">
-            <a:avLst/>
-          </a:prstGeom>
-          <a:noFill/>
-          <a:ln>
-            <a:solidFill>
-              <a:schemeClr val="accent6"/>
-            </a:solidFill>
-          </a:ln>
-        </p:spPr>
-        <p:style>
-          <a:lnRef idx="2">
-            <a:schemeClr val="accent1">
-              <a:shade val="15000"/>
-            </a:schemeClr>
-          </a:lnRef>
-          <a:fillRef idx="1">
-            <a:schemeClr val="accent1"/>
-          </a:fillRef>
-          <a:effectRef idx="0">
-            <a:schemeClr val="accent1"/>
-          </a:effectRef>
-          <a:fontRef idx="minor">
-            <a:schemeClr val="lt1"/>
-          </a:fontRef>
-        </p:style>
-        <p:txBody>
-          <a:bodyPr rtlCol="0" anchor="ctr"/>
-          <a:lstStyle/>
-          <a:p>
-            <a:pPr algn="ctr"/>
-            <a:endParaRPr lang="en-US"/>
-          </a:p>
-        </p:txBody>
-      </p:sp>
-      <p:pic>
-        <p:nvPicPr>
-          <p:cNvPr id="16" name="Picture 15">
-            <a:extLst>
-              <a:ext uri="{FF2B5EF4-FFF2-40B4-BE49-F238E27FC236}">
-                <a16:creationId xmlns:a16="http://schemas.microsoft.com/office/drawing/2014/main" id="{40F41B17-D9DB-3053-A8FA-E95B560BD1A2}"/>
-              </a:ext>
-            </a:extLst>
-          </p:cNvPr>
-          <p:cNvPicPr>
-            <a:picLocks noChangeAspect="1"/>
-          </p:cNvPicPr>
-          <p:nvPr/>
-        </p:nvPicPr>
-        <p:blipFill>
-          <a:blip r:embed="rId2"/>
-          <a:stretch>
-            <a:fillRect/>
-          </a:stretch>
-        </p:blipFill>
-        <p:spPr>
-          <a:xfrm>
-            <a:off x="101601" y="1049637"/>
-            <a:ext cx="8553450" cy="4650775"/>
-          </a:xfrm>
-          <a:prstGeom prst="rect">
-            <a:avLst/>
-          </a:prstGeom>
-          <a:ln>
-            <a:solidFill>
-              <a:schemeClr val="tx1"/>
-            </a:solidFill>
-          </a:ln>
-        </p:spPr>
-      </p:pic>
-      <p:sp>
-        <p:nvSpPr>
-          <p:cNvPr id="17" name="Oval 16">
-            <a:extLst>
-              <a:ext uri="{FF2B5EF4-FFF2-40B4-BE49-F238E27FC236}">
-                <a16:creationId xmlns:a16="http://schemas.microsoft.com/office/drawing/2014/main" id="{27CC08C0-3469-4B4B-2FEF-548336A23E7C}"/>
-              </a:ext>
-            </a:extLst>
-          </p:cNvPr>
-          <p:cNvSpPr/>
-          <p:nvPr/>
-        </p:nvSpPr>
-        <p:spPr>
-          <a:xfrm rot="21271954">
-            <a:off x="4455141" y="1908316"/>
-            <a:ext cx="2621305" cy="977820"/>
-          </a:xfrm>
-          <a:prstGeom prst="ellipse">
-            <a:avLst/>
-          </a:prstGeom>
-          <a:noFill/>
-          <a:ln>
-            <a:solidFill>
-              <a:schemeClr val="accent6"/>
-            </a:solidFill>
-          </a:ln>
-        </p:spPr>
-        <p:style>
-          <a:lnRef idx="2">
-            <a:schemeClr val="accent1">
-              <a:shade val="15000"/>
-            </a:schemeClr>
-          </a:lnRef>
-          <a:fillRef idx="1">
-            <a:schemeClr val="accent1"/>
-          </a:fillRef>
-          <a:effectRef idx="0">
-            <a:schemeClr val="accent1"/>
-          </a:effectRef>
-          <a:fontRef idx="minor">
-            <a:schemeClr val="lt1"/>
-          </a:fontRef>
-        </p:style>
-        <p:txBody>
-          <a:bodyPr rtlCol="0" anchor="ctr"/>
-          <a:lstStyle/>
-          <a:p>
-            <a:pPr algn="ctr"/>
-            <a:endParaRPr lang="en-US"/>
-          </a:p>
-        </p:txBody>
-      </p:sp>
-      <p:pic>
-        <p:nvPicPr>
-          <p:cNvPr id="15" name="Picture 14">
-            <a:extLst>
-              <a:ext uri="{FF2B5EF4-FFF2-40B4-BE49-F238E27FC236}">
-                <a16:creationId xmlns:a16="http://schemas.microsoft.com/office/drawing/2014/main" id="{1B37412F-9E0B-D21E-3483-05B215EDE6FD}"/>
-              </a:ext>
-            </a:extLst>
-          </p:cNvPr>
-          <p:cNvPicPr>
-            <a:picLocks noChangeAspect="1"/>
-          </p:cNvPicPr>
-          <p:nvPr/>
-        </p:nvPicPr>
-        <p:blipFill>
-          <a:blip r:embed="rId3"/>
-          <a:srcRect l="33021" b="29063"/>
-          <a:stretch>
-            <a:fillRect/>
-          </a:stretch>
-        </p:blipFill>
-        <p:spPr>
-          <a:xfrm>
-            <a:off x="7692829" y="519591"/>
-            <a:ext cx="4302321" cy="2425700"/>
-          </a:xfrm>
-          <a:prstGeom prst="rect">
-            <a:avLst/>
-          </a:prstGeom>
-          <a:ln>
-            <a:solidFill>
-              <a:schemeClr val="tx1"/>
-            </a:solidFill>
-          </a:ln>
-        </p:spPr>
-      </p:pic>
-      <p:sp>
-        <p:nvSpPr>
-          <p:cNvPr id="20" name="Rectangle 19">
-            <a:extLst>
-              <a:ext uri="{FF2B5EF4-FFF2-40B4-BE49-F238E27FC236}">
-                <a16:creationId xmlns:a16="http://schemas.microsoft.com/office/drawing/2014/main" id="{94F23841-877A-D156-5801-B9DA921BF189}"/>
-              </a:ext>
-            </a:extLst>
-          </p:cNvPr>
-          <p:cNvSpPr/>
-          <p:nvPr/>
-        </p:nvSpPr>
-        <p:spPr>
-          <a:xfrm>
-            <a:off x="6643384" y="2246464"/>
-            <a:ext cx="398767" cy="238024"/>
-          </a:xfrm>
-          <a:prstGeom prst="rect">
-            <a:avLst/>
-          </a:prstGeom>
-          <a:noFill/>
-          <a:ln>
-            <a:solidFill>
-              <a:schemeClr val="tx1"/>
-            </a:solidFill>
-          </a:ln>
-        </p:spPr>
-        <p:style>
-          <a:lnRef idx="2">
-            <a:schemeClr val="accent1">
-              <a:shade val="15000"/>
-            </a:schemeClr>
-          </a:lnRef>
-          <a:fillRef idx="1">
-            <a:schemeClr val="accent1"/>
-          </a:fillRef>
-          <a:effectRef idx="0">
-            <a:schemeClr val="accent1"/>
-          </a:effectRef>
-          <a:fontRef idx="minor">
-            <a:schemeClr val="lt1"/>
-          </a:fontRef>
-        </p:style>
-        <p:txBody>
-          <a:bodyPr rtlCol="0" anchor="ctr"/>
-          <a:lstStyle/>
-          <a:p>
-            <a:pPr algn="ctr"/>
-            <a:endParaRPr lang="en-US"/>
-          </a:p>
-        </p:txBody>
-      </p:sp>
-      <p:cxnSp>
-        <p:nvCxnSpPr>
-          <p:cNvPr id="22" name="Straight Connector 21">
-            <a:extLst>
-              <a:ext uri="{FF2B5EF4-FFF2-40B4-BE49-F238E27FC236}">
-                <a16:creationId xmlns:a16="http://schemas.microsoft.com/office/drawing/2014/main" id="{64C7872E-1E71-236F-DA89-3DB5CBB51E3D}"/>
-              </a:ext>
-            </a:extLst>
-          </p:cNvPr>
-          <p:cNvCxnSpPr>
-            <a:cxnSpLocks/>
-          </p:cNvCxnSpPr>
-          <p:nvPr/>
-        </p:nvCxnSpPr>
-        <p:spPr>
-          <a:xfrm flipV="1">
-            <a:off x="7042151" y="519591"/>
-            <a:ext cx="650678" cy="1722355"/>
-          </a:xfrm>
-          <a:prstGeom prst="line">
-            <a:avLst/>
-          </a:prstGeom>
-          <a:ln>
-            <a:solidFill>
-              <a:schemeClr val="tx1"/>
-            </a:solidFill>
-          </a:ln>
-        </p:spPr>
-        <p:style>
-          <a:lnRef idx="2">
-            <a:schemeClr val="accent1"/>
-          </a:lnRef>
-          <a:fillRef idx="0">
-            <a:schemeClr val="accent1"/>
-          </a:fillRef>
-          <a:effectRef idx="1">
-            <a:schemeClr val="accent1"/>
-          </a:effectRef>
-          <a:fontRef idx="minor">
-            <a:schemeClr val="tx1"/>
-          </a:fontRef>
-        </p:style>
-      </p:cxnSp>
-      <p:cxnSp>
-        <p:nvCxnSpPr>
-          <p:cNvPr id="23" name="Straight Connector 22">
-            <a:extLst>
-              <a:ext uri="{FF2B5EF4-FFF2-40B4-BE49-F238E27FC236}">
-                <a16:creationId xmlns:a16="http://schemas.microsoft.com/office/drawing/2014/main" id="{33233986-A0EF-9528-FDEF-09A1E2396060}"/>
-              </a:ext>
-            </a:extLst>
-          </p:cNvPr>
-          <p:cNvCxnSpPr>
-            <a:cxnSpLocks/>
-          </p:cNvCxnSpPr>
-          <p:nvPr/>
-        </p:nvCxnSpPr>
-        <p:spPr>
-          <a:xfrm>
-            <a:off x="7054842" y="2484488"/>
-            <a:ext cx="637987" cy="460803"/>
-          </a:xfrm>
-          <a:prstGeom prst="line">
-            <a:avLst/>
-          </a:prstGeom>
-          <a:ln>
-            <a:solidFill>
-              <a:schemeClr val="tx1"/>
-            </a:solidFill>
-          </a:ln>
-        </p:spPr>
-        <p:style>
-          <a:lnRef idx="2">
-            <a:schemeClr val="accent1"/>
-          </a:lnRef>
-          <a:fillRef idx="0">
-            <a:schemeClr val="accent1"/>
-          </a:fillRef>
-          <a:effectRef idx="1">
-            <a:schemeClr val="accent1"/>
-          </a:effectRef>
-          <a:fontRef idx="minor">
-            <a:schemeClr val="tx1"/>
-          </a:fontRef>
-        </p:style>
-      </p:cxnSp>
-    </p:spTree>
-    <p:extLst>
-      <p:ext uri="{BB962C8B-B14F-4D97-AF65-F5344CB8AC3E}">
-        <p14:creationId xmlns:p14="http://schemas.microsoft.com/office/powerpoint/2010/main" val="2015162609"/>
+        <p14:creationId xmlns:p14="http://schemas.microsoft.com/office/powerpoint/2010/main" val="3095961224"/>
       </p:ext>
     </p:extLst>
   </p:cSld>

--- a/Monsters of Dungeons and Dragons.pptx
+++ b/Monsters of Dungeons and Dragons.pptx
@@ -5,7 +5,7 @@
     <p:sldMasterId id="2147483648" r:id="rId4"/>
   </p:sldMasterIdLst>
   <p:notesMasterIdLst>
-    <p:notesMasterId r:id="rId26"/>
+    <p:notesMasterId r:id="rId27"/>
   </p:notesMasterIdLst>
   <p:sldIdLst>
     <p:sldId id="256" r:id="rId5"/>
@@ -23,12 +23,13 @@
     <p:sldId id="269" r:id="rId17"/>
     <p:sldId id="270" r:id="rId18"/>
     <p:sldId id="277" r:id="rId19"/>
-    <p:sldId id="268" r:id="rId20"/>
-    <p:sldId id="264" r:id="rId21"/>
-    <p:sldId id="263" r:id="rId22"/>
-    <p:sldId id="276" r:id="rId23"/>
-    <p:sldId id="271" r:id="rId24"/>
+    <p:sldId id="263" r:id="rId20"/>
+    <p:sldId id="276" r:id="rId21"/>
+    <p:sldId id="271" r:id="rId22"/>
+    <p:sldId id="268" r:id="rId23"/>
+    <p:sldId id="264" r:id="rId24"/>
     <p:sldId id="272" r:id="rId25"/>
+    <p:sldId id="278" r:id="rId26"/>
   </p:sldIdLst>
   <p:sldSz cx="12192000" cy="6858000"/>
   <p:notesSz cx="6858000" cy="9144000"/>
@@ -225,7 +226,7 @@
           <a:p>
             <a:fld id="{589C7B01-7FD2-442F-BC76-8C3475CEA711}" type="datetimeFigureOut">
               <a:rPr lang="en-US" smtClean="0"/>
-              <a:t>7/18/2025</a:t>
+              <a:t>7/19/2025</a:t>
             </a:fld>
             <a:endParaRPr lang="en-US"/>
           </a:p>
@@ -773,7 +774,7 @@
           <a:p>
             <a:fld id="{2D9E7AE7-85D9-4564-9F8B-BB3B77FD7270}" type="slidenum">
               <a:rPr lang="en-US" smtClean="0"/>
-              <a:t>20</a:t>
+              <a:t>18</a:t>
             </a:fld>
             <a:endParaRPr lang="en-US"/>
           </a:p>
@@ -939,7 +940,7 @@
           <a:p>
             <a:fld id="{D963610A-465F-4FA2-98F9-B91CBFF49EE6}" type="datetimeFigureOut">
               <a:rPr lang="en-US" smtClean="0"/>
-              <a:t>7/18/2025</a:t>
+              <a:t>7/19/2025</a:t>
             </a:fld>
             <a:endParaRPr lang="en-US"/>
           </a:p>
@@ -1137,7 +1138,7 @@
           <a:p>
             <a:fld id="{D963610A-465F-4FA2-98F9-B91CBFF49EE6}" type="datetimeFigureOut">
               <a:rPr lang="en-US" smtClean="0"/>
-              <a:t>7/18/2025</a:t>
+              <a:t>7/19/2025</a:t>
             </a:fld>
             <a:endParaRPr lang="en-US"/>
           </a:p>
@@ -1345,7 +1346,7 @@
           <a:p>
             <a:fld id="{D963610A-465F-4FA2-98F9-B91CBFF49EE6}" type="datetimeFigureOut">
               <a:rPr lang="en-US" smtClean="0"/>
-              <a:t>7/18/2025</a:t>
+              <a:t>7/19/2025</a:t>
             </a:fld>
             <a:endParaRPr lang="en-US"/>
           </a:p>
@@ -1543,7 +1544,7 @@
           <a:p>
             <a:fld id="{D963610A-465F-4FA2-98F9-B91CBFF49EE6}" type="datetimeFigureOut">
               <a:rPr lang="en-US" smtClean="0"/>
-              <a:t>7/18/2025</a:t>
+              <a:t>7/19/2025</a:t>
             </a:fld>
             <a:endParaRPr lang="en-US"/>
           </a:p>
@@ -1818,7 +1819,7 @@
           <a:p>
             <a:fld id="{D963610A-465F-4FA2-98F9-B91CBFF49EE6}" type="datetimeFigureOut">
               <a:rPr lang="en-US" smtClean="0"/>
-              <a:t>7/18/2025</a:t>
+              <a:t>7/19/2025</a:t>
             </a:fld>
             <a:endParaRPr lang="en-US"/>
           </a:p>
@@ -2083,7 +2084,7 @@
           <a:p>
             <a:fld id="{D963610A-465F-4FA2-98F9-B91CBFF49EE6}" type="datetimeFigureOut">
               <a:rPr lang="en-US" smtClean="0"/>
-              <a:t>7/18/2025</a:t>
+              <a:t>7/19/2025</a:t>
             </a:fld>
             <a:endParaRPr lang="en-US"/>
           </a:p>
@@ -2495,7 +2496,7 @@
           <a:p>
             <a:fld id="{D963610A-465F-4FA2-98F9-B91CBFF49EE6}" type="datetimeFigureOut">
               <a:rPr lang="en-US" smtClean="0"/>
-              <a:t>7/18/2025</a:t>
+              <a:t>7/19/2025</a:t>
             </a:fld>
             <a:endParaRPr lang="en-US"/>
           </a:p>
@@ -2636,7 +2637,7 @@
           <a:p>
             <a:fld id="{D963610A-465F-4FA2-98F9-B91CBFF49EE6}" type="datetimeFigureOut">
               <a:rPr lang="en-US" smtClean="0"/>
-              <a:t>7/18/2025</a:t>
+              <a:t>7/19/2025</a:t>
             </a:fld>
             <a:endParaRPr lang="en-US"/>
           </a:p>
@@ -2749,7 +2750,7 @@
           <a:p>
             <a:fld id="{D963610A-465F-4FA2-98F9-B91CBFF49EE6}" type="datetimeFigureOut">
               <a:rPr lang="en-US" smtClean="0"/>
-              <a:t>7/18/2025</a:t>
+              <a:t>7/19/2025</a:t>
             </a:fld>
             <a:endParaRPr lang="en-US"/>
           </a:p>
@@ -3060,7 +3061,7 @@
           <a:p>
             <a:fld id="{D963610A-465F-4FA2-98F9-B91CBFF49EE6}" type="datetimeFigureOut">
               <a:rPr lang="en-US" smtClean="0"/>
-              <a:t>7/18/2025</a:t>
+              <a:t>7/19/2025</a:t>
             </a:fld>
             <a:endParaRPr lang="en-US"/>
           </a:p>
@@ -3348,7 +3349,7 @@
           <a:p>
             <a:fld id="{D963610A-465F-4FA2-98F9-B91CBFF49EE6}" type="datetimeFigureOut">
               <a:rPr lang="en-US" smtClean="0"/>
-              <a:t>7/18/2025</a:t>
+              <a:t>7/19/2025</a:t>
             </a:fld>
             <a:endParaRPr lang="en-US"/>
           </a:p>
@@ -3589,7 +3590,7 @@
           <a:p>
             <a:fld id="{D963610A-465F-4FA2-98F9-B91CBFF49EE6}" type="datetimeFigureOut">
               <a:rPr lang="en-US" smtClean="0"/>
-              <a:t>7/18/2025</a:t>
+              <a:t>7/19/2025</a:t>
             </a:fld>
             <a:endParaRPr lang="en-US"/>
           </a:p>
@@ -4517,7 +4518,7 @@
           <a:p>
             <a:r>
               <a:rPr lang="en-US" dirty="0"/>
-              <a:t>Tab 2: Explore Your Monsters</a:t>
+              <a:t>Tab 2: Explore Your Monsters (cont.)</a:t>
             </a:r>
           </a:p>
         </p:txBody>
@@ -5078,6 +5079,48 @@
           </a:p>
         </p:txBody>
       </p:sp>
+      <p:cxnSp>
+        <p:nvCxnSpPr>
+          <p:cNvPr id="9" name="Straight Arrow Connector 8">
+            <a:extLst>
+              <a:ext uri="{FF2B5EF4-FFF2-40B4-BE49-F238E27FC236}">
+                <a16:creationId xmlns:a16="http://schemas.microsoft.com/office/drawing/2014/main" id="{E7155895-54E4-CDEE-6D3D-4628565A9E37}"/>
+              </a:ext>
+            </a:extLst>
+          </p:cNvPr>
+          <p:cNvCxnSpPr>
+            <a:cxnSpLocks/>
+            <a:endCxn id="5" idx="3"/>
+          </p:cNvCxnSpPr>
+          <p:nvPr/>
+        </p:nvCxnSpPr>
+        <p:spPr>
+          <a:xfrm flipV="1">
+            <a:off x="8517467" y="5408771"/>
+            <a:ext cx="60473" cy="644318"/>
+          </a:xfrm>
+          <a:prstGeom prst="straightConnector1">
+            <a:avLst/>
+          </a:prstGeom>
+          <a:ln>
+            <a:tailEnd type="triangle"/>
+          </a:ln>
+        </p:spPr>
+        <p:style>
+          <a:lnRef idx="1">
+            <a:schemeClr val="accent6"/>
+          </a:lnRef>
+          <a:fillRef idx="0">
+            <a:schemeClr val="accent6"/>
+          </a:fillRef>
+          <a:effectRef idx="0">
+            <a:schemeClr val="accent6"/>
+          </a:effectRef>
+          <a:fontRef idx="minor">
+            <a:schemeClr val="tx1"/>
+          </a:fontRef>
+        </p:style>
+      </p:cxnSp>
     </p:spTree>
     <p:extLst>
       <p:ext uri="{BB962C8B-B14F-4D97-AF65-F5344CB8AC3E}">
@@ -5349,16 +5392,18 @@
         <p:spPr>
           <a:xfrm>
             <a:off x="0" y="18255"/>
-            <a:ext cx="10515600" cy="807245"/>
-          </a:xfrm>
-        </p:spPr>
-        <p:txBody>
-          <a:bodyPr/>
-          <a:lstStyle/>
-          <a:p>
-            <a:r>
-              <a:rPr lang="en-US" dirty="0"/>
-              <a:t>Tab 4: Search for Monsters</a:t>
+            <a:ext cx="9482667" cy="807245"/>
+          </a:xfrm>
+        </p:spPr>
+        <p:txBody>
+          <a:bodyPr>
+            <a:normAutofit/>
+          </a:bodyPr>
+          <a:lstStyle/>
+          <a:p>
+            <a:r>
+              <a:rPr lang="en-US" sz="4000" dirty="0"/>
+              <a:t>Tab 4: Search for Monsters (cont.)</a:t>
             </a:r>
           </a:p>
         </p:txBody>
@@ -5611,7 +5656,7 @@
           <a:p>
             <a:r>
               <a:rPr lang="en-US" dirty="0"/>
-              <a:t>Example Use Case: The Lich</a:t>
+              <a:t>Example Use Case: </a:t>
             </a:r>
           </a:p>
         </p:txBody>
@@ -5635,27 +5680,30 @@
         <p:spPr>
           <a:xfrm>
             <a:off x="414867" y="736600"/>
-            <a:ext cx="11656483" cy="1625600"/>
+            <a:ext cx="11656483" cy="1444414"/>
           </a:xfrm>
         </p:spPr>
         <p:txBody>
           <a:bodyPr>
-            <a:normAutofit fontScale="77500" lnSpcReduction="20000"/>
+            <a:normAutofit fontScale="70000" lnSpcReduction="20000"/>
           </a:bodyPr>
           <a:lstStyle/>
           <a:p>
             <a:r>
               <a:rPr lang="en-US" dirty="0"/>
-              <a:t>Let’s say for the campaign I’m running as a DM, the players (level 8) are trapped in a graveyard and I want them to fight off some Undead monster</a:t>
-            </a:r>
-          </a:p>
-          <a:p>
-            <a:endParaRPr lang="en-US" dirty="0"/>
+              <a:t>Let’s say for the campaign I’m running as a DM, the players (level 9) are trapped in a graveyard and I want them to fight off some Undead monster</a:t>
+            </a:r>
           </a:p>
           <a:p>
             <a:r>
               <a:rPr lang="en-US" dirty="0"/>
-              <a:t>I want to first look at what predictors will predict more challenging monsters (such as hit points)</a:t>
+              <a:t>I want to first look at what predictors will predict more challenging monsters, such as hit points</a:t>
+            </a:r>
+          </a:p>
+          <a:p>
+            <a:r>
+              <a:rPr lang="en-US" dirty="0"/>
+              <a:t>Now, I’m going to look for monsters with high hit points but maybe not the highest since my players are only level 9</a:t>
             </a:r>
           </a:p>
         </p:txBody>
@@ -5682,7 +5730,7 @@
         </p:blipFill>
         <p:spPr>
           <a:xfrm>
-            <a:off x="2046484" y="2181014"/>
+            <a:off x="1885618" y="2265681"/>
             <a:ext cx="9317899" cy="4445281"/>
           </a:xfrm>
           <a:prstGeom prst="rect">
@@ -5716,7 +5764,7 @@
         <p:cNvPr id="1" name="">
           <a:extLst>
             <a:ext uri="{FF2B5EF4-FFF2-40B4-BE49-F238E27FC236}">
-              <a16:creationId xmlns:a16="http://schemas.microsoft.com/office/drawing/2014/main" id="{EBA87B48-2656-BF07-BA50-ED7BAB0BFBBA}"/>
+              <a16:creationId xmlns:a16="http://schemas.microsoft.com/office/drawing/2014/main" id="{D5C480CB-741C-C63F-4A45-15328B897D0F}"/>
             </a:ext>
           </a:extLst>
         </p:cNvPr>
@@ -5731,12 +5779,86 @@
           <a:chExt cx="0" cy="0"/>
         </a:xfrm>
       </p:grpSpPr>
+      <p:sp>
+        <p:nvSpPr>
+          <p:cNvPr id="2" name="Title 1">
+            <a:extLst>
+              <a:ext uri="{FF2B5EF4-FFF2-40B4-BE49-F238E27FC236}">
+                <a16:creationId xmlns:a16="http://schemas.microsoft.com/office/drawing/2014/main" id="{51C76015-DC06-8B87-8AA5-867900AF0698}"/>
+              </a:ext>
+            </a:extLst>
+          </p:cNvPr>
+          <p:cNvSpPr>
+            <a:spLocks noGrp="1"/>
+          </p:cNvSpPr>
+          <p:nvPr>
+            <p:ph type="title"/>
+          </p:nvPr>
+        </p:nvSpPr>
+        <p:spPr>
+          <a:xfrm>
+            <a:off x="44450" y="18255"/>
+            <a:ext cx="10515600" cy="718345"/>
+          </a:xfrm>
+        </p:spPr>
+        <p:txBody>
+          <a:bodyPr/>
+          <a:lstStyle/>
+          <a:p>
+            <a:r>
+              <a:rPr lang="en-US" dirty="0"/>
+              <a:t>Example Use Case: </a:t>
+            </a:r>
+          </a:p>
+        </p:txBody>
+      </p:sp>
+      <p:sp>
+        <p:nvSpPr>
+          <p:cNvPr id="3" name="Content Placeholder 2">
+            <a:extLst>
+              <a:ext uri="{FF2B5EF4-FFF2-40B4-BE49-F238E27FC236}">
+                <a16:creationId xmlns:a16="http://schemas.microsoft.com/office/drawing/2014/main" id="{8435A3AF-1B6B-014E-3CE8-BE23D4626747}"/>
+              </a:ext>
+            </a:extLst>
+          </p:cNvPr>
+          <p:cNvSpPr>
+            <a:spLocks noGrp="1"/>
+          </p:cNvSpPr>
+          <p:nvPr>
+            <p:ph idx="1"/>
+          </p:nvPr>
+        </p:nvSpPr>
+        <p:spPr>
+          <a:xfrm>
+            <a:off x="414867" y="736600"/>
+            <a:ext cx="11656483" cy="1345205"/>
+          </a:xfrm>
+        </p:spPr>
+        <p:txBody>
+          <a:bodyPr>
+            <a:normAutofit fontScale="85000" lnSpcReduction="20000"/>
+          </a:bodyPr>
+          <a:lstStyle/>
+          <a:p>
+            <a:r>
+              <a:rPr lang="en-US" dirty="0"/>
+              <a:t>Next, I want to start filtering out which monsters I’d like to use in my graveyard fight, so I might want to look at Undead monster types</a:t>
+            </a:r>
+          </a:p>
+          <a:p>
+            <a:r>
+              <a:rPr lang="en-US" dirty="0"/>
+              <a:t>If I only want to make it a really challenging fight, then I’ll look at Legendary Creatures only, so the list is limited to these three: Lich, Mummy Lord, Vampire</a:t>
+            </a:r>
+          </a:p>
+        </p:txBody>
+      </p:sp>
       <p:pic>
         <p:nvPicPr>
-          <p:cNvPr id="5" name="Picture 4">
-            <a:extLst>
-              <a:ext uri="{FF2B5EF4-FFF2-40B4-BE49-F238E27FC236}">
-                <a16:creationId xmlns:a16="http://schemas.microsoft.com/office/drawing/2014/main" id="{C4E31C77-3D68-6A25-756A-CA784EE3C817}"/>
+          <p:cNvPr id="6" name="Picture 5">
+            <a:extLst>
+              <a:ext uri="{FF2B5EF4-FFF2-40B4-BE49-F238E27FC236}">
+                <a16:creationId xmlns:a16="http://schemas.microsoft.com/office/drawing/2014/main" id="{2787CC3A-A584-CE93-4745-0004EC25EC66}"/>
               </a:ext>
             </a:extLst>
           </p:cNvPr>
@@ -5753,8 +5875,8 @@
         </p:blipFill>
         <p:spPr>
           <a:xfrm>
-            <a:off x="0" y="989857"/>
-            <a:ext cx="12192000" cy="4878285"/>
+            <a:off x="44450" y="2081805"/>
+            <a:ext cx="8830595" cy="4695761"/>
           </a:xfrm>
           <a:prstGeom prst="rect">
             <a:avLst/>
@@ -5768,205 +5890,10 @@
       </p:pic>
       <p:sp>
         <p:nvSpPr>
-          <p:cNvPr id="2" name="Title 1">
-            <a:extLst>
-              <a:ext uri="{FF2B5EF4-FFF2-40B4-BE49-F238E27FC236}">
-                <a16:creationId xmlns:a16="http://schemas.microsoft.com/office/drawing/2014/main" id="{D42EDE61-33C9-F2BB-F24A-896E476DA757}"/>
-              </a:ext>
-            </a:extLst>
-          </p:cNvPr>
-          <p:cNvSpPr>
-            <a:spLocks noGrp="1"/>
-          </p:cNvSpPr>
-          <p:nvPr>
-            <p:ph type="title"/>
-          </p:nvPr>
-        </p:nvSpPr>
-        <p:spPr>
-          <a:xfrm>
-            <a:off x="0" y="18255"/>
-            <a:ext cx="10515600" cy="807245"/>
-          </a:xfrm>
-        </p:spPr>
-        <p:txBody>
-          <a:bodyPr/>
-          <a:lstStyle/>
-          <a:p>
-            <a:r>
-              <a:rPr lang="en-US" dirty="0"/>
-              <a:t>Example Use Case: The Lich</a:t>
-            </a:r>
-          </a:p>
-        </p:txBody>
-      </p:sp>
-      <p:sp>
-        <p:nvSpPr>
-          <p:cNvPr id="3" name="Content Placeholder 2">
-            <a:extLst>
-              <a:ext uri="{FF2B5EF4-FFF2-40B4-BE49-F238E27FC236}">
-                <a16:creationId xmlns:a16="http://schemas.microsoft.com/office/drawing/2014/main" id="{B7595B7B-7EA9-6BDC-A6B6-E5BB5343B0CD}"/>
-              </a:ext>
-            </a:extLst>
-          </p:cNvPr>
-          <p:cNvSpPr>
-            <a:spLocks noGrp="1"/>
-          </p:cNvSpPr>
-          <p:nvPr>
-            <p:ph idx="1"/>
-          </p:nvPr>
-        </p:nvSpPr>
-        <p:spPr>
-          <a:xfrm>
-            <a:off x="168173" y="2286000"/>
-            <a:ext cx="3749777" cy="3582142"/>
-          </a:xfrm>
-        </p:spPr>
-        <p:txBody>
-          <a:bodyPr>
-            <a:normAutofit fontScale="85000" lnSpcReduction="10000"/>
-          </a:bodyPr>
-          <a:lstStyle/>
-          <a:p>
-            <a:pPr marL="0" indent="0">
-              <a:buNone/>
-            </a:pPr>
-            <a:r>
-              <a:rPr lang="en-US" dirty="0"/>
-              <a:t>For most of the predictors, there is a relationship between Challenge Rating and the predictor, except for Dexterity, which does not seem to have a strong relationship as Challenge Rating increases, so this stat doesn’t matter as much when picking a challenging monster</a:t>
-            </a:r>
-          </a:p>
-        </p:txBody>
-      </p:sp>
-    </p:spTree>
-    <p:extLst>
-      <p:ext uri="{BB962C8B-B14F-4D97-AF65-F5344CB8AC3E}">
-        <p14:creationId xmlns:p14="http://schemas.microsoft.com/office/powerpoint/2010/main" val="3094022729"/>
-      </p:ext>
-    </p:extLst>
-  </p:cSld>
-  <p:clrMapOvr>
-    <a:masterClrMapping/>
-  </p:clrMapOvr>
-</p:sld>
-</file>
-
-<file path=ppt/slides/slide17.xml><?xml version="1.0" encoding="utf-8"?>
-<p:sld xmlns:a="http://schemas.openxmlformats.org/drawingml/2006/main" xmlns:r="http://schemas.openxmlformats.org/officeDocument/2006/relationships" xmlns:p="http://schemas.openxmlformats.org/presentationml/2006/main">
-  <p:cSld>
-    <p:spTree>
-      <p:nvGrpSpPr>
-        <p:cNvPr id="1" name="">
-          <a:extLst>
-            <a:ext uri="{FF2B5EF4-FFF2-40B4-BE49-F238E27FC236}">
-              <a16:creationId xmlns:a16="http://schemas.microsoft.com/office/drawing/2014/main" id="{4B1DC937-7AEA-7055-ADBB-9F128FB84DC8}"/>
-            </a:ext>
-          </a:extLst>
-        </p:cNvPr>
-        <p:cNvGrpSpPr/>
-        <p:nvPr/>
-      </p:nvGrpSpPr>
-      <p:grpSpPr>
-        <a:xfrm>
-          <a:off x="0" y="0"/>
-          <a:ext cx="0" cy="0"/>
-          <a:chOff x="0" y="0"/>
-          <a:chExt cx="0" cy="0"/>
-        </a:xfrm>
-      </p:grpSpPr>
-      <p:sp>
-        <p:nvSpPr>
-          <p:cNvPr id="2" name="Title 1">
-            <a:extLst>
-              <a:ext uri="{FF2B5EF4-FFF2-40B4-BE49-F238E27FC236}">
-                <a16:creationId xmlns:a16="http://schemas.microsoft.com/office/drawing/2014/main" id="{C85E4B43-54FC-7044-0E8F-BEA37B102534}"/>
-              </a:ext>
-            </a:extLst>
-          </p:cNvPr>
-          <p:cNvSpPr>
-            <a:spLocks noGrp="1"/>
-          </p:cNvSpPr>
-          <p:nvPr>
-            <p:ph type="title"/>
-          </p:nvPr>
-        </p:nvSpPr>
-        <p:spPr>
-          <a:xfrm>
-            <a:off x="44450" y="18256"/>
-            <a:ext cx="10515600" cy="642144"/>
-          </a:xfrm>
-        </p:spPr>
-        <p:txBody>
-          <a:bodyPr>
-            <a:noAutofit/>
-          </a:bodyPr>
-          <a:lstStyle/>
-          <a:p>
-            <a:r>
-              <a:rPr lang="en-US" sz="3600" dirty="0"/>
-              <a:t>Example Use Case: The Lich</a:t>
-            </a:r>
-          </a:p>
-        </p:txBody>
-      </p:sp>
-      <p:sp>
-        <p:nvSpPr>
-          <p:cNvPr id="5" name="Content Placeholder 4">
-            <a:extLst>
-              <a:ext uri="{FF2B5EF4-FFF2-40B4-BE49-F238E27FC236}">
-                <a16:creationId xmlns:a16="http://schemas.microsoft.com/office/drawing/2014/main" id="{2F6DC646-F5D7-01ED-F5F6-830E67E7E24A}"/>
-              </a:ext>
-            </a:extLst>
-          </p:cNvPr>
-          <p:cNvSpPr>
-            <a:spLocks noGrp="1"/>
-          </p:cNvSpPr>
-          <p:nvPr>
-            <p:ph idx="1"/>
-          </p:nvPr>
-        </p:nvSpPr>
-        <p:spPr>
-          <a:xfrm>
-            <a:off x="8655050" y="3206750"/>
-            <a:ext cx="3340099" cy="3486149"/>
-          </a:xfrm>
-        </p:spPr>
-        <p:txBody>
-          <a:bodyPr>
-            <a:normAutofit/>
-          </a:bodyPr>
-          <a:lstStyle/>
-          <a:p>
-            <a:pPr marL="0" indent="0">
-              <a:buNone/>
-            </a:pPr>
-            <a:r>
-              <a:rPr lang="en-US" sz="1800" dirty="0"/>
-              <a:t>Interestingly, it seems like there’s a chunk of monsters (circled in green) that the guidebook rates between 10 and 20 but the model gives a slightly lower predicted CR</a:t>
-            </a:r>
-          </a:p>
-          <a:p>
-            <a:pPr marL="0" indent="0">
-              <a:buNone/>
-            </a:pPr>
-            <a:endParaRPr lang="en-US" sz="1800" dirty="0"/>
-          </a:p>
-          <a:p>
-            <a:pPr marL="0" indent="0">
-              <a:buNone/>
-            </a:pPr>
-            <a:r>
-              <a:rPr lang="en-US" sz="1800" dirty="0"/>
-              <a:t>Further, there is one monster (the Lich) that seems to be predicted even lower than the rest, and might be a potential outlier</a:t>
-            </a:r>
-          </a:p>
-        </p:txBody>
-      </p:sp>
-      <p:sp>
-        <p:nvSpPr>
-          <p:cNvPr id="11" name="Oval 10">
-            <a:extLst>
-              <a:ext uri="{FF2B5EF4-FFF2-40B4-BE49-F238E27FC236}">
-                <a16:creationId xmlns:a16="http://schemas.microsoft.com/office/drawing/2014/main" id="{0F31B34F-D996-B899-795B-33675B263C07}"/>
+          <p:cNvPr id="4" name="Oval 3">
+            <a:extLst>
+              <a:ext uri="{FF2B5EF4-FFF2-40B4-BE49-F238E27FC236}">
+                <a16:creationId xmlns:a16="http://schemas.microsoft.com/office/drawing/2014/main" id="{247E14CD-7711-29E1-3C97-7F0E4E15F33A}"/>
               </a:ext>
             </a:extLst>
           </p:cNvPr>
@@ -5974,9 +5901,9 @@
           <p:nvPr/>
         </p:nvSpPr>
         <p:spPr>
-          <a:xfrm rot="21271954">
-            <a:off x="5744190" y="1844816"/>
-            <a:ext cx="2621305" cy="977820"/>
+          <a:xfrm>
+            <a:off x="5302250" y="3131672"/>
+            <a:ext cx="2006600" cy="677333"/>
           </a:xfrm>
           <a:prstGeom prst="ellipse">
             <a:avLst/>
@@ -6013,479 +5940,27 @@
           </a:p>
         </p:txBody>
       </p:sp>
-      <p:pic>
-        <p:nvPicPr>
-          <p:cNvPr id="16" name="Picture 15">
-            <a:extLst>
-              <a:ext uri="{FF2B5EF4-FFF2-40B4-BE49-F238E27FC236}">
-                <a16:creationId xmlns:a16="http://schemas.microsoft.com/office/drawing/2014/main" id="{40F41B17-D9DB-3053-A8FA-E95B560BD1A2}"/>
-              </a:ext>
-            </a:extLst>
-          </p:cNvPr>
-          <p:cNvPicPr>
-            <a:picLocks noChangeAspect="1"/>
-          </p:cNvPicPr>
+      <p:sp>
+        <p:nvSpPr>
+          <p:cNvPr id="5" name="TextBox 4">
+            <a:extLst>
+              <a:ext uri="{FF2B5EF4-FFF2-40B4-BE49-F238E27FC236}">
+                <a16:creationId xmlns:a16="http://schemas.microsoft.com/office/drawing/2014/main" id="{513A087A-0C5F-5C17-6C4B-5E2569BCF981}"/>
+              </a:ext>
+            </a:extLst>
+          </p:cNvPr>
+          <p:cNvSpPr txBox="1"/>
           <p:nvPr/>
-        </p:nvPicPr>
-        <p:blipFill>
-          <a:blip r:embed="rId2"/>
-          <a:stretch>
-            <a:fillRect/>
-          </a:stretch>
-        </p:blipFill>
+        </p:nvSpPr>
         <p:spPr>
           <a:xfrm>
-            <a:off x="101601" y="1049637"/>
-            <a:ext cx="8553450" cy="4650775"/>
-          </a:xfrm>
-          <a:prstGeom prst="rect">
-            <a:avLst/>
-          </a:prstGeom>
-          <a:ln>
-            <a:solidFill>
-              <a:schemeClr val="tx1"/>
-            </a:solidFill>
-          </a:ln>
-        </p:spPr>
-      </p:pic>
-      <p:sp>
-        <p:nvSpPr>
-          <p:cNvPr id="17" name="Oval 16">
-            <a:extLst>
-              <a:ext uri="{FF2B5EF4-FFF2-40B4-BE49-F238E27FC236}">
-                <a16:creationId xmlns:a16="http://schemas.microsoft.com/office/drawing/2014/main" id="{27CC08C0-3469-4B4B-2FEF-548336A23E7C}"/>
-              </a:ext>
-            </a:extLst>
-          </p:cNvPr>
-          <p:cNvSpPr/>
-          <p:nvPr/>
-        </p:nvSpPr>
-        <p:spPr>
-          <a:xfrm rot="21271954">
-            <a:off x="4455141" y="1908316"/>
-            <a:ext cx="2621305" cy="977820"/>
-          </a:xfrm>
-          <a:prstGeom prst="ellipse">
-            <a:avLst/>
-          </a:prstGeom>
-          <a:noFill/>
-          <a:ln>
-            <a:solidFill>
-              <a:schemeClr val="accent6"/>
-            </a:solidFill>
-          </a:ln>
-        </p:spPr>
-        <p:style>
-          <a:lnRef idx="2">
-            <a:schemeClr val="accent1">
-              <a:shade val="15000"/>
-            </a:schemeClr>
-          </a:lnRef>
-          <a:fillRef idx="1">
-            <a:schemeClr val="accent1"/>
-          </a:fillRef>
-          <a:effectRef idx="0">
-            <a:schemeClr val="accent1"/>
-          </a:effectRef>
-          <a:fontRef idx="minor">
-            <a:schemeClr val="lt1"/>
-          </a:fontRef>
-        </p:style>
-        <p:txBody>
-          <a:bodyPr rtlCol="0" anchor="ctr"/>
-          <a:lstStyle/>
-          <a:p>
-            <a:pPr algn="ctr"/>
-            <a:endParaRPr lang="en-US"/>
-          </a:p>
-        </p:txBody>
-      </p:sp>
-      <p:pic>
-        <p:nvPicPr>
-          <p:cNvPr id="15" name="Picture 14">
-            <a:extLst>
-              <a:ext uri="{FF2B5EF4-FFF2-40B4-BE49-F238E27FC236}">
-                <a16:creationId xmlns:a16="http://schemas.microsoft.com/office/drawing/2014/main" id="{1B37412F-9E0B-D21E-3483-05B215EDE6FD}"/>
-              </a:ext>
-            </a:extLst>
-          </p:cNvPr>
-          <p:cNvPicPr>
-            <a:picLocks noChangeAspect="1"/>
-          </p:cNvPicPr>
-          <p:nvPr/>
-        </p:nvPicPr>
-        <p:blipFill>
-          <a:blip r:embed="rId3"/>
-          <a:srcRect l="33021" b="29063"/>
-          <a:stretch>
-            <a:fillRect/>
-          </a:stretch>
-        </p:blipFill>
-        <p:spPr>
-          <a:xfrm>
-            <a:off x="7692829" y="519591"/>
-            <a:ext cx="4302321" cy="2425700"/>
-          </a:xfrm>
-          <a:prstGeom prst="rect">
-            <a:avLst/>
-          </a:prstGeom>
-          <a:ln>
-            <a:solidFill>
-              <a:schemeClr val="tx1"/>
-            </a:solidFill>
-          </a:ln>
-        </p:spPr>
-      </p:pic>
-      <p:sp>
-        <p:nvSpPr>
-          <p:cNvPr id="20" name="Rectangle 19">
-            <a:extLst>
-              <a:ext uri="{FF2B5EF4-FFF2-40B4-BE49-F238E27FC236}">
-                <a16:creationId xmlns:a16="http://schemas.microsoft.com/office/drawing/2014/main" id="{94F23841-877A-D156-5801-B9DA921BF189}"/>
-              </a:ext>
-            </a:extLst>
-          </p:cNvPr>
-          <p:cNvSpPr/>
-          <p:nvPr/>
-        </p:nvSpPr>
-        <p:spPr>
-          <a:xfrm>
-            <a:off x="6643384" y="2246464"/>
-            <a:ext cx="398767" cy="238024"/>
+            <a:off x="9389534" y="4741333"/>
+            <a:ext cx="1997236" cy="1477328"/>
           </a:xfrm>
           <a:prstGeom prst="rect">
             <a:avLst/>
           </a:prstGeom>
           <a:noFill/>
-          <a:ln>
-            <a:solidFill>
-              <a:schemeClr val="tx1"/>
-            </a:solidFill>
-          </a:ln>
-        </p:spPr>
-        <p:style>
-          <a:lnRef idx="2">
-            <a:schemeClr val="accent1">
-              <a:shade val="15000"/>
-            </a:schemeClr>
-          </a:lnRef>
-          <a:fillRef idx="1">
-            <a:schemeClr val="accent1"/>
-          </a:fillRef>
-          <a:effectRef idx="0">
-            <a:schemeClr val="accent1"/>
-          </a:effectRef>
-          <a:fontRef idx="minor">
-            <a:schemeClr val="lt1"/>
-          </a:fontRef>
-        </p:style>
-        <p:txBody>
-          <a:bodyPr rtlCol="0" anchor="ctr"/>
-          <a:lstStyle/>
-          <a:p>
-            <a:pPr algn="ctr"/>
-            <a:endParaRPr lang="en-US"/>
-          </a:p>
-        </p:txBody>
-      </p:sp>
-      <p:cxnSp>
-        <p:nvCxnSpPr>
-          <p:cNvPr id="22" name="Straight Connector 21">
-            <a:extLst>
-              <a:ext uri="{FF2B5EF4-FFF2-40B4-BE49-F238E27FC236}">
-                <a16:creationId xmlns:a16="http://schemas.microsoft.com/office/drawing/2014/main" id="{64C7872E-1E71-236F-DA89-3DB5CBB51E3D}"/>
-              </a:ext>
-            </a:extLst>
-          </p:cNvPr>
-          <p:cNvCxnSpPr>
-            <a:cxnSpLocks/>
-          </p:cNvCxnSpPr>
-          <p:nvPr/>
-        </p:nvCxnSpPr>
-        <p:spPr>
-          <a:xfrm flipV="1">
-            <a:off x="7042151" y="519591"/>
-            <a:ext cx="650678" cy="1722355"/>
-          </a:xfrm>
-          <a:prstGeom prst="line">
-            <a:avLst/>
-          </a:prstGeom>
-          <a:ln>
-            <a:solidFill>
-              <a:schemeClr val="tx1"/>
-            </a:solidFill>
-          </a:ln>
-        </p:spPr>
-        <p:style>
-          <a:lnRef idx="2">
-            <a:schemeClr val="accent1"/>
-          </a:lnRef>
-          <a:fillRef idx="0">
-            <a:schemeClr val="accent1"/>
-          </a:fillRef>
-          <a:effectRef idx="1">
-            <a:schemeClr val="accent1"/>
-          </a:effectRef>
-          <a:fontRef idx="minor">
-            <a:schemeClr val="tx1"/>
-          </a:fontRef>
-        </p:style>
-      </p:cxnSp>
-      <p:cxnSp>
-        <p:nvCxnSpPr>
-          <p:cNvPr id="23" name="Straight Connector 22">
-            <a:extLst>
-              <a:ext uri="{FF2B5EF4-FFF2-40B4-BE49-F238E27FC236}">
-                <a16:creationId xmlns:a16="http://schemas.microsoft.com/office/drawing/2014/main" id="{33233986-A0EF-9528-FDEF-09A1E2396060}"/>
-              </a:ext>
-            </a:extLst>
-          </p:cNvPr>
-          <p:cNvCxnSpPr>
-            <a:cxnSpLocks/>
-          </p:cNvCxnSpPr>
-          <p:nvPr/>
-        </p:nvCxnSpPr>
-        <p:spPr>
-          <a:xfrm>
-            <a:off x="7054842" y="2484488"/>
-            <a:ext cx="637987" cy="460803"/>
-          </a:xfrm>
-          <a:prstGeom prst="line">
-            <a:avLst/>
-          </a:prstGeom>
-          <a:ln>
-            <a:solidFill>
-              <a:schemeClr val="tx1"/>
-            </a:solidFill>
-          </a:ln>
-        </p:spPr>
-        <p:style>
-          <a:lnRef idx="2">
-            <a:schemeClr val="accent1"/>
-          </a:lnRef>
-          <a:fillRef idx="0">
-            <a:schemeClr val="accent1"/>
-          </a:fillRef>
-          <a:effectRef idx="1">
-            <a:schemeClr val="accent1"/>
-          </a:effectRef>
-          <a:fontRef idx="minor">
-            <a:schemeClr val="tx1"/>
-          </a:fontRef>
-        </p:style>
-      </p:cxnSp>
-    </p:spTree>
-    <p:extLst>
-      <p:ext uri="{BB962C8B-B14F-4D97-AF65-F5344CB8AC3E}">
-        <p14:creationId xmlns:p14="http://schemas.microsoft.com/office/powerpoint/2010/main" val="2015162609"/>
-      </p:ext>
-    </p:extLst>
-  </p:cSld>
-  <p:clrMapOvr>
-    <a:masterClrMapping/>
-  </p:clrMapOvr>
-</p:sld>
-</file>
-
-<file path=ppt/slides/slide18.xml><?xml version="1.0" encoding="utf-8"?>
-<p:sld xmlns:a="http://schemas.openxmlformats.org/drawingml/2006/main" xmlns:r="http://schemas.openxmlformats.org/officeDocument/2006/relationships" xmlns:p="http://schemas.openxmlformats.org/presentationml/2006/main">
-  <p:cSld>
-    <p:spTree>
-      <p:nvGrpSpPr>
-        <p:cNvPr id="1" name="">
-          <a:extLst>
-            <a:ext uri="{FF2B5EF4-FFF2-40B4-BE49-F238E27FC236}">
-              <a16:creationId xmlns:a16="http://schemas.microsoft.com/office/drawing/2014/main" id="{D5C480CB-741C-C63F-4A45-15328B897D0F}"/>
-            </a:ext>
-          </a:extLst>
-        </p:cNvPr>
-        <p:cNvGrpSpPr/>
-        <p:nvPr/>
-      </p:nvGrpSpPr>
-      <p:grpSpPr>
-        <a:xfrm>
-          <a:off x="0" y="0"/>
-          <a:ext cx="0" cy="0"/>
-          <a:chOff x="0" y="0"/>
-          <a:chExt cx="0" cy="0"/>
-        </a:xfrm>
-      </p:grpSpPr>
-      <p:sp>
-        <p:nvSpPr>
-          <p:cNvPr id="2" name="Title 1">
-            <a:extLst>
-              <a:ext uri="{FF2B5EF4-FFF2-40B4-BE49-F238E27FC236}">
-                <a16:creationId xmlns:a16="http://schemas.microsoft.com/office/drawing/2014/main" id="{51C76015-DC06-8B87-8AA5-867900AF0698}"/>
-              </a:ext>
-            </a:extLst>
-          </p:cNvPr>
-          <p:cNvSpPr>
-            <a:spLocks noGrp="1"/>
-          </p:cNvSpPr>
-          <p:nvPr>
-            <p:ph type="title"/>
-          </p:nvPr>
-        </p:nvSpPr>
-        <p:spPr>
-          <a:xfrm>
-            <a:off x="44450" y="18255"/>
-            <a:ext cx="10515600" cy="718345"/>
-          </a:xfrm>
-        </p:spPr>
-        <p:txBody>
-          <a:bodyPr/>
-          <a:lstStyle/>
-          <a:p>
-            <a:r>
-              <a:rPr lang="en-US" dirty="0"/>
-              <a:t>Example Use Case: The Lich</a:t>
-            </a:r>
-          </a:p>
-        </p:txBody>
-      </p:sp>
-      <p:sp>
-        <p:nvSpPr>
-          <p:cNvPr id="3" name="Content Placeholder 2">
-            <a:extLst>
-              <a:ext uri="{FF2B5EF4-FFF2-40B4-BE49-F238E27FC236}">
-                <a16:creationId xmlns:a16="http://schemas.microsoft.com/office/drawing/2014/main" id="{8435A3AF-1B6B-014E-3CE8-BE23D4626747}"/>
-              </a:ext>
-            </a:extLst>
-          </p:cNvPr>
-          <p:cNvSpPr>
-            <a:spLocks noGrp="1"/>
-          </p:cNvSpPr>
-          <p:nvPr>
-            <p:ph idx="1"/>
-          </p:nvPr>
-        </p:nvSpPr>
-        <p:spPr>
-          <a:xfrm>
-            <a:off x="414867" y="736600"/>
-            <a:ext cx="11656483" cy="1345205"/>
-          </a:xfrm>
-        </p:spPr>
-        <p:txBody>
-          <a:bodyPr>
-            <a:normAutofit/>
-          </a:bodyPr>
-          <a:lstStyle/>
-          <a:p>
-            <a:r>
-              <a:rPr lang="en-US" dirty="0"/>
-              <a:t>If I only want to look at Monster Types that are Undead and Legendary Creatures, then the list is limited to these three: Lich, Mummy Lord, Vampire</a:t>
-            </a:r>
-          </a:p>
-        </p:txBody>
-      </p:sp>
-      <p:pic>
-        <p:nvPicPr>
-          <p:cNvPr id="6" name="Picture 5">
-            <a:extLst>
-              <a:ext uri="{FF2B5EF4-FFF2-40B4-BE49-F238E27FC236}">
-                <a16:creationId xmlns:a16="http://schemas.microsoft.com/office/drawing/2014/main" id="{2787CC3A-A584-CE93-4745-0004EC25EC66}"/>
-              </a:ext>
-            </a:extLst>
-          </p:cNvPr>
-          <p:cNvPicPr>
-            <a:picLocks noChangeAspect="1"/>
-          </p:cNvPicPr>
-          <p:nvPr/>
-        </p:nvPicPr>
-        <p:blipFill>
-          <a:blip r:embed="rId2"/>
-          <a:stretch>
-            <a:fillRect/>
-          </a:stretch>
-        </p:blipFill>
-        <p:spPr>
-          <a:xfrm>
-            <a:off x="44450" y="2081805"/>
-            <a:ext cx="8830595" cy="4695761"/>
-          </a:xfrm>
-          <a:prstGeom prst="rect">
-            <a:avLst/>
-          </a:prstGeom>
-          <a:ln>
-            <a:solidFill>
-              <a:schemeClr val="tx1"/>
-            </a:solidFill>
-          </a:ln>
-        </p:spPr>
-      </p:pic>
-      <p:sp>
-        <p:nvSpPr>
-          <p:cNvPr id="4" name="Oval 3">
-            <a:extLst>
-              <a:ext uri="{FF2B5EF4-FFF2-40B4-BE49-F238E27FC236}">
-                <a16:creationId xmlns:a16="http://schemas.microsoft.com/office/drawing/2014/main" id="{247E14CD-7711-29E1-3C97-7F0E4E15F33A}"/>
-              </a:ext>
-            </a:extLst>
-          </p:cNvPr>
-          <p:cNvSpPr/>
-          <p:nvPr/>
-        </p:nvSpPr>
-        <p:spPr>
-          <a:xfrm>
-            <a:off x="5302250" y="3131672"/>
-            <a:ext cx="2006600" cy="677333"/>
-          </a:xfrm>
-          <a:prstGeom prst="ellipse">
-            <a:avLst/>
-          </a:prstGeom>
-          <a:noFill/>
-          <a:ln>
-            <a:solidFill>
-              <a:schemeClr val="accent6"/>
-            </a:solidFill>
-          </a:ln>
-        </p:spPr>
-        <p:style>
-          <a:lnRef idx="2">
-            <a:schemeClr val="accent1">
-              <a:shade val="15000"/>
-            </a:schemeClr>
-          </a:lnRef>
-          <a:fillRef idx="1">
-            <a:schemeClr val="accent1"/>
-          </a:fillRef>
-          <a:effectRef idx="0">
-            <a:schemeClr val="accent1"/>
-          </a:effectRef>
-          <a:fontRef idx="minor">
-            <a:schemeClr val="lt1"/>
-          </a:fontRef>
-        </p:style>
-        <p:txBody>
-          <a:bodyPr rtlCol="0" anchor="ctr"/>
-          <a:lstStyle/>
-          <a:p>
-            <a:pPr algn="ctr"/>
-            <a:endParaRPr lang="en-US"/>
-          </a:p>
-        </p:txBody>
-      </p:sp>
-      <p:sp>
-        <p:nvSpPr>
-          <p:cNvPr id="5" name="TextBox 4">
-            <a:extLst>
-              <a:ext uri="{FF2B5EF4-FFF2-40B4-BE49-F238E27FC236}">
-                <a16:creationId xmlns:a16="http://schemas.microsoft.com/office/drawing/2014/main" id="{513A087A-0C5F-5C17-6C4B-5E2569BCF981}"/>
-              </a:ext>
-            </a:extLst>
-          </p:cNvPr>
-          <p:cNvSpPr txBox="1"/>
-          <p:nvPr/>
-        </p:nvSpPr>
-        <p:spPr>
-          <a:xfrm>
-            <a:off x="9389534" y="4741333"/>
-            <a:ext cx="1997236" cy="1477328"/>
-          </a:xfrm>
-          <a:prstGeom prst="rect">
-            <a:avLst/>
-          </a:prstGeom>
-          <a:noFill/>
         </p:spPr>
         <p:txBody>
           <a:bodyPr wrap="square" rtlCol="0">
@@ -6495,7 +5970,7 @@
           <a:p>
             <a:r>
               <a:rPr lang="en-US" dirty="0"/>
-              <a:t>These might be good candidates for my graveyard fight against my level 8 players! </a:t>
+              <a:t>These might be good candidates for my graveyard fight against my players! </a:t>
             </a:r>
           </a:p>
         </p:txBody>
@@ -6557,7 +6032,7 @@
 </p:sld>
 </file>
 
-<file path=ppt/slides/slide19.xml><?xml version="1.0" encoding="utf-8"?>
+<file path=ppt/slides/slide17.xml><?xml version="1.0" encoding="utf-8"?>
 <p:sld xmlns:a="http://schemas.openxmlformats.org/drawingml/2006/main" xmlns:r="http://schemas.openxmlformats.org/officeDocument/2006/relationships" xmlns:p="http://schemas.openxmlformats.org/presentationml/2006/main">
   <p:cSld>
     <p:spTree>
@@ -6596,7 +6071,7 @@
         </p:blipFill>
         <p:spPr>
           <a:xfrm>
-            <a:off x="419100" y="1642152"/>
+            <a:off x="419100" y="1743752"/>
             <a:ext cx="11353800" cy="5012647"/>
           </a:xfrm>
           <a:prstGeom prst="rect">
@@ -6623,7 +6098,7 @@
         </p:nvSpPr>
         <p:spPr>
           <a:xfrm>
-            <a:off x="10284883" y="5018027"/>
+            <a:off x="10284883" y="5119627"/>
             <a:ext cx="1691217" cy="1243604"/>
           </a:xfrm>
           <a:prstGeom prst="ellipse">
@@ -6709,10 +6184,9 @@
           </a:lstStyle>
           <a:p>
             <a:r>
-              <a:rPr lang="en-US"/>
-              <a:t>Example Use Case: The Lich</a:t>
-            </a:r>
-            <a:endParaRPr lang="en-US" dirty="0"/>
+              <a:rPr lang="en-US" dirty="0"/>
+              <a:t>Example Use Case: </a:t>
+            </a:r>
           </a:p>
         </p:txBody>
       </p:sp>
@@ -6741,7 +6215,7 @@
         </p:spPr>
         <p:txBody>
           <a:bodyPr>
-            <a:normAutofit/>
+            <a:normAutofit fontScale="70000" lnSpcReduction="20000"/>
           </a:bodyPr>
           <a:lstStyle>
             <a:lvl1pPr marL="228600" indent="-228600" algn="l" defTabSz="914400" rtl="0" eaLnBrk="1" latinLnBrk="0" hangingPunct="1">
@@ -6910,7 +6384,13 @@
           <a:p>
             <a:r>
               <a:rPr lang="en-US" dirty="0"/>
-              <a:t>I can see from the PCA plot that these three will behave similarly in terms of their stats</a:t>
+              <a:t>Next I can see from the PCA plot that these three will behave similarly in terms of their stats, so that gives me some flexibility to use a monster that best fits into my graveyard setting </a:t>
+            </a:r>
+          </a:p>
+          <a:p>
+            <a:r>
+              <a:rPr lang="en-US" dirty="0"/>
+              <a:t>I’d probably lean towards a Lich or Vampire, so now I’m down to 2 monsters</a:t>
             </a:r>
           </a:p>
         </p:txBody>
@@ -6919,6 +6399,451 @@
     <p:extLst>
       <p:ext uri="{BB962C8B-B14F-4D97-AF65-F5344CB8AC3E}">
         <p14:creationId xmlns:p14="http://schemas.microsoft.com/office/powerpoint/2010/main" val="4080213326"/>
+      </p:ext>
+    </p:extLst>
+  </p:cSld>
+  <p:clrMapOvr>
+    <a:masterClrMapping/>
+  </p:clrMapOvr>
+</p:sld>
+</file>
+
+<file path=ppt/slides/slide18.xml><?xml version="1.0" encoding="utf-8"?>
+<p:sld xmlns:a="http://schemas.openxmlformats.org/drawingml/2006/main" xmlns:r="http://schemas.openxmlformats.org/officeDocument/2006/relationships" xmlns:p="http://schemas.openxmlformats.org/presentationml/2006/main">
+  <p:cSld>
+    <p:spTree>
+      <p:nvGrpSpPr>
+        <p:cNvPr id="1" name="">
+          <a:extLst>
+            <a:ext uri="{FF2B5EF4-FFF2-40B4-BE49-F238E27FC236}">
+              <a16:creationId xmlns:a16="http://schemas.microsoft.com/office/drawing/2014/main" id="{BEEF1C3C-FEC3-9260-BB22-2F1D855DAFFB}"/>
+            </a:ext>
+          </a:extLst>
+        </p:cNvPr>
+        <p:cNvGrpSpPr/>
+        <p:nvPr/>
+      </p:nvGrpSpPr>
+      <p:grpSpPr>
+        <a:xfrm>
+          <a:off x="0" y="0"/>
+          <a:ext cx="0" cy="0"/>
+          <a:chOff x="0" y="0"/>
+          <a:chExt cx="0" cy="0"/>
+        </a:xfrm>
+      </p:grpSpPr>
+      <p:pic>
+        <p:nvPicPr>
+          <p:cNvPr id="6" name="Picture 5">
+            <a:extLst>
+              <a:ext uri="{FF2B5EF4-FFF2-40B4-BE49-F238E27FC236}">
+                <a16:creationId xmlns:a16="http://schemas.microsoft.com/office/drawing/2014/main" id="{06C31217-4017-14FF-C951-868C406BA05A}"/>
+              </a:ext>
+            </a:extLst>
+          </p:cNvPr>
+          <p:cNvPicPr>
+            <a:picLocks noChangeAspect="1"/>
+          </p:cNvPicPr>
+          <p:nvPr/>
+        </p:nvPicPr>
+        <p:blipFill>
+          <a:blip r:embed="rId3"/>
+          <a:stretch>
+            <a:fillRect/>
+          </a:stretch>
+        </p:blipFill>
+        <p:spPr>
+          <a:xfrm>
+            <a:off x="702733" y="1729199"/>
+            <a:ext cx="10651067" cy="5017480"/>
+          </a:xfrm>
+          <a:prstGeom prst="rect">
+            <a:avLst/>
+          </a:prstGeom>
+          <a:ln>
+            <a:solidFill>
+              <a:schemeClr val="tx1"/>
+            </a:solidFill>
+          </a:ln>
+        </p:spPr>
+      </p:pic>
+      <p:sp>
+        <p:nvSpPr>
+          <p:cNvPr id="2" name="Title 1">
+            <a:extLst>
+              <a:ext uri="{FF2B5EF4-FFF2-40B4-BE49-F238E27FC236}">
+                <a16:creationId xmlns:a16="http://schemas.microsoft.com/office/drawing/2014/main" id="{234F82C9-CAE0-B93A-239F-94920EAA31A6}"/>
+              </a:ext>
+            </a:extLst>
+          </p:cNvPr>
+          <p:cNvSpPr>
+            <a:spLocks noGrp="1"/>
+          </p:cNvSpPr>
+          <p:nvPr>
+            <p:ph type="title"/>
+          </p:nvPr>
+        </p:nvSpPr>
+        <p:spPr>
+          <a:xfrm>
+            <a:off x="0" y="18255"/>
+            <a:ext cx="10515600" cy="807245"/>
+          </a:xfrm>
+        </p:spPr>
+        <p:txBody>
+          <a:bodyPr/>
+          <a:lstStyle/>
+          <a:p>
+            <a:r>
+              <a:rPr lang="en-US" dirty="0"/>
+              <a:t>Example Use Case: </a:t>
+            </a:r>
+          </a:p>
+        </p:txBody>
+      </p:sp>
+      <p:sp>
+        <p:nvSpPr>
+          <p:cNvPr id="7" name="Content Placeholder 2">
+            <a:extLst>
+              <a:ext uri="{FF2B5EF4-FFF2-40B4-BE49-F238E27FC236}">
+                <a16:creationId xmlns:a16="http://schemas.microsoft.com/office/drawing/2014/main" id="{81F0ECA6-8E46-AE05-0E39-D86612169974}"/>
+              </a:ext>
+            </a:extLst>
+          </p:cNvPr>
+          <p:cNvSpPr txBox="1">
+            <a:spLocks/>
+          </p:cNvSpPr>
+          <p:nvPr/>
+        </p:nvSpPr>
+        <p:spPr>
+          <a:xfrm>
+            <a:off x="702733" y="736600"/>
+            <a:ext cx="11070167" cy="889000"/>
+          </a:xfrm>
+          <a:prstGeom prst="rect">
+            <a:avLst/>
+          </a:prstGeom>
+        </p:spPr>
+        <p:txBody>
+          <a:bodyPr>
+            <a:normAutofit fontScale="85000" lnSpcReduction="20000"/>
+          </a:bodyPr>
+          <a:lstStyle>
+            <a:lvl1pPr marL="228600" indent="-228600" algn="l" defTabSz="914400" rtl="0" eaLnBrk="1" latinLnBrk="0" hangingPunct="1">
+              <a:lnSpc>
+                <a:spcPct val="90000"/>
+              </a:lnSpc>
+              <a:spcBef>
+                <a:spcPts val="1000"/>
+              </a:spcBef>
+              <a:buFont typeface="Arial" panose="020B0604020202020204" pitchFamily="34" charset="0"/>
+              <a:buChar char="•"/>
+              <a:defRPr sz="2800" kern="1200">
+                <a:solidFill>
+                  <a:schemeClr val="tx1"/>
+                </a:solidFill>
+                <a:latin typeface="+mn-lt"/>
+                <a:ea typeface="+mn-ea"/>
+                <a:cs typeface="+mn-cs"/>
+              </a:defRPr>
+            </a:lvl1pPr>
+            <a:lvl2pPr marL="685800" indent="-228600" algn="l" defTabSz="914400" rtl="0" eaLnBrk="1" latinLnBrk="0" hangingPunct="1">
+              <a:lnSpc>
+                <a:spcPct val="90000"/>
+              </a:lnSpc>
+              <a:spcBef>
+                <a:spcPts val="500"/>
+              </a:spcBef>
+              <a:buFont typeface="Arial" panose="020B0604020202020204" pitchFamily="34" charset="0"/>
+              <a:buChar char="•"/>
+              <a:defRPr sz="2400" kern="1200">
+                <a:solidFill>
+                  <a:schemeClr val="tx1"/>
+                </a:solidFill>
+                <a:latin typeface="+mn-lt"/>
+                <a:ea typeface="+mn-ea"/>
+                <a:cs typeface="+mn-cs"/>
+              </a:defRPr>
+            </a:lvl2pPr>
+            <a:lvl3pPr marL="1143000" indent="-228600" algn="l" defTabSz="914400" rtl="0" eaLnBrk="1" latinLnBrk="0" hangingPunct="1">
+              <a:lnSpc>
+                <a:spcPct val="90000"/>
+              </a:lnSpc>
+              <a:spcBef>
+                <a:spcPts val="500"/>
+              </a:spcBef>
+              <a:buFont typeface="Arial" panose="020B0604020202020204" pitchFamily="34" charset="0"/>
+              <a:buChar char="•"/>
+              <a:defRPr sz="2000" kern="1200">
+                <a:solidFill>
+                  <a:schemeClr val="tx1"/>
+                </a:solidFill>
+                <a:latin typeface="+mn-lt"/>
+                <a:ea typeface="+mn-ea"/>
+                <a:cs typeface="+mn-cs"/>
+              </a:defRPr>
+            </a:lvl3pPr>
+            <a:lvl4pPr marL="1600200" indent="-228600" algn="l" defTabSz="914400" rtl="0" eaLnBrk="1" latinLnBrk="0" hangingPunct="1">
+              <a:lnSpc>
+                <a:spcPct val="90000"/>
+              </a:lnSpc>
+              <a:spcBef>
+                <a:spcPts val="500"/>
+              </a:spcBef>
+              <a:buFont typeface="Arial" panose="020B0604020202020204" pitchFamily="34" charset="0"/>
+              <a:buChar char="•"/>
+              <a:defRPr sz="1800" kern="1200">
+                <a:solidFill>
+                  <a:schemeClr val="tx1"/>
+                </a:solidFill>
+                <a:latin typeface="+mn-lt"/>
+                <a:ea typeface="+mn-ea"/>
+                <a:cs typeface="+mn-cs"/>
+              </a:defRPr>
+            </a:lvl4pPr>
+            <a:lvl5pPr marL="2057400" indent="-228600" algn="l" defTabSz="914400" rtl="0" eaLnBrk="1" latinLnBrk="0" hangingPunct="1">
+              <a:lnSpc>
+                <a:spcPct val="90000"/>
+              </a:lnSpc>
+              <a:spcBef>
+                <a:spcPts val="500"/>
+              </a:spcBef>
+              <a:buFont typeface="Arial" panose="020B0604020202020204" pitchFamily="34" charset="0"/>
+              <a:buChar char="•"/>
+              <a:defRPr sz="1800" kern="1200">
+                <a:solidFill>
+                  <a:schemeClr val="tx1"/>
+                </a:solidFill>
+                <a:latin typeface="+mn-lt"/>
+                <a:ea typeface="+mn-ea"/>
+                <a:cs typeface="+mn-cs"/>
+              </a:defRPr>
+            </a:lvl5pPr>
+            <a:lvl6pPr marL="2514600" indent="-228600" algn="l" defTabSz="914400" rtl="0" eaLnBrk="1" latinLnBrk="0" hangingPunct="1">
+              <a:lnSpc>
+                <a:spcPct val="90000"/>
+              </a:lnSpc>
+              <a:spcBef>
+                <a:spcPts val="500"/>
+              </a:spcBef>
+              <a:buFont typeface="Arial" panose="020B0604020202020204" pitchFamily="34" charset="0"/>
+              <a:buChar char="•"/>
+              <a:defRPr sz="1800" kern="1200">
+                <a:solidFill>
+                  <a:schemeClr val="tx1"/>
+                </a:solidFill>
+                <a:latin typeface="+mn-lt"/>
+                <a:ea typeface="+mn-ea"/>
+                <a:cs typeface="+mn-cs"/>
+              </a:defRPr>
+            </a:lvl6pPr>
+            <a:lvl7pPr marL="2971800" indent="-228600" algn="l" defTabSz="914400" rtl="0" eaLnBrk="1" latinLnBrk="0" hangingPunct="1">
+              <a:lnSpc>
+                <a:spcPct val="90000"/>
+              </a:lnSpc>
+              <a:spcBef>
+                <a:spcPts val="500"/>
+              </a:spcBef>
+              <a:buFont typeface="Arial" panose="020B0604020202020204" pitchFamily="34" charset="0"/>
+              <a:buChar char="•"/>
+              <a:defRPr sz="1800" kern="1200">
+                <a:solidFill>
+                  <a:schemeClr val="tx1"/>
+                </a:solidFill>
+                <a:latin typeface="+mn-lt"/>
+                <a:ea typeface="+mn-ea"/>
+                <a:cs typeface="+mn-cs"/>
+              </a:defRPr>
+            </a:lvl7pPr>
+            <a:lvl8pPr marL="3429000" indent="-228600" algn="l" defTabSz="914400" rtl="0" eaLnBrk="1" latinLnBrk="0" hangingPunct="1">
+              <a:lnSpc>
+                <a:spcPct val="90000"/>
+              </a:lnSpc>
+              <a:spcBef>
+                <a:spcPts val="500"/>
+              </a:spcBef>
+              <a:buFont typeface="Arial" panose="020B0604020202020204" pitchFamily="34" charset="0"/>
+              <a:buChar char="•"/>
+              <a:defRPr sz="1800" kern="1200">
+                <a:solidFill>
+                  <a:schemeClr val="tx1"/>
+                </a:solidFill>
+                <a:latin typeface="+mn-lt"/>
+                <a:ea typeface="+mn-ea"/>
+                <a:cs typeface="+mn-cs"/>
+              </a:defRPr>
+            </a:lvl8pPr>
+            <a:lvl9pPr marL="3886200" indent="-228600" algn="l" defTabSz="914400" rtl="0" eaLnBrk="1" latinLnBrk="0" hangingPunct="1">
+              <a:lnSpc>
+                <a:spcPct val="90000"/>
+              </a:lnSpc>
+              <a:spcBef>
+                <a:spcPts val="500"/>
+              </a:spcBef>
+              <a:buFont typeface="Arial" panose="020B0604020202020204" pitchFamily="34" charset="0"/>
+              <a:buChar char="•"/>
+              <a:defRPr sz="1800" kern="1200">
+                <a:solidFill>
+                  <a:schemeClr val="tx1"/>
+                </a:solidFill>
+                <a:latin typeface="+mn-lt"/>
+                <a:ea typeface="+mn-ea"/>
+                <a:cs typeface="+mn-cs"/>
+              </a:defRPr>
+            </a:lvl9pPr>
+          </a:lstStyle>
+          <a:p>
+            <a:r>
+              <a:rPr lang="en-US" dirty="0"/>
+              <a:t>Finally, I use the fourth tab to compare the stats between the Lich and the Vampire, and I might go for the Lich to make it a really challenging fight for my players!</a:t>
+            </a:r>
+          </a:p>
+        </p:txBody>
+      </p:sp>
+    </p:spTree>
+    <p:extLst>
+      <p:ext uri="{BB962C8B-B14F-4D97-AF65-F5344CB8AC3E}">
+        <p14:creationId xmlns:p14="http://schemas.microsoft.com/office/powerpoint/2010/main" val="2052776318"/>
+      </p:ext>
+    </p:extLst>
+  </p:cSld>
+  <p:clrMapOvr>
+    <a:masterClrMapping/>
+  </p:clrMapOvr>
+</p:sld>
+</file>
+
+<file path=ppt/slides/slide19.xml><?xml version="1.0" encoding="utf-8"?>
+<p:sld xmlns:a="http://schemas.openxmlformats.org/drawingml/2006/main" xmlns:r="http://schemas.openxmlformats.org/officeDocument/2006/relationships" xmlns:p="http://schemas.openxmlformats.org/presentationml/2006/main">
+  <p:cSld>
+    <p:spTree>
+      <p:nvGrpSpPr>
+        <p:cNvPr id="1" name="">
+          <a:extLst>
+            <a:ext uri="{FF2B5EF4-FFF2-40B4-BE49-F238E27FC236}">
+              <a16:creationId xmlns:a16="http://schemas.microsoft.com/office/drawing/2014/main" id="{EBA87B48-2656-BF07-BA50-ED7BAB0BFBBA}"/>
+            </a:ext>
+          </a:extLst>
+        </p:cNvPr>
+        <p:cNvGrpSpPr/>
+        <p:nvPr/>
+      </p:nvGrpSpPr>
+      <p:grpSpPr>
+        <a:xfrm>
+          <a:off x="0" y="0"/>
+          <a:ext cx="0" cy="0"/>
+          <a:chOff x="0" y="0"/>
+          <a:chExt cx="0" cy="0"/>
+        </a:xfrm>
+      </p:grpSpPr>
+      <p:pic>
+        <p:nvPicPr>
+          <p:cNvPr id="5" name="Picture 4">
+            <a:extLst>
+              <a:ext uri="{FF2B5EF4-FFF2-40B4-BE49-F238E27FC236}">
+                <a16:creationId xmlns:a16="http://schemas.microsoft.com/office/drawing/2014/main" id="{C4E31C77-3D68-6A25-756A-CA784EE3C817}"/>
+              </a:ext>
+            </a:extLst>
+          </p:cNvPr>
+          <p:cNvPicPr>
+            <a:picLocks noChangeAspect="1"/>
+          </p:cNvPicPr>
+          <p:nvPr/>
+        </p:nvPicPr>
+        <p:blipFill>
+          <a:blip r:embed="rId2"/>
+          <a:stretch>
+            <a:fillRect/>
+          </a:stretch>
+        </p:blipFill>
+        <p:spPr>
+          <a:xfrm>
+            <a:off x="0" y="1071617"/>
+            <a:ext cx="12192000" cy="4878285"/>
+          </a:xfrm>
+          <a:prstGeom prst="rect">
+            <a:avLst/>
+          </a:prstGeom>
+          <a:ln>
+            <a:solidFill>
+              <a:schemeClr val="tx1"/>
+            </a:solidFill>
+          </a:ln>
+        </p:spPr>
+      </p:pic>
+      <p:sp>
+        <p:nvSpPr>
+          <p:cNvPr id="2" name="Title 1">
+            <a:extLst>
+              <a:ext uri="{FF2B5EF4-FFF2-40B4-BE49-F238E27FC236}">
+                <a16:creationId xmlns:a16="http://schemas.microsoft.com/office/drawing/2014/main" id="{D42EDE61-33C9-F2BB-F24A-896E476DA757}"/>
+              </a:ext>
+            </a:extLst>
+          </p:cNvPr>
+          <p:cNvSpPr>
+            <a:spLocks noGrp="1"/>
+          </p:cNvSpPr>
+          <p:nvPr>
+            <p:ph type="title"/>
+          </p:nvPr>
+        </p:nvSpPr>
+        <p:spPr>
+          <a:xfrm>
+            <a:off x="0" y="18255"/>
+            <a:ext cx="10515600" cy="807245"/>
+          </a:xfrm>
+        </p:spPr>
+        <p:txBody>
+          <a:bodyPr/>
+          <a:lstStyle/>
+          <a:p>
+            <a:r>
+              <a:rPr lang="en-US" dirty="0"/>
+              <a:t>Interesting findings</a:t>
+            </a:r>
+          </a:p>
+        </p:txBody>
+      </p:sp>
+      <p:sp>
+        <p:nvSpPr>
+          <p:cNvPr id="3" name="Content Placeholder 2">
+            <a:extLst>
+              <a:ext uri="{FF2B5EF4-FFF2-40B4-BE49-F238E27FC236}">
+                <a16:creationId xmlns:a16="http://schemas.microsoft.com/office/drawing/2014/main" id="{B7595B7B-7EA9-6BDC-A6B6-E5BB5343B0CD}"/>
+              </a:ext>
+            </a:extLst>
+          </p:cNvPr>
+          <p:cNvSpPr>
+            <a:spLocks noGrp="1"/>
+          </p:cNvSpPr>
+          <p:nvPr>
+            <p:ph idx="1"/>
+          </p:nvPr>
+        </p:nvSpPr>
+        <p:spPr>
+          <a:xfrm>
+            <a:off x="125840" y="2173022"/>
+            <a:ext cx="3972028" cy="3632199"/>
+          </a:xfrm>
+        </p:spPr>
+        <p:txBody>
+          <a:bodyPr>
+            <a:normAutofit fontScale="92500" lnSpcReduction="10000"/>
+          </a:bodyPr>
+          <a:lstStyle/>
+          <a:p>
+            <a:pPr marL="0" indent="0">
+              <a:buNone/>
+            </a:pPr>
+            <a:r>
+              <a:rPr lang="en-US" dirty="0"/>
+              <a:t>For most of the predictors, there is a relationship between Challenge Rating and the predictor, except for Dexterity, which does not seem to have a strong relationship as Challenge Rating increases, so this stat doesn’t matter as much when picking a challenging monster</a:t>
+            </a:r>
+          </a:p>
+        </p:txBody>
+      </p:sp>
+    </p:spTree>
+    <p:extLst>
+      <p:ext uri="{BB962C8B-B14F-4D97-AF65-F5344CB8AC3E}">
+        <p14:creationId xmlns:p14="http://schemas.microsoft.com/office/powerpoint/2010/main" val="3094022729"/>
       </p:ext>
     </p:extLst>
   </p:cSld>
@@ -7672,7 +7597,7 @@
         <p:cNvPr id="1" name="">
           <a:extLst>
             <a:ext uri="{FF2B5EF4-FFF2-40B4-BE49-F238E27FC236}">
-              <a16:creationId xmlns:a16="http://schemas.microsoft.com/office/drawing/2014/main" id="{BEEF1C3C-FEC3-9260-BB22-2F1D855DAFFB}"/>
+              <a16:creationId xmlns:a16="http://schemas.microsoft.com/office/drawing/2014/main" id="{4B1DC937-7AEA-7055-ADBB-9F128FB84DC8}"/>
             </a:ext>
           </a:extLst>
         </p:cNvPr>
@@ -7687,12 +7612,134 @@
           <a:chExt cx="0" cy="0"/>
         </a:xfrm>
       </p:grpSpPr>
+      <p:sp>
+        <p:nvSpPr>
+          <p:cNvPr id="2" name="Title 1">
+            <a:extLst>
+              <a:ext uri="{FF2B5EF4-FFF2-40B4-BE49-F238E27FC236}">
+                <a16:creationId xmlns:a16="http://schemas.microsoft.com/office/drawing/2014/main" id="{C85E4B43-54FC-7044-0E8F-BEA37B102534}"/>
+              </a:ext>
+            </a:extLst>
+          </p:cNvPr>
+          <p:cNvSpPr>
+            <a:spLocks noGrp="1"/>
+          </p:cNvSpPr>
+          <p:nvPr>
+            <p:ph type="title"/>
+          </p:nvPr>
+        </p:nvSpPr>
+        <p:spPr>
+          <a:xfrm>
+            <a:off x="44450" y="18256"/>
+            <a:ext cx="10515600" cy="642144"/>
+          </a:xfrm>
+        </p:spPr>
+        <p:txBody>
+          <a:bodyPr>
+            <a:noAutofit/>
+          </a:bodyPr>
+          <a:lstStyle/>
+          <a:p>
+            <a:r>
+              <a:rPr lang="en-US" sz="3600" dirty="0"/>
+              <a:t>Interesting Findings (cont.)</a:t>
+            </a:r>
+          </a:p>
+        </p:txBody>
+      </p:sp>
+      <p:sp>
+        <p:nvSpPr>
+          <p:cNvPr id="5" name="Content Placeholder 4">
+            <a:extLst>
+              <a:ext uri="{FF2B5EF4-FFF2-40B4-BE49-F238E27FC236}">
+                <a16:creationId xmlns:a16="http://schemas.microsoft.com/office/drawing/2014/main" id="{2F6DC646-F5D7-01ED-F5F6-830E67E7E24A}"/>
+              </a:ext>
+            </a:extLst>
+          </p:cNvPr>
+          <p:cNvSpPr>
+            <a:spLocks noGrp="1"/>
+          </p:cNvSpPr>
+          <p:nvPr>
+            <p:ph idx="1"/>
+          </p:nvPr>
+        </p:nvSpPr>
+        <p:spPr>
+          <a:xfrm>
+            <a:off x="101601" y="660400"/>
+            <a:ext cx="11963399" cy="1208157"/>
+          </a:xfrm>
+        </p:spPr>
+        <p:txBody>
+          <a:bodyPr>
+            <a:normAutofit/>
+          </a:bodyPr>
+          <a:lstStyle/>
+          <a:p>
+            <a:r>
+              <a:rPr lang="en-US" sz="2400" dirty="0"/>
+              <a:t>It seems like there’s a chunk of monsters (circled in green) that the guidebook rates between 10 and 20 but the model gives a slightly lower predicted CR</a:t>
+            </a:r>
+          </a:p>
+        </p:txBody>
+      </p:sp>
+      <p:sp>
+        <p:nvSpPr>
+          <p:cNvPr id="11" name="Oval 10">
+            <a:extLst>
+              <a:ext uri="{FF2B5EF4-FFF2-40B4-BE49-F238E27FC236}">
+                <a16:creationId xmlns:a16="http://schemas.microsoft.com/office/drawing/2014/main" id="{0F31B34F-D996-B899-795B-33675B263C07}"/>
+              </a:ext>
+            </a:extLst>
+          </p:cNvPr>
+          <p:cNvSpPr/>
+          <p:nvPr/>
+        </p:nvSpPr>
+        <p:spPr>
+          <a:xfrm rot="21271954">
+            <a:off x="5941040" y="2727236"/>
+            <a:ext cx="2621305" cy="977820"/>
+          </a:xfrm>
+          <a:prstGeom prst="ellipse">
+            <a:avLst/>
+          </a:prstGeom>
+          <a:noFill/>
+          <a:ln>
+            <a:solidFill>
+              <a:schemeClr val="accent6"/>
+            </a:solidFill>
+          </a:ln>
+        </p:spPr>
+        <p:style>
+          <a:lnRef idx="2">
+            <a:schemeClr val="accent1">
+              <a:shade val="15000"/>
+            </a:schemeClr>
+          </a:lnRef>
+          <a:fillRef idx="1">
+            <a:schemeClr val="accent1"/>
+          </a:fillRef>
+          <a:effectRef idx="0">
+            <a:schemeClr val="accent1"/>
+          </a:effectRef>
+          <a:fontRef idx="minor">
+            <a:schemeClr val="lt1"/>
+          </a:fontRef>
+        </p:style>
+        <p:txBody>
+          <a:bodyPr rtlCol="0" anchor="ctr"/>
+          <a:lstStyle/>
+          <a:p>
+            <a:pPr algn="ctr"/>
+            <a:endParaRPr lang="en-US"/>
+          </a:p>
+        </p:txBody>
+      </p:sp>
       <p:pic>
         <p:nvPicPr>
-          <p:cNvPr id="6" name="Picture 5">
-            <a:extLst>
-              <a:ext uri="{FF2B5EF4-FFF2-40B4-BE49-F238E27FC236}">
-                <a16:creationId xmlns:a16="http://schemas.microsoft.com/office/drawing/2014/main" id="{06C31217-4017-14FF-C951-868C406BA05A}"/>
+          <p:cNvPr id="16" name="Picture 15">
+            <a:extLst>
+              <a:ext uri="{FF2B5EF4-FFF2-40B4-BE49-F238E27FC236}">
+                <a16:creationId xmlns:a16="http://schemas.microsoft.com/office/drawing/2014/main" id="{40F41B17-D9DB-3053-A8FA-E95B560BD1A2}"/>
               </a:ext>
             </a:extLst>
           </p:cNvPr>
@@ -7702,15 +7749,15 @@
           <p:nvPr/>
         </p:nvPicPr>
         <p:blipFill>
-          <a:blip r:embed="rId3"/>
+          <a:blip r:embed="rId2"/>
           <a:stretch>
             <a:fillRect/>
           </a:stretch>
         </p:blipFill>
         <p:spPr>
           <a:xfrm>
-            <a:off x="702733" y="1729199"/>
-            <a:ext cx="10651067" cy="5017480"/>
+            <a:off x="101601" y="2082802"/>
+            <a:ext cx="8553450" cy="4650775"/>
           </a:xfrm>
           <a:prstGeom prst="rect">
             <a:avLst/>
@@ -7724,240 +7771,272 @@
       </p:pic>
       <p:sp>
         <p:nvSpPr>
-          <p:cNvPr id="2" name="Title 1">
-            <a:extLst>
-              <a:ext uri="{FF2B5EF4-FFF2-40B4-BE49-F238E27FC236}">
-                <a16:creationId xmlns:a16="http://schemas.microsoft.com/office/drawing/2014/main" id="{234F82C9-CAE0-B93A-239F-94920EAA31A6}"/>
-              </a:ext>
-            </a:extLst>
-          </p:cNvPr>
-          <p:cNvSpPr>
-            <a:spLocks noGrp="1"/>
-          </p:cNvSpPr>
-          <p:nvPr>
-            <p:ph type="title"/>
-          </p:nvPr>
-        </p:nvSpPr>
+          <p:cNvPr id="17" name="Oval 16">
+            <a:extLst>
+              <a:ext uri="{FF2B5EF4-FFF2-40B4-BE49-F238E27FC236}">
+                <a16:creationId xmlns:a16="http://schemas.microsoft.com/office/drawing/2014/main" id="{27CC08C0-3469-4B4B-2FEF-548336A23E7C}"/>
+              </a:ext>
+            </a:extLst>
+          </p:cNvPr>
+          <p:cNvSpPr/>
+          <p:nvPr/>
+        </p:nvSpPr>
+        <p:spPr>
+          <a:xfrm rot="21271954">
+            <a:off x="4455141" y="2941481"/>
+            <a:ext cx="2621305" cy="977820"/>
+          </a:xfrm>
+          <a:prstGeom prst="ellipse">
+            <a:avLst/>
+          </a:prstGeom>
+          <a:noFill/>
+          <a:ln>
+            <a:solidFill>
+              <a:schemeClr val="accent6"/>
+            </a:solidFill>
+          </a:ln>
+        </p:spPr>
+        <p:style>
+          <a:lnRef idx="2">
+            <a:schemeClr val="accent1">
+              <a:shade val="15000"/>
+            </a:schemeClr>
+          </a:lnRef>
+          <a:fillRef idx="1">
+            <a:schemeClr val="accent1"/>
+          </a:fillRef>
+          <a:effectRef idx="0">
+            <a:schemeClr val="accent1"/>
+          </a:effectRef>
+          <a:fontRef idx="minor">
+            <a:schemeClr val="lt1"/>
+          </a:fontRef>
+        </p:style>
+        <p:txBody>
+          <a:bodyPr rtlCol="0" anchor="ctr"/>
+          <a:lstStyle/>
+          <a:p>
+            <a:pPr algn="ctr"/>
+            <a:endParaRPr lang="en-US"/>
+          </a:p>
+        </p:txBody>
+      </p:sp>
+      <p:pic>
+        <p:nvPicPr>
+          <p:cNvPr id="15" name="Picture 14">
+            <a:extLst>
+              <a:ext uri="{FF2B5EF4-FFF2-40B4-BE49-F238E27FC236}">
+                <a16:creationId xmlns:a16="http://schemas.microsoft.com/office/drawing/2014/main" id="{1B37412F-9E0B-D21E-3483-05B215EDE6FD}"/>
+              </a:ext>
+            </a:extLst>
+          </p:cNvPr>
+          <p:cNvPicPr>
+            <a:picLocks noChangeAspect="1"/>
+          </p:cNvPicPr>
+          <p:nvPr/>
+        </p:nvPicPr>
+        <p:blipFill>
+          <a:blip r:embed="rId3"/>
+          <a:srcRect l="33021" b="29063"/>
+          <a:stretch>
+            <a:fillRect/>
+          </a:stretch>
+        </p:blipFill>
         <p:spPr>
           <a:xfrm>
-            <a:off x="0" y="18255"/>
-            <a:ext cx="10515600" cy="807245"/>
-          </a:xfrm>
-        </p:spPr>
-        <p:txBody>
-          <a:bodyPr/>
-          <a:lstStyle/>
-          <a:p>
-            <a:r>
-              <a:rPr lang="en-US" dirty="0"/>
-              <a:t>Example Use Case: The Lich</a:t>
-            </a:r>
-          </a:p>
-        </p:txBody>
-      </p:sp>
-      <p:sp>
-        <p:nvSpPr>
-          <p:cNvPr id="7" name="Content Placeholder 2">
-            <a:extLst>
-              <a:ext uri="{FF2B5EF4-FFF2-40B4-BE49-F238E27FC236}">
-                <a16:creationId xmlns:a16="http://schemas.microsoft.com/office/drawing/2014/main" id="{81F0ECA6-8E46-AE05-0E39-D86612169974}"/>
-              </a:ext>
-            </a:extLst>
-          </p:cNvPr>
-          <p:cNvSpPr txBox="1">
-            <a:spLocks/>
-          </p:cNvSpPr>
-          <p:nvPr/>
-        </p:nvSpPr>
-        <p:spPr>
-          <a:xfrm>
-            <a:off x="702733" y="736600"/>
-            <a:ext cx="11070167" cy="889000"/>
+            <a:off x="7692829" y="1552756"/>
+            <a:ext cx="4302321" cy="2425700"/>
           </a:xfrm>
           <a:prstGeom prst="rect">
             <a:avLst/>
           </a:prstGeom>
-        </p:spPr>
-        <p:txBody>
-          <a:bodyPr>
-            <a:normAutofit/>
+          <a:ln>
+            <a:solidFill>
+              <a:schemeClr val="tx1"/>
+            </a:solidFill>
+          </a:ln>
+        </p:spPr>
+      </p:pic>
+      <p:sp>
+        <p:nvSpPr>
+          <p:cNvPr id="20" name="Rectangle 19">
+            <a:extLst>
+              <a:ext uri="{FF2B5EF4-FFF2-40B4-BE49-F238E27FC236}">
+                <a16:creationId xmlns:a16="http://schemas.microsoft.com/office/drawing/2014/main" id="{94F23841-877A-D156-5801-B9DA921BF189}"/>
+              </a:ext>
+            </a:extLst>
+          </p:cNvPr>
+          <p:cNvSpPr/>
+          <p:nvPr/>
+        </p:nvSpPr>
+        <p:spPr>
+          <a:xfrm>
+            <a:off x="6643384" y="3279629"/>
+            <a:ext cx="398767" cy="238024"/>
+          </a:xfrm>
+          <a:prstGeom prst="rect">
+            <a:avLst/>
+          </a:prstGeom>
+          <a:noFill/>
+          <a:ln>
+            <a:solidFill>
+              <a:schemeClr val="tx1"/>
+            </a:solidFill>
+          </a:ln>
+        </p:spPr>
+        <p:style>
+          <a:lnRef idx="2">
+            <a:schemeClr val="accent1">
+              <a:shade val="15000"/>
+            </a:schemeClr>
+          </a:lnRef>
+          <a:fillRef idx="1">
+            <a:schemeClr val="accent1"/>
+          </a:fillRef>
+          <a:effectRef idx="0">
+            <a:schemeClr val="accent1"/>
+          </a:effectRef>
+          <a:fontRef idx="minor">
+            <a:schemeClr val="lt1"/>
+          </a:fontRef>
+        </p:style>
+        <p:txBody>
+          <a:bodyPr rtlCol="0" anchor="ctr"/>
+          <a:lstStyle/>
+          <a:p>
+            <a:pPr algn="ctr"/>
+            <a:endParaRPr lang="en-US"/>
+          </a:p>
+        </p:txBody>
+      </p:sp>
+      <p:cxnSp>
+        <p:nvCxnSpPr>
+          <p:cNvPr id="22" name="Straight Connector 21">
+            <a:extLst>
+              <a:ext uri="{FF2B5EF4-FFF2-40B4-BE49-F238E27FC236}">
+                <a16:creationId xmlns:a16="http://schemas.microsoft.com/office/drawing/2014/main" id="{64C7872E-1E71-236F-DA89-3DB5CBB51E3D}"/>
+              </a:ext>
+            </a:extLst>
+          </p:cNvPr>
+          <p:cNvCxnSpPr>
+            <a:cxnSpLocks/>
+          </p:cNvCxnSpPr>
+          <p:nvPr/>
+        </p:nvCxnSpPr>
+        <p:spPr>
+          <a:xfrm flipV="1">
+            <a:off x="7042151" y="1552756"/>
+            <a:ext cx="650678" cy="1722355"/>
+          </a:xfrm>
+          <a:prstGeom prst="line">
+            <a:avLst/>
+          </a:prstGeom>
+          <a:ln>
+            <a:solidFill>
+              <a:schemeClr val="tx1"/>
+            </a:solidFill>
+          </a:ln>
+        </p:spPr>
+        <p:style>
+          <a:lnRef idx="2">
+            <a:schemeClr val="accent1"/>
+          </a:lnRef>
+          <a:fillRef idx="0">
+            <a:schemeClr val="accent1"/>
+          </a:fillRef>
+          <a:effectRef idx="1">
+            <a:schemeClr val="accent1"/>
+          </a:effectRef>
+          <a:fontRef idx="minor">
+            <a:schemeClr val="tx1"/>
+          </a:fontRef>
+        </p:style>
+      </p:cxnSp>
+      <p:cxnSp>
+        <p:nvCxnSpPr>
+          <p:cNvPr id="23" name="Straight Connector 22">
+            <a:extLst>
+              <a:ext uri="{FF2B5EF4-FFF2-40B4-BE49-F238E27FC236}">
+                <a16:creationId xmlns:a16="http://schemas.microsoft.com/office/drawing/2014/main" id="{33233986-A0EF-9528-FDEF-09A1E2396060}"/>
+              </a:ext>
+            </a:extLst>
+          </p:cNvPr>
+          <p:cNvCxnSpPr>
+            <a:cxnSpLocks/>
+          </p:cNvCxnSpPr>
+          <p:nvPr/>
+        </p:nvCxnSpPr>
+        <p:spPr>
+          <a:xfrm>
+            <a:off x="7054842" y="3517653"/>
+            <a:ext cx="637987" cy="460803"/>
+          </a:xfrm>
+          <a:prstGeom prst="line">
+            <a:avLst/>
+          </a:prstGeom>
+          <a:ln>
+            <a:solidFill>
+              <a:schemeClr val="tx1"/>
+            </a:solidFill>
+          </a:ln>
+        </p:spPr>
+        <p:style>
+          <a:lnRef idx="2">
+            <a:schemeClr val="accent1"/>
+          </a:lnRef>
+          <a:fillRef idx="0">
+            <a:schemeClr val="accent1"/>
+          </a:fillRef>
+          <a:effectRef idx="1">
+            <a:schemeClr val="accent1"/>
+          </a:effectRef>
+          <a:fontRef idx="minor">
+            <a:schemeClr val="tx1"/>
+          </a:fontRef>
+        </p:style>
+      </p:cxnSp>
+      <p:sp>
+        <p:nvSpPr>
+          <p:cNvPr id="6" name="TextBox 5">
+            <a:extLst>
+              <a:ext uri="{FF2B5EF4-FFF2-40B4-BE49-F238E27FC236}">
+                <a16:creationId xmlns:a16="http://schemas.microsoft.com/office/drawing/2014/main" id="{18BAAEFA-6CC3-1AE4-8B5F-74E9FF01BEC2}"/>
+              </a:ext>
+            </a:extLst>
+          </p:cNvPr>
+          <p:cNvSpPr txBox="1"/>
+          <p:nvPr/>
+        </p:nvSpPr>
+        <p:spPr>
+          <a:xfrm>
+            <a:off x="9296400" y="4425253"/>
+            <a:ext cx="2336800" cy="2308324"/>
+          </a:xfrm>
+          <a:prstGeom prst="rect">
+            <a:avLst/>
+          </a:prstGeom>
+          <a:noFill/>
+        </p:spPr>
+        <p:txBody>
+          <a:bodyPr wrap="square" rtlCol="0">
+            <a:spAutoFit/>
           </a:bodyPr>
-          <a:lstStyle>
-            <a:lvl1pPr marL="228600" indent="-228600" algn="l" defTabSz="914400" rtl="0" eaLnBrk="1" latinLnBrk="0" hangingPunct="1">
-              <a:lnSpc>
-                <a:spcPct val="90000"/>
-              </a:lnSpc>
-              <a:spcBef>
-                <a:spcPts val="1000"/>
-              </a:spcBef>
-              <a:buFont typeface="Arial" panose="020B0604020202020204" pitchFamily="34" charset="0"/>
-              <a:buChar char="•"/>
-              <a:defRPr sz="2800" kern="1200">
-                <a:solidFill>
-                  <a:schemeClr val="tx1"/>
-                </a:solidFill>
-                <a:latin typeface="+mn-lt"/>
-                <a:ea typeface="+mn-ea"/>
-                <a:cs typeface="+mn-cs"/>
-              </a:defRPr>
-            </a:lvl1pPr>
-            <a:lvl2pPr marL="685800" indent="-228600" algn="l" defTabSz="914400" rtl="0" eaLnBrk="1" latinLnBrk="0" hangingPunct="1">
-              <a:lnSpc>
-                <a:spcPct val="90000"/>
-              </a:lnSpc>
-              <a:spcBef>
-                <a:spcPts val="500"/>
-              </a:spcBef>
-              <a:buFont typeface="Arial" panose="020B0604020202020204" pitchFamily="34" charset="0"/>
-              <a:buChar char="•"/>
-              <a:defRPr sz="2400" kern="1200">
-                <a:solidFill>
-                  <a:schemeClr val="tx1"/>
-                </a:solidFill>
-                <a:latin typeface="+mn-lt"/>
-                <a:ea typeface="+mn-ea"/>
-                <a:cs typeface="+mn-cs"/>
-              </a:defRPr>
-            </a:lvl2pPr>
-            <a:lvl3pPr marL="1143000" indent="-228600" algn="l" defTabSz="914400" rtl="0" eaLnBrk="1" latinLnBrk="0" hangingPunct="1">
-              <a:lnSpc>
-                <a:spcPct val="90000"/>
-              </a:lnSpc>
-              <a:spcBef>
-                <a:spcPts val="500"/>
-              </a:spcBef>
-              <a:buFont typeface="Arial" panose="020B0604020202020204" pitchFamily="34" charset="0"/>
-              <a:buChar char="•"/>
-              <a:defRPr sz="2000" kern="1200">
-                <a:solidFill>
-                  <a:schemeClr val="tx1"/>
-                </a:solidFill>
-                <a:latin typeface="+mn-lt"/>
-                <a:ea typeface="+mn-ea"/>
-                <a:cs typeface="+mn-cs"/>
-              </a:defRPr>
-            </a:lvl3pPr>
-            <a:lvl4pPr marL="1600200" indent="-228600" algn="l" defTabSz="914400" rtl="0" eaLnBrk="1" latinLnBrk="0" hangingPunct="1">
-              <a:lnSpc>
-                <a:spcPct val="90000"/>
-              </a:lnSpc>
-              <a:spcBef>
-                <a:spcPts val="500"/>
-              </a:spcBef>
-              <a:buFont typeface="Arial" panose="020B0604020202020204" pitchFamily="34" charset="0"/>
-              <a:buChar char="•"/>
-              <a:defRPr sz="1800" kern="1200">
-                <a:solidFill>
-                  <a:schemeClr val="tx1"/>
-                </a:solidFill>
-                <a:latin typeface="+mn-lt"/>
-                <a:ea typeface="+mn-ea"/>
-                <a:cs typeface="+mn-cs"/>
-              </a:defRPr>
-            </a:lvl4pPr>
-            <a:lvl5pPr marL="2057400" indent="-228600" algn="l" defTabSz="914400" rtl="0" eaLnBrk="1" latinLnBrk="0" hangingPunct="1">
-              <a:lnSpc>
-                <a:spcPct val="90000"/>
-              </a:lnSpc>
-              <a:spcBef>
-                <a:spcPts val="500"/>
-              </a:spcBef>
-              <a:buFont typeface="Arial" panose="020B0604020202020204" pitchFamily="34" charset="0"/>
-              <a:buChar char="•"/>
-              <a:defRPr sz="1800" kern="1200">
-                <a:solidFill>
-                  <a:schemeClr val="tx1"/>
-                </a:solidFill>
-                <a:latin typeface="+mn-lt"/>
-                <a:ea typeface="+mn-ea"/>
-                <a:cs typeface="+mn-cs"/>
-              </a:defRPr>
-            </a:lvl5pPr>
-            <a:lvl6pPr marL="2514600" indent="-228600" algn="l" defTabSz="914400" rtl="0" eaLnBrk="1" latinLnBrk="0" hangingPunct="1">
-              <a:lnSpc>
-                <a:spcPct val="90000"/>
-              </a:lnSpc>
-              <a:spcBef>
-                <a:spcPts val="500"/>
-              </a:spcBef>
-              <a:buFont typeface="Arial" panose="020B0604020202020204" pitchFamily="34" charset="0"/>
-              <a:buChar char="•"/>
-              <a:defRPr sz="1800" kern="1200">
-                <a:solidFill>
-                  <a:schemeClr val="tx1"/>
-                </a:solidFill>
-                <a:latin typeface="+mn-lt"/>
-                <a:ea typeface="+mn-ea"/>
-                <a:cs typeface="+mn-cs"/>
-              </a:defRPr>
-            </a:lvl6pPr>
-            <a:lvl7pPr marL="2971800" indent="-228600" algn="l" defTabSz="914400" rtl="0" eaLnBrk="1" latinLnBrk="0" hangingPunct="1">
-              <a:lnSpc>
-                <a:spcPct val="90000"/>
-              </a:lnSpc>
-              <a:spcBef>
-                <a:spcPts val="500"/>
-              </a:spcBef>
-              <a:buFont typeface="Arial" panose="020B0604020202020204" pitchFamily="34" charset="0"/>
-              <a:buChar char="•"/>
-              <a:defRPr sz="1800" kern="1200">
-                <a:solidFill>
-                  <a:schemeClr val="tx1"/>
-                </a:solidFill>
-                <a:latin typeface="+mn-lt"/>
-                <a:ea typeface="+mn-ea"/>
-                <a:cs typeface="+mn-cs"/>
-              </a:defRPr>
-            </a:lvl7pPr>
-            <a:lvl8pPr marL="3429000" indent="-228600" algn="l" defTabSz="914400" rtl="0" eaLnBrk="1" latinLnBrk="0" hangingPunct="1">
-              <a:lnSpc>
-                <a:spcPct val="90000"/>
-              </a:lnSpc>
-              <a:spcBef>
-                <a:spcPts val="500"/>
-              </a:spcBef>
-              <a:buFont typeface="Arial" panose="020B0604020202020204" pitchFamily="34" charset="0"/>
-              <a:buChar char="•"/>
-              <a:defRPr sz="1800" kern="1200">
-                <a:solidFill>
-                  <a:schemeClr val="tx1"/>
-                </a:solidFill>
-                <a:latin typeface="+mn-lt"/>
-                <a:ea typeface="+mn-ea"/>
-                <a:cs typeface="+mn-cs"/>
-              </a:defRPr>
-            </a:lvl8pPr>
-            <a:lvl9pPr marL="3886200" indent="-228600" algn="l" defTabSz="914400" rtl="0" eaLnBrk="1" latinLnBrk="0" hangingPunct="1">
-              <a:lnSpc>
-                <a:spcPct val="90000"/>
-              </a:lnSpc>
-              <a:spcBef>
-                <a:spcPts val="500"/>
-              </a:spcBef>
-              <a:buFont typeface="Arial" panose="020B0604020202020204" pitchFamily="34" charset="0"/>
-              <a:buChar char="•"/>
-              <a:defRPr sz="1800" kern="1200">
-                <a:solidFill>
-                  <a:schemeClr val="tx1"/>
-                </a:solidFill>
-                <a:latin typeface="+mn-lt"/>
-                <a:ea typeface="+mn-ea"/>
-                <a:cs typeface="+mn-cs"/>
-              </a:defRPr>
-            </a:lvl9pPr>
-          </a:lstStyle>
+          <a:lstStyle/>
           <a:p>
             <a:r>
               <a:rPr lang="en-US" dirty="0"/>
-              <a:t>I use the final tab to compare the stats between the Lich, the Mummy Lord, and the Vampire, and I ultimately chose the Lich</a:t>
-            </a:r>
+              <a:t>Further, there is one monster (the Lich) that seems to be predicted even lower than the rest, and might be a potential outlier</a:t>
+            </a:r>
+          </a:p>
+          <a:p>
+            <a:endParaRPr lang="en-US" dirty="0"/>
           </a:p>
         </p:txBody>
       </p:sp>
     </p:spTree>
     <p:extLst>
       <p:ext uri="{BB962C8B-B14F-4D97-AF65-F5344CB8AC3E}">
-        <p14:creationId xmlns:p14="http://schemas.microsoft.com/office/powerpoint/2010/main" val="2052776318"/>
+        <p14:creationId xmlns:p14="http://schemas.microsoft.com/office/powerpoint/2010/main" val="2015162609"/>
       </p:ext>
     </p:extLst>
   </p:cSld>
@@ -8039,6 +8118,24 @@
             </a:r>
           </a:p>
           <a:p>
+            <a:r>
+              <a:rPr lang="en-US" dirty="0"/>
+              <a:t>The PCA plot allows the user to look at how certain monsters are similar so that can be helpful when getting creative with the story</a:t>
+            </a:r>
+          </a:p>
+          <a:p>
+            <a:r>
+              <a:rPr lang="en-US" dirty="0"/>
+              <a:t>The interactive monster explorer tab is a great way to limit the list down to just a handful of monsters to use</a:t>
+            </a:r>
+          </a:p>
+          <a:p>
+            <a:r>
+              <a:rPr lang="en-US" dirty="0"/>
+              <a:t>Most of the predictors are related to challenge rating, except for perhaps dexterity which does not seem to correlate with Challenge Rating</a:t>
+            </a:r>
+          </a:p>
+          <a:p>
             <a:endParaRPr lang="en-US" dirty="0"/>
           </a:p>
         </p:txBody>
@@ -8047,6 +8144,111 @@
     <p:extLst>
       <p:ext uri="{BB962C8B-B14F-4D97-AF65-F5344CB8AC3E}">
         <p14:creationId xmlns:p14="http://schemas.microsoft.com/office/powerpoint/2010/main" val="4277873210"/>
+      </p:ext>
+    </p:extLst>
+  </p:cSld>
+  <p:clrMapOvr>
+    <a:masterClrMapping/>
+  </p:clrMapOvr>
+</p:sld>
+</file>
+
+<file path=ppt/slides/slide22.xml><?xml version="1.0" encoding="utf-8"?>
+<p:sld xmlns:a="http://schemas.openxmlformats.org/drawingml/2006/main" xmlns:r="http://schemas.openxmlformats.org/officeDocument/2006/relationships" xmlns:p="http://schemas.openxmlformats.org/presentationml/2006/main">
+  <p:cSld>
+    <p:spTree>
+      <p:nvGrpSpPr>
+        <p:cNvPr id="1" name=""/>
+        <p:cNvGrpSpPr/>
+        <p:nvPr/>
+      </p:nvGrpSpPr>
+      <p:grpSpPr>
+        <a:xfrm>
+          <a:off x="0" y="0"/>
+          <a:ext cx="0" cy="0"/>
+          <a:chOff x="0" y="0"/>
+          <a:chExt cx="0" cy="0"/>
+        </a:xfrm>
+      </p:grpSpPr>
+      <p:pic>
+        <p:nvPicPr>
+          <p:cNvPr id="7" name="Picture 6" descr="Zombie hands">
+            <a:extLst>
+              <a:ext uri="{FF2B5EF4-FFF2-40B4-BE49-F238E27FC236}">
+                <a16:creationId xmlns:a16="http://schemas.microsoft.com/office/drawing/2014/main" id="{0DF4579E-A5E8-B1DF-A5FA-25381CF38E6D}"/>
+              </a:ext>
+            </a:extLst>
+          </p:cNvPr>
+          <p:cNvPicPr>
+            <a:picLocks noChangeAspect="1"/>
+          </p:cNvPicPr>
+          <p:nvPr/>
+        </p:nvPicPr>
+        <p:blipFill>
+          <a:blip r:embed="rId2">
+            <a:extLst>
+              <a:ext uri="{28A0092B-C50C-407E-A947-70E740481C1C}">
+                <a14:useLocalDpi xmlns:a14="http://schemas.microsoft.com/office/drawing/2010/main" val="0"/>
+              </a:ext>
+            </a:extLst>
+          </a:blip>
+          <a:stretch>
+            <a:fillRect/>
+          </a:stretch>
+        </p:blipFill>
+        <p:spPr>
+          <a:xfrm>
+            <a:off x="1219200" y="685800"/>
+            <a:ext cx="9753600" cy="5486400"/>
+          </a:xfrm>
+          <a:prstGeom prst="rect">
+            <a:avLst/>
+          </a:prstGeom>
+        </p:spPr>
+      </p:pic>
+      <p:sp>
+        <p:nvSpPr>
+          <p:cNvPr id="4" name="Title 3">
+            <a:extLst>
+              <a:ext uri="{FF2B5EF4-FFF2-40B4-BE49-F238E27FC236}">
+                <a16:creationId xmlns:a16="http://schemas.microsoft.com/office/drawing/2014/main" id="{F0F1EFFA-38B0-58F3-0BD1-AEEC53E3E6AF}"/>
+              </a:ext>
+            </a:extLst>
+          </p:cNvPr>
+          <p:cNvSpPr>
+            <a:spLocks noGrp="1"/>
+          </p:cNvSpPr>
+          <p:nvPr>
+            <p:ph type="ctrTitle"/>
+          </p:nvPr>
+        </p:nvSpPr>
+        <p:spPr>
+          <a:xfrm>
+            <a:off x="1524000" y="1122363"/>
+            <a:ext cx="9144000" cy="1256770"/>
+          </a:xfrm>
+        </p:spPr>
+        <p:txBody>
+          <a:bodyPr>
+            <a:normAutofit fontScale="90000"/>
+          </a:bodyPr>
+          <a:lstStyle/>
+          <a:p>
+            <a:r>
+              <a:rPr lang="en-US" dirty="0">
+                <a:solidFill>
+                  <a:schemeClr val="bg1"/>
+                </a:solidFill>
+              </a:rPr>
+              <a:t>Thank you and happy fighting!</a:t>
+            </a:r>
+          </a:p>
+        </p:txBody>
+      </p:sp>
+    </p:spTree>
+    <p:extLst>
+      <p:ext uri="{BB962C8B-B14F-4D97-AF65-F5344CB8AC3E}">
+        <p14:creationId xmlns:p14="http://schemas.microsoft.com/office/powerpoint/2010/main" val="2721196690"/>
       </p:ext>
     </p:extLst>
   </p:cSld>
@@ -8173,7 +8375,7 @@
             <a:pPr lvl="1"/>
             <a:r>
               <a:rPr lang="en-US" dirty="0"/>
-              <a:t>Coded yes/no columns to numeric (i.e. challenge rating, languages, and legendary creature)</a:t>
+              <a:t>Coded some columns to numeric (i.e. challenge rating, languages, and legendary creature)</a:t>
             </a:r>
           </a:p>
           <a:p>
@@ -8266,7 +8468,7 @@
           <a:p>
             <a:r>
               <a:rPr lang="en-US" dirty="0"/>
-              <a:t>General Terminology Description</a:t>
+              <a:t>Data and Terminology Description</a:t>
             </a:r>
           </a:p>
         </p:txBody>
@@ -8290,12 +8492,12 @@
         <p:spPr>
           <a:xfrm>
             <a:off x="838200" y="1124712"/>
-            <a:ext cx="10515600" cy="5052251"/>
+            <a:ext cx="10515600" cy="5538555"/>
           </a:xfrm>
         </p:spPr>
         <p:txBody>
           <a:bodyPr>
-            <a:normAutofit fontScale="70000" lnSpcReduction="20000"/>
+            <a:normAutofit fontScale="77500" lnSpcReduction="20000"/>
           </a:bodyPr>
           <a:lstStyle/>
           <a:p>
@@ -8315,7 +8517,7 @@
             </a:r>
             <a:r>
               <a:rPr lang="en-US" dirty="0"/>
-              <a:t>numeric value from 1 to 676 that describes the amount of damage a monster can take before it is killed (lower HP means a less hits will kill it)</a:t>
+              <a:t>numeric value from 5 to 676 that describes the amount of damage a monster can take before it is killed (lower HP means a less hits will kill it)</a:t>
             </a:r>
           </a:p>
           <a:p>
@@ -8464,214 +8666,6 @@
       </p:grpSpPr>
       <p:sp>
         <p:nvSpPr>
-          <p:cNvPr id="4" name="Rectangle 3">
-            <a:extLst>
-              <a:ext uri="{FF2B5EF4-FFF2-40B4-BE49-F238E27FC236}">
-                <a16:creationId xmlns:a16="http://schemas.microsoft.com/office/drawing/2014/main" id="{216A83D0-DEE8-FAB7-8CBF-4B06E86F28DA}"/>
-              </a:ext>
-            </a:extLst>
-          </p:cNvPr>
-          <p:cNvSpPr/>
-          <p:nvPr/>
-        </p:nvSpPr>
-        <p:spPr>
-          <a:xfrm>
-            <a:off x="8426450" y="5724214"/>
-            <a:ext cx="1268115" cy="860735"/>
-          </a:xfrm>
-          <a:prstGeom prst="rect">
-            <a:avLst/>
-          </a:prstGeom>
-          <a:solidFill>
-            <a:srgbClr val="87114F"/>
-          </a:solidFill>
-          <a:effectLst>
-            <a:softEdge rad="127000"/>
-          </a:effectLst>
-        </p:spPr>
-        <p:style>
-          <a:lnRef idx="2">
-            <a:schemeClr val="accent1">
-              <a:shade val="15000"/>
-            </a:schemeClr>
-          </a:lnRef>
-          <a:fillRef idx="1">
-            <a:schemeClr val="accent1"/>
-          </a:fillRef>
-          <a:effectRef idx="0">
-            <a:schemeClr val="accent1"/>
-          </a:effectRef>
-          <a:fontRef idx="minor">
-            <a:schemeClr val="lt1"/>
-          </a:fontRef>
-        </p:style>
-        <p:txBody>
-          <a:bodyPr rtlCol="0" anchor="ctr"/>
-          <a:lstStyle/>
-          <a:p>
-            <a:pPr algn="ctr"/>
-            <a:endParaRPr lang="en-US"/>
-          </a:p>
-        </p:txBody>
-      </p:sp>
-      <p:sp>
-        <p:nvSpPr>
-          <p:cNvPr id="5" name="Rectangle 4">
-            <a:extLst>
-              <a:ext uri="{FF2B5EF4-FFF2-40B4-BE49-F238E27FC236}">
-                <a16:creationId xmlns:a16="http://schemas.microsoft.com/office/drawing/2014/main" id="{68C446FC-6088-0CD7-45FF-44D0069AF7DA}"/>
-              </a:ext>
-            </a:extLst>
-          </p:cNvPr>
-          <p:cNvSpPr/>
-          <p:nvPr/>
-        </p:nvSpPr>
-        <p:spPr>
-          <a:xfrm>
-            <a:off x="9712967" y="5724214"/>
-            <a:ext cx="1272547" cy="860736"/>
-          </a:xfrm>
-          <a:prstGeom prst="rect">
-            <a:avLst/>
-          </a:prstGeom>
-          <a:solidFill>
-            <a:srgbClr val="1BBFC3"/>
-          </a:solidFill>
-          <a:effectLst>
-            <a:softEdge rad="127000"/>
-          </a:effectLst>
-        </p:spPr>
-        <p:style>
-          <a:lnRef idx="2">
-            <a:schemeClr val="accent1">
-              <a:shade val="15000"/>
-            </a:schemeClr>
-          </a:lnRef>
-          <a:fillRef idx="1">
-            <a:schemeClr val="accent1"/>
-          </a:fillRef>
-          <a:effectRef idx="0">
-            <a:schemeClr val="accent1"/>
-          </a:effectRef>
-          <a:fontRef idx="minor">
-            <a:schemeClr val="lt1"/>
-          </a:fontRef>
-        </p:style>
-        <p:txBody>
-          <a:bodyPr rtlCol="0" anchor="ctr"/>
-          <a:lstStyle/>
-          <a:p>
-            <a:pPr algn="ctr"/>
-            <a:endParaRPr lang="en-US"/>
-          </a:p>
-        </p:txBody>
-      </p:sp>
-      <p:sp>
-        <p:nvSpPr>
-          <p:cNvPr id="6" name="Rectangle 5">
-            <a:extLst>
-              <a:ext uri="{FF2B5EF4-FFF2-40B4-BE49-F238E27FC236}">
-                <a16:creationId xmlns:a16="http://schemas.microsoft.com/office/drawing/2014/main" id="{A32A1B56-7893-90A0-8DC1-CE181147E357}"/>
-              </a:ext>
-            </a:extLst>
-          </p:cNvPr>
-          <p:cNvSpPr/>
-          <p:nvPr/>
-        </p:nvSpPr>
-        <p:spPr>
-          <a:xfrm>
-            <a:off x="9712967" y="4851210"/>
-            <a:ext cx="1272547" cy="860737"/>
-          </a:xfrm>
-          <a:prstGeom prst="rect">
-            <a:avLst/>
-          </a:prstGeom>
-          <a:solidFill>
-            <a:srgbClr val="CCC812"/>
-          </a:solidFill>
-          <a:effectLst>
-            <a:softEdge rad="127000"/>
-          </a:effectLst>
-        </p:spPr>
-        <p:style>
-          <a:lnRef idx="2">
-            <a:schemeClr val="accent1">
-              <a:shade val="15000"/>
-            </a:schemeClr>
-          </a:lnRef>
-          <a:fillRef idx="1">
-            <a:schemeClr val="accent1"/>
-          </a:fillRef>
-          <a:effectRef idx="0">
-            <a:schemeClr val="accent1"/>
-          </a:effectRef>
-          <a:fontRef idx="minor">
-            <a:schemeClr val="lt1"/>
-          </a:fontRef>
-        </p:style>
-        <p:txBody>
-          <a:bodyPr rtlCol="0" anchor="ctr"/>
-          <a:lstStyle/>
-          <a:p>
-            <a:pPr algn="ctr"/>
-            <a:endParaRPr lang="en-US"/>
-          </a:p>
-        </p:txBody>
-      </p:sp>
-      <p:sp>
-        <p:nvSpPr>
-          <p:cNvPr id="7" name="Rectangle 6">
-            <a:extLst>
-              <a:ext uri="{FF2B5EF4-FFF2-40B4-BE49-F238E27FC236}">
-                <a16:creationId xmlns:a16="http://schemas.microsoft.com/office/drawing/2014/main" id="{D5EBC870-2F41-1E7C-905B-ACB6AD656584}"/>
-              </a:ext>
-            </a:extLst>
-          </p:cNvPr>
-          <p:cNvSpPr/>
-          <p:nvPr/>
-        </p:nvSpPr>
-        <p:spPr>
-          <a:xfrm>
-            <a:off x="8426450" y="4865617"/>
-            <a:ext cx="1268115" cy="846332"/>
-          </a:xfrm>
-          <a:prstGeom prst="rect">
-            <a:avLst/>
-          </a:prstGeom>
-          <a:solidFill>
-            <a:srgbClr val="9D311F"/>
-          </a:solidFill>
-          <a:effectLst>
-            <a:softEdge rad="127000"/>
-          </a:effectLst>
-        </p:spPr>
-        <p:style>
-          <a:lnRef idx="2">
-            <a:schemeClr val="accent1">
-              <a:shade val="15000"/>
-            </a:schemeClr>
-          </a:lnRef>
-          <a:fillRef idx="1">
-            <a:schemeClr val="accent1"/>
-          </a:fillRef>
-          <a:effectRef idx="0">
-            <a:schemeClr val="accent1"/>
-          </a:effectRef>
-          <a:fontRef idx="minor">
-            <a:schemeClr val="lt1"/>
-          </a:fontRef>
-        </p:style>
-        <p:txBody>
-          <a:bodyPr rtlCol="0" anchor="ctr"/>
-          <a:lstStyle/>
-          <a:p>
-            <a:pPr algn="ctr"/>
-            <a:endParaRPr lang="en-US"/>
-          </a:p>
-        </p:txBody>
-      </p:sp>
-      <p:sp>
-        <p:nvSpPr>
           <p:cNvPr id="2" name="Title 1">
             <a:extLst>
               <a:ext uri="{FF2B5EF4-FFF2-40B4-BE49-F238E27FC236}">
@@ -8698,7 +8692,7 @@
           <a:p>
             <a:r>
               <a:rPr lang="en-US" dirty="0"/>
-              <a:t>General Terminology Description (cont.)</a:t>
+              <a:t>Data and Terminology Description (cont.)</a:t>
             </a:r>
           </a:p>
         </p:txBody>
@@ -8721,13 +8715,13 @@
         </p:nvSpPr>
         <p:spPr>
           <a:xfrm>
-            <a:off x="838200" y="1041400"/>
-            <a:ext cx="10515600" cy="5174217"/>
+            <a:off x="838200" y="1041401"/>
+            <a:ext cx="6098280" cy="5507654"/>
           </a:xfrm>
         </p:spPr>
         <p:txBody>
           <a:bodyPr>
-            <a:normAutofit/>
+            <a:normAutofit fontScale="92500" lnSpcReduction="10000"/>
           </a:bodyPr>
           <a:lstStyle/>
           <a:p>
@@ -8750,7 +8744,7 @@
             </a:r>
             <a:r>
               <a:rPr lang="en-US" dirty="0"/>
-              <a:t> character variable describing the type of monster</a:t>
+              <a:t> character variable describing the type of monster (i.e. Dragon, Humanoid, etc.)</a:t>
             </a:r>
           </a:p>
           <a:p>
@@ -8763,7 +8757,7 @@
             </a:r>
             <a:r>
               <a:rPr lang="en-US" dirty="0"/>
-              <a:t> a character variable that broadly describes a monster’s outlook towards society (Lawful vs Chaotic) and their morals (Good* vs Evil). There can be any combination of the two scales, including a true neutral option </a:t>
+              <a:t> a character variable that broadly describes a monster’s outlook towards society (Lawful, Neutral, or Chaotic) and their morals (Good, Neutral, or Evil). There can be any combination of the two scales, including a true neutral option </a:t>
             </a:r>
           </a:p>
           <a:p>
@@ -8772,23 +8766,14 @@
             </a:pPr>
             <a:endParaRPr lang="en-US" b="1" dirty="0"/>
           </a:p>
-          <a:p>
-            <a:pPr marL="0" indent="0">
-              <a:buNone/>
-            </a:pPr>
-            <a:r>
-              <a:rPr lang="en-US" sz="1800" dirty="0"/>
-              <a:t>*remember: a good monster doesn’t mean it’s good to the players</a:t>
-            </a:r>
-          </a:p>
         </p:txBody>
       </p:sp>
       <p:grpSp>
         <p:nvGrpSpPr>
-          <p:cNvPr id="29" name="Group 28">
-            <a:extLst>
-              <a:ext uri="{FF2B5EF4-FFF2-40B4-BE49-F238E27FC236}">
-                <a16:creationId xmlns:a16="http://schemas.microsoft.com/office/drawing/2014/main" id="{7E7B5EED-D96A-313E-2EA0-CEF973E0562A}"/>
+          <p:cNvPr id="58" name="Group 57">
+            <a:extLst>
+              <a:ext uri="{FF2B5EF4-FFF2-40B4-BE49-F238E27FC236}">
+                <a16:creationId xmlns:a16="http://schemas.microsoft.com/office/drawing/2014/main" id="{36A8A6A4-71DA-CC30-6CE3-B421B0D62C48}"/>
               </a:ext>
             </a:extLst>
           </p:cNvPr>
@@ -8797,18 +8782,18 @@
         </p:nvGrpSpPr>
         <p:grpSpPr>
           <a:xfrm>
-            <a:off x="8185919" y="4754880"/>
-            <a:ext cx="3079548" cy="2003171"/>
-            <a:chOff x="7975607" y="4525700"/>
-            <a:chExt cx="3079548" cy="2003171"/>
+            <a:off x="7147140" y="3225720"/>
+            <a:ext cx="4842933" cy="3323335"/>
+            <a:chOff x="5672667" y="3610864"/>
+            <a:chExt cx="4842933" cy="3323335"/>
           </a:xfrm>
         </p:grpSpPr>
         <p:sp>
           <p:nvSpPr>
-            <p:cNvPr id="19" name="Rectangle 18">
+            <p:cNvPr id="23" name="Rectangle 22">
               <a:extLst>
                 <a:ext uri="{FF2B5EF4-FFF2-40B4-BE49-F238E27FC236}">
-                  <a16:creationId xmlns:a16="http://schemas.microsoft.com/office/drawing/2014/main" id="{71A80E40-C442-13FB-C143-910E29718E78}"/>
+                  <a16:creationId xmlns:a16="http://schemas.microsoft.com/office/drawing/2014/main" id="{52E88CF6-EA2E-36CC-E70C-B0A2C8BBCCEB}"/>
                 </a:ext>
               </a:extLst>
             </p:cNvPr>
@@ -8817,8 +8802,228 @@
           </p:nvSpPr>
           <p:spPr>
             <a:xfrm>
-              <a:off x="7975607" y="4525700"/>
-              <a:ext cx="3072384" cy="2003171"/>
+              <a:off x="6257041" y="5622135"/>
+              <a:ext cx="1268115" cy="860735"/>
+            </a:xfrm>
+            <a:prstGeom prst="rect">
+              <a:avLst/>
+            </a:prstGeom>
+            <a:solidFill>
+              <a:srgbClr val="87114F"/>
+            </a:solidFill>
+            <a:effectLst>
+              <a:softEdge rad="127000"/>
+            </a:effectLst>
+          </p:spPr>
+          <p:style>
+            <a:lnRef idx="2">
+              <a:schemeClr val="accent1">
+                <a:shade val="15000"/>
+              </a:schemeClr>
+            </a:lnRef>
+            <a:fillRef idx="1">
+              <a:schemeClr val="accent1"/>
+            </a:fillRef>
+            <a:effectRef idx="0">
+              <a:schemeClr val="accent1"/>
+            </a:effectRef>
+            <a:fontRef idx="minor">
+              <a:schemeClr val="lt1"/>
+            </a:fontRef>
+          </p:style>
+          <p:txBody>
+            <a:bodyPr rtlCol="0" anchor="ctr"/>
+            <a:lstStyle/>
+            <a:p>
+              <a:pPr algn="ctr"/>
+              <a:r>
+                <a:rPr lang="en-US" sz="1400" dirty="0"/>
+                <a:t>Chaotic Evil</a:t>
+              </a:r>
+            </a:p>
+          </p:txBody>
+        </p:sp>
+        <p:sp>
+          <p:nvSpPr>
+            <p:cNvPr id="24" name="Rectangle 23">
+              <a:extLst>
+                <a:ext uri="{FF2B5EF4-FFF2-40B4-BE49-F238E27FC236}">
+                  <a16:creationId xmlns:a16="http://schemas.microsoft.com/office/drawing/2014/main" id="{FB637DC0-186E-A0A5-AD77-62E5DE377D39}"/>
+                </a:ext>
+              </a:extLst>
+            </p:cNvPr>
+            <p:cNvSpPr/>
+            <p:nvPr/>
+          </p:nvSpPr>
+          <p:spPr>
+            <a:xfrm>
+              <a:off x="8482152" y="5634539"/>
+              <a:ext cx="1272547" cy="860736"/>
+            </a:xfrm>
+            <a:prstGeom prst="rect">
+              <a:avLst/>
+            </a:prstGeom>
+            <a:solidFill>
+              <a:srgbClr val="1BBFC3"/>
+            </a:solidFill>
+            <a:effectLst>
+              <a:softEdge rad="127000"/>
+            </a:effectLst>
+          </p:spPr>
+          <p:style>
+            <a:lnRef idx="2">
+              <a:schemeClr val="accent1">
+                <a:shade val="15000"/>
+              </a:schemeClr>
+            </a:lnRef>
+            <a:fillRef idx="1">
+              <a:schemeClr val="accent1"/>
+            </a:fillRef>
+            <a:effectRef idx="0">
+              <a:schemeClr val="accent1"/>
+            </a:effectRef>
+            <a:fontRef idx="minor">
+              <a:schemeClr val="lt1"/>
+            </a:fontRef>
+          </p:style>
+          <p:txBody>
+            <a:bodyPr rtlCol="0" anchor="ctr"/>
+            <a:lstStyle/>
+            <a:p>
+              <a:pPr algn="ctr"/>
+              <a:r>
+                <a:rPr lang="en-US" sz="1400" dirty="0"/>
+                <a:t>Chaotic Good</a:t>
+              </a:r>
+            </a:p>
+          </p:txBody>
+        </p:sp>
+        <p:sp>
+          <p:nvSpPr>
+            <p:cNvPr id="25" name="Rectangle 24">
+              <a:extLst>
+                <a:ext uri="{FF2B5EF4-FFF2-40B4-BE49-F238E27FC236}">
+                  <a16:creationId xmlns:a16="http://schemas.microsoft.com/office/drawing/2014/main" id="{EE7F6ACE-476B-B7C8-00E8-FDE0F795736B}"/>
+                </a:ext>
+              </a:extLst>
+            </p:cNvPr>
+            <p:cNvSpPr/>
+            <p:nvPr/>
+          </p:nvSpPr>
+          <p:spPr>
+            <a:xfrm>
+              <a:off x="8492260" y="4029276"/>
+              <a:ext cx="1272547" cy="860737"/>
+            </a:xfrm>
+            <a:prstGeom prst="rect">
+              <a:avLst/>
+            </a:prstGeom>
+            <a:solidFill>
+              <a:srgbClr val="CCC812"/>
+            </a:solidFill>
+            <a:effectLst>
+              <a:softEdge rad="127000"/>
+            </a:effectLst>
+          </p:spPr>
+          <p:style>
+            <a:lnRef idx="2">
+              <a:schemeClr val="accent1">
+                <a:shade val="15000"/>
+              </a:schemeClr>
+            </a:lnRef>
+            <a:fillRef idx="1">
+              <a:schemeClr val="accent1"/>
+            </a:fillRef>
+            <a:effectRef idx="0">
+              <a:schemeClr val="accent1"/>
+            </a:effectRef>
+            <a:fontRef idx="minor">
+              <a:schemeClr val="lt1"/>
+            </a:fontRef>
+          </p:style>
+          <p:txBody>
+            <a:bodyPr rtlCol="0" anchor="ctr"/>
+            <a:lstStyle/>
+            <a:p>
+              <a:pPr algn="ctr"/>
+              <a:r>
+                <a:rPr lang="en-US" sz="1400" dirty="0"/>
+                <a:t>Lawful Good</a:t>
+              </a:r>
+            </a:p>
+          </p:txBody>
+        </p:sp>
+        <p:sp>
+          <p:nvSpPr>
+            <p:cNvPr id="26" name="Rectangle 25">
+              <a:extLst>
+                <a:ext uri="{FF2B5EF4-FFF2-40B4-BE49-F238E27FC236}">
+                  <a16:creationId xmlns:a16="http://schemas.microsoft.com/office/drawing/2014/main" id="{69CB9054-C2C2-17B5-DA5C-FE6E4C66EEA6}"/>
+                </a:ext>
+              </a:extLst>
+            </p:cNvPr>
+            <p:cNvSpPr/>
+            <p:nvPr/>
+          </p:nvSpPr>
+          <p:spPr>
+            <a:xfrm>
+              <a:off x="6269651" y="4037184"/>
+              <a:ext cx="1268115" cy="846332"/>
+            </a:xfrm>
+            <a:prstGeom prst="rect">
+              <a:avLst/>
+            </a:prstGeom>
+            <a:solidFill>
+              <a:srgbClr val="9D311F"/>
+            </a:solidFill>
+            <a:effectLst>
+              <a:softEdge rad="127000"/>
+            </a:effectLst>
+          </p:spPr>
+          <p:style>
+            <a:lnRef idx="2">
+              <a:schemeClr val="accent1">
+                <a:shade val="15000"/>
+              </a:schemeClr>
+            </a:lnRef>
+            <a:fillRef idx="1">
+              <a:schemeClr val="accent1"/>
+            </a:fillRef>
+            <a:effectRef idx="0">
+              <a:schemeClr val="accent1"/>
+            </a:effectRef>
+            <a:fontRef idx="minor">
+              <a:schemeClr val="lt1"/>
+            </a:fontRef>
+          </p:style>
+          <p:txBody>
+            <a:bodyPr rtlCol="0" anchor="ctr"/>
+            <a:lstStyle/>
+            <a:p>
+              <a:pPr algn="ctr"/>
+              <a:r>
+                <a:rPr lang="en-US" sz="1400" dirty="0"/>
+                <a:t>Lawful Evil</a:t>
+              </a:r>
+            </a:p>
+          </p:txBody>
+        </p:sp>
+        <p:sp>
+          <p:nvSpPr>
+            <p:cNvPr id="28" name="Rectangle 27">
+              <a:extLst>
+                <a:ext uri="{FF2B5EF4-FFF2-40B4-BE49-F238E27FC236}">
+                  <a16:creationId xmlns:a16="http://schemas.microsoft.com/office/drawing/2014/main" id="{21076BEB-F5D8-AECE-085C-8B90E5A3F42A}"/>
+                </a:ext>
+              </a:extLst>
+            </p:cNvPr>
+            <p:cNvSpPr/>
+            <p:nvPr/>
+          </p:nvSpPr>
+          <p:spPr>
+            <a:xfrm>
+              <a:off x="5672667" y="3610864"/>
+              <a:ext cx="4842933" cy="3323335"/>
             </a:xfrm>
             <a:prstGeom prst="rect">
               <a:avLst/>
@@ -8852,29 +9057,29 @@
         </p:sp>
         <p:cxnSp>
           <p:nvCxnSpPr>
-            <p:cNvPr id="8" name="Straight Connector 7">
+            <p:cNvPr id="30" name="Straight Connector 29">
               <a:extLst>
                 <a:ext uri="{FF2B5EF4-FFF2-40B4-BE49-F238E27FC236}">
-                  <a16:creationId xmlns:a16="http://schemas.microsoft.com/office/drawing/2014/main" id="{14D5A832-5C93-93B6-B17E-12BEC9CE250E}"/>
+                  <a16:creationId xmlns:a16="http://schemas.microsoft.com/office/drawing/2014/main" id="{CBB8DB46-7B2D-F12B-E685-757AA09AA828}"/>
                 </a:ext>
               </a:extLst>
             </p:cNvPr>
             <p:cNvCxnSpPr>
               <a:cxnSpLocks/>
-              <a:stCxn id="18" idx="2"/>
-              <a:endCxn id="17" idx="0"/>
+              <a:stCxn id="35" idx="2"/>
+              <a:endCxn id="34" idx="0"/>
             </p:cNvCxnSpPr>
             <p:nvPr/>
           </p:nvCxnSpPr>
           <p:spPr>
-            <a:xfrm>
-              <a:off x="9493454" y="4946198"/>
-              <a:ext cx="9201" cy="1205197"/>
+            <a:xfrm flipH="1">
+              <a:off x="7986976" y="4046209"/>
+              <a:ext cx="28182" cy="2417478"/>
             </a:xfrm>
             <a:prstGeom prst="line">
               <a:avLst/>
             </a:prstGeom>
-            <a:ln>
+            <a:ln w="76200">
               <a:solidFill>
                 <a:schemeClr val="tx1"/>
               </a:solidFill>
@@ -8897,29 +9102,29 @@
         </p:cxnSp>
         <p:cxnSp>
           <p:nvCxnSpPr>
-            <p:cNvPr id="10" name="Straight Connector 9">
+            <p:cNvPr id="31" name="Straight Connector 30">
               <a:extLst>
                 <a:ext uri="{FF2B5EF4-FFF2-40B4-BE49-F238E27FC236}">
-                  <a16:creationId xmlns:a16="http://schemas.microsoft.com/office/drawing/2014/main" id="{38C93C39-21A0-F5A5-D246-05F99420420B}"/>
+                  <a16:creationId xmlns:a16="http://schemas.microsoft.com/office/drawing/2014/main" id="{B428FEF2-C96F-0DB7-D593-86941C75227F}"/>
                 </a:ext>
               </a:extLst>
             </p:cNvPr>
             <p:cNvCxnSpPr>
               <a:cxnSpLocks/>
-              <a:stCxn id="12" idx="1"/>
-              <a:endCxn id="13" idx="3"/>
+              <a:stCxn id="32" idx="1"/>
+              <a:endCxn id="33" idx="3"/>
             </p:cNvCxnSpPr>
             <p:nvPr/>
           </p:nvCxnSpPr>
           <p:spPr>
-            <a:xfrm flipH="1">
-              <a:off x="8663043" y="5482772"/>
-              <a:ext cx="1660822" cy="0"/>
+            <a:xfrm flipH="1" flipV="1">
+              <a:off x="6297144" y="5268918"/>
+              <a:ext cx="3445878" cy="3187"/>
             </a:xfrm>
             <a:prstGeom prst="line">
               <a:avLst/>
             </a:prstGeom>
-            <a:ln>
+            <a:ln w="76200">
               <a:solidFill>
                 <a:schemeClr val="tx1"/>
               </a:solidFill>
@@ -8942,10 +9147,10 @@
         </p:cxnSp>
         <p:sp>
           <p:nvSpPr>
-            <p:cNvPr id="12" name="TextBox 11">
+            <p:cNvPr id="32" name="TextBox 31">
               <a:extLst>
                 <a:ext uri="{FF2B5EF4-FFF2-40B4-BE49-F238E27FC236}">
-                  <a16:creationId xmlns:a16="http://schemas.microsoft.com/office/drawing/2014/main" id="{7697D0F2-A6D3-3735-6C2A-BBCBE70EDAC8}"/>
+                  <a16:creationId xmlns:a16="http://schemas.microsoft.com/office/drawing/2014/main" id="{3DD4348E-5A2F-F694-88AE-E944B21C0664}"/>
                 </a:ext>
               </a:extLst>
             </p:cNvPr>
@@ -8954,7 +9159,7 @@
           </p:nvSpPr>
           <p:spPr>
             <a:xfrm>
-              <a:off x="10323865" y="5298106"/>
+              <a:off x="9743022" y="5087439"/>
               <a:ext cx="731290" cy="369332"/>
             </a:xfrm>
             <a:prstGeom prst="rect">
@@ -8988,10 +9193,10 @@
         </p:sp>
         <p:sp>
           <p:nvSpPr>
-            <p:cNvPr id="13" name="TextBox 12">
+            <p:cNvPr id="33" name="TextBox 32">
               <a:extLst>
                 <a:ext uri="{FF2B5EF4-FFF2-40B4-BE49-F238E27FC236}">
-                  <a16:creationId xmlns:a16="http://schemas.microsoft.com/office/drawing/2014/main" id="{8145B2E9-7647-528B-95A6-88DC23185FB6}"/>
+                  <a16:creationId xmlns:a16="http://schemas.microsoft.com/office/drawing/2014/main" id="{39F20CBD-5265-1C63-A4E0-823CF69C4A61}"/>
                 </a:ext>
               </a:extLst>
             </p:cNvPr>
@@ -9000,7 +9205,7 @@
           </p:nvSpPr>
           <p:spPr>
             <a:xfrm>
-              <a:off x="8131551" y="5298106"/>
+              <a:off x="5765652" y="5084252"/>
               <a:ext cx="531492" cy="369332"/>
             </a:xfrm>
             <a:prstGeom prst="rect">
@@ -9032,10 +9237,10 @@
         </p:sp>
         <p:sp>
           <p:nvSpPr>
-            <p:cNvPr id="17" name="TextBox 16">
+            <p:cNvPr id="34" name="TextBox 33">
               <a:extLst>
                 <a:ext uri="{FF2B5EF4-FFF2-40B4-BE49-F238E27FC236}">
-                  <a16:creationId xmlns:a16="http://schemas.microsoft.com/office/drawing/2014/main" id="{B2894A5A-5922-6E5B-D78E-7C1094726189}"/>
+                  <a16:creationId xmlns:a16="http://schemas.microsoft.com/office/drawing/2014/main" id="{FB5FBDDD-9F1D-6151-B946-3BA595C74A93}"/>
                 </a:ext>
               </a:extLst>
             </p:cNvPr>
@@ -9044,7 +9249,7 @@
           </p:nvSpPr>
           <p:spPr>
             <a:xfrm>
-              <a:off x="9015983" y="6151395"/>
+              <a:off x="7500304" y="6463687"/>
               <a:ext cx="973343" cy="369332"/>
             </a:xfrm>
             <a:prstGeom prst="rect">
@@ -9076,10 +9281,10 @@
         </p:sp>
         <p:sp>
           <p:nvSpPr>
-            <p:cNvPr id="18" name="TextBox 17">
+            <p:cNvPr id="35" name="TextBox 34">
               <a:extLst>
                 <a:ext uri="{FF2B5EF4-FFF2-40B4-BE49-F238E27FC236}">
-                  <a16:creationId xmlns:a16="http://schemas.microsoft.com/office/drawing/2014/main" id="{7B017CFE-A5CB-B414-B7C1-DD9CE3DE573E}"/>
+                  <a16:creationId xmlns:a16="http://schemas.microsoft.com/office/drawing/2014/main" id="{FF0F7DF6-1D86-F249-72DE-AAA841C84121}"/>
                 </a:ext>
               </a:extLst>
             </p:cNvPr>
@@ -9088,7 +9293,7 @@
           </p:nvSpPr>
           <p:spPr>
             <a:xfrm>
-              <a:off x="9068818" y="4576866"/>
+              <a:off x="7590522" y="3676877"/>
               <a:ext cx="849271" cy="369332"/>
             </a:xfrm>
             <a:prstGeom prst="rect">
@@ -9122,10 +9327,10 @@
         </p:sp>
         <p:sp>
           <p:nvSpPr>
-            <p:cNvPr id="20" name="Oval 19">
+            <p:cNvPr id="36" name="Oval 35">
               <a:extLst>
                 <a:ext uri="{FF2B5EF4-FFF2-40B4-BE49-F238E27FC236}">
-                  <a16:creationId xmlns:a16="http://schemas.microsoft.com/office/drawing/2014/main" id="{5017FE94-1D52-1D4B-3B66-6149106298AA}"/>
+                  <a16:creationId xmlns:a16="http://schemas.microsoft.com/office/drawing/2014/main" id="{2E953C99-2887-DDD2-65F8-1F4CE1527D9C}"/>
                 </a:ext>
               </a:extLst>
             </p:cNvPr>
@@ -9134,14 +9339,16 @@
           </p:nvSpPr>
           <p:spPr>
             <a:xfrm>
-              <a:off x="9082143" y="5298106"/>
-              <a:ext cx="849270" cy="402734"/>
+              <a:off x="7471447" y="4920263"/>
+              <a:ext cx="1044729" cy="623379"/>
             </a:xfrm>
             <a:prstGeom prst="ellipse">
               <a:avLst/>
             </a:prstGeom>
             <a:solidFill>
-              <a:schemeClr val="tx1"/>
+              <a:schemeClr val="bg2">
+                <a:lumMod val="50000"/>
+              </a:schemeClr>
             </a:solidFill>
             <a:ln>
               <a:solidFill>
@@ -9171,18 +9378,299 @@
             <a:p>
               <a:pPr algn="ctr"/>
               <a:r>
-                <a:rPr lang="en-US" sz="1000" dirty="0">
+                <a:rPr lang="en-US" sz="1200" dirty="0">
                   <a:solidFill>
                     <a:schemeClr val="bg1"/>
                   </a:solidFill>
                 </a:rPr>
                 <a:t>Neutral</a:t>
               </a:r>
-              <a:endParaRPr lang="en-US" dirty="0">
+              <a:endParaRPr lang="en-US" sz="2800" dirty="0">
                 <a:solidFill>
                   <a:schemeClr val="bg1"/>
                 </a:solidFill>
               </a:endParaRPr>
+            </a:p>
+          </p:txBody>
+        </p:sp>
+        <p:sp>
+          <p:nvSpPr>
+            <p:cNvPr id="40" name="Rectangle 39">
+              <a:extLst>
+                <a:ext uri="{FF2B5EF4-FFF2-40B4-BE49-F238E27FC236}">
+                  <a16:creationId xmlns:a16="http://schemas.microsoft.com/office/drawing/2014/main" id="{D92F65A5-3CD8-7C14-B19E-DB885D07A11C}"/>
+                </a:ext>
+              </a:extLst>
+            </p:cNvPr>
+            <p:cNvSpPr/>
+            <p:nvPr/>
+          </p:nvSpPr>
+          <p:spPr>
+            <a:xfrm>
+              <a:off x="7365232" y="4021273"/>
+              <a:ext cx="1272547" cy="860737"/>
+            </a:xfrm>
+            <a:prstGeom prst="rect">
+              <a:avLst/>
+            </a:prstGeom>
+            <a:gradFill flip="none" rotWithShape="1">
+              <a:gsLst>
+                <a:gs pos="0">
+                  <a:srgbClr val="CCC812"/>
+                </a:gs>
+                <a:gs pos="52000">
+                  <a:schemeClr val="bg2">
+                    <a:lumMod val="50000"/>
+                  </a:schemeClr>
+                </a:gs>
+                <a:gs pos="100000">
+                  <a:srgbClr val="9D311F"/>
+                </a:gs>
+              </a:gsLst>
+              <a:lin ang="10800000" scaled="1"/>
+              <a:tileRect/>
+            </a:gradFill>
+            <a:effectLst>
+              <a:softEdge rad="127000"/>
+            </a:effectLst>
+          </p:spPr>
+          <p:style>
+            <a:lnRef idx="2">
+              <a:schemeClr val="accent1">
+                <a:shade val="15000"/>
+              </a:schemeClr>
+            </a:lnRef>
+            <a:fillRef idx="1">
+              <a:schemeClr val="accent1"/>
+            </a:fillRef>
+            <a:effectRef idx="0">
+              <a:schemeClr val="accent1"/>
+            </a:effectRef>
+            <a:fontRef idx="minor">
+              <a:schemeClr val="lt1"/>
+            </a:fontRef>
+          </p:style>
+          <p:txBody>
+            <a:bodyPr rtlCol="0" anchor="ctr"/>
+            <a:lstStyle/>
+            <a:p>
+              <a:pPr algn="ctr"/>
+              <a:r>
+                <a:rPr lang="en-US" sz="1400" dirty="0"/>
+                <a:t>Lawful Neutral</a:t>
+              </a:r>
+            </a:p>
+          </p:txBody>
+        </p:sp>
+        <p:sp>
+          <p:nvSpPr>
+            <p:cNvPr id="41" name="Rectangle 40">
+              <a:extLst>
+                <a:ext uri="{FF2B5EF4-FFF2-40B4-BE49-F238E27FC236}">
+                  <a16:creationId xmlns:a16="http://schemas.microsoft.com/office/drawing/2014/main" id="{5AA28CED-5CAE-017C-4BF6-8420F7E77742}"/>
+                </a:ext>
+              </a:extLst>
+            </p:cNvPr>
+            <p:cNvSpPr/>
+            <p:nvPr/>
+          </p:nvSpPr>
+          <p:spPr>
+            <a:xfrm>
+              <a:off x="8484947" y="4834936"/>
+              <a:ext cx="1272547" cy="860737"/>
+            </a:xfrm>
+            <a:prstGeom prst="rect">
+              <a:avLst/>
+            </a:prstGeom>
+            <a:gradFill>
+              <a:gsLst>
+                <a:gs pos="0">
+                  <a:srgbClr val="CCC812"/>
+                </a:gs>
+                <a:gs pos="52000">
+                  <a:schemeClr val="bg2">
+                    <a:lumMod val="50000"/>
+                  </a:schemeClr>
+                </a:gs>
+                <a:gs pos="100000">
+                  <a:schemeClr val="accent1">
+                    <a:lumMod val="45000"/>
+                    <a:lumOff val="55000"/>
+                  </a:schemeClr>
+                </a:gs>
+              </a:gsLst>
+              <a:lin ang="5400000" scaled="1"/>
+            </a:gradFill>
+            <a:effectLst>
+              <a:softEdge rad="127000"/>
+            </a:effectLst>
+          </p:spPr>
+          <p:style>
+            <a:lnRef idx="2">
+              <a:schemeClr val="accent1">
+                <a:shade val="15000"/>
+              </a:schemeClr>
+            </a:lnRef>
+            <a:fillRef idx="1">
+              <a:schemeClr val="accent1"/>
+            </a:fillRef>
+            <a:effectRef idx="0">
+              <a:schemeClr val="accent1"/>
+            </a:effectRef>
+            <a:fontRef idx="minor">
+              <a:schemeClr val="lt1"/>
+            </a:fontRef>
+          </p:style>
+          <p:txBody>
+            <a:bodyPr rtlCol="0" anchor="ctr"/>
+            <a:lstStyle/>
+            <a:p>
+              <a:pPr algn="ctr"/>
+              <a:r>
+                <a:rPr lang="en-US" sz="1400" dirty="0"/>
+                <a:t>Neutral Good</a:t>
+              </a:r>
+            </a:p>
+          </p:txBody>
+        </p:sp>
+        <p:sp>
+          <p:nvSpPr>
+            <p:cNvPr id="42" name="Rectangle 41">
+              <a:extLst>
+                <a:ext uri="{FF2B5EF4-FFF2-40B4-BE49-F238E27FC236}">
+                  <a16:creationId xmlns:a16="http://schemas.microsoft.com/office/drawing/2014/main" id="{40764CD8-14AF-045A-4E36-1A32B617BC06}"/>
+                </a:ext>
+              </a:extLst>
+            </p:cNvPr>
+            <p:cNvSpPr/>
+            <p:nvPr/>
+          </p:nvSpPr>
+          <p:spPr>
+            <a:xfrm>
+              <a:off x="6243316" y="4825931"/>
+              <a:ext cx="1272547" cy="860737"/>
+            </a:xfrm>
+            <a:prstGeom prst="rect">
+              <a:avLst/>
+            </a:prstGeom>
+            <a:gradFill flip="none" rotWithShape="1">
+              <a:gsLst>
+                <a:gs pos="0">
+                  <a:srgbClr val="87114F"/>
+                </a:gs>
+                <a:gs pos="52000">
+                  <a:schemeClr val="bg2">
+                    <a:lumMod val="50000"/>
+                  </a:schemeClr>
+                </a:gs>
+                <a:gs pos="100000">
+                  <a:srgbClr val="9D311F"/>
+                </a:gs>
+              </a:gsLst>
+              <a:lin ang="16200000" scaled="1"/>
+              <a:tileRect/>
+            </a:gradFill>
+            <a:effectLst>
+              <a:softEdge rad="127000"/>
+            </a:effectLst>
+          </p:spPr>
+          <p:style>
+            <a:lnRef idx="2">
+              <a:schemeClr val="accent1">
+                <a:shade val="15000"/>
+              </a:schemeClr>
+            </a:lnRef>
+            <a:fillRef idx="1">
+              <a:schemeClr val="accent1"/>
+            </a:fillRef>
+            <a:effectRef idx="0">
+              <a:schemeClr val="accent1"/>
+            </a:effectRef>
+            <a:fontRef idx="minor">
+              <a:schemeClr val="lt1"/>
+            </a:fontRef>
+          </p:style>
+          <p:txBody>
+            <a:bodyPr rtlCol="0" anchor="ctr"/>
+            <a:lstStyle/>
+            <a:p>
+              <a:pPr algn="ctr"/>
+              <a:r>
+                <a:rPr lang="en-US" sz="1400" dirty="0"/>
+                <a:t>Neutral Evil</a:t>
+              </a:r>
+            </a:p>
+          </p:txBody>
+        </p:sp>
+        <p:sp>
+          <p:nvSpPr>
+            <p:cNvPr id="43" name="Rectangle 42">
+              <a:extLst>
+                <a:ext uri="{FF2B5EF4-FFF2-40B4-BE49-F238E27FC236}">
+                  <a16:creationId xmlns:a16="http://schemas.microsoft.com/office/drawing/2014/main" id="{1148C59B-AB98-FCBB-63B7-3524F9D4416B}"/>
+                </a:ext>
+              </a:extLst>
+            </p:cNvPr>
+            <p:cNvSpPr/>
+            <p:nvPr/>
+          </p:nvSpPr>
+          <p:spPr>
+            <a:xfrm>
+              <a:off x="7348295" y="5629944"/>
+              <a:ext cx="1272547" cy="860737"/>
+            </a:xfrm>
+            <a:prstGeom prst="rect">
+              <a:avLst/>
+            </a:prstGeom>
+            <a:gradFill flip="none" rotWithShape="1">
+              <a:gsLst>
+                <a:gs pos="0">
+                  <a:srgbClr val="87114F"/>
+                </a:gs>
+                <a:gs pos="52000">
+                  <a:schemeClr val="bg2">
+                    <a:lumMod val="50000"/>
+                  </a:schemeClr>
+                </a:gs>
+                <a:gs pos="100000">
+                  <a:schemeClr val="accent1">
+                    <a:lumMod val="45000"/>
+                    <a:lumOff val="55000"/>
+                  </a:schemeClr>
+                </a:gs>
+              </a:gsLst>
+              <a:lin ang="0" scaled="1"/>
+              <a:tileRect/>
+            </a:gradFill>
+            <a:effectLst>
+              <a:softEdge rad="127000"/>
+            </a:effectLst>
+          </p:spPr>
+          <p:style>
+            <a:lnRef idx="2">
+              <a:schemeClr val="accent1">
+                <a:shade val="15000"/>
+              </a:schemeClr>
+            </a:lnRef>
+            <a:fillRef idx="1">
+              <a:schemeClr val="accent1"/>
+            </a:fillRef>
+            <a:effectRef idx="0">
+              <a:schemeClr val="accent1"/>
+            </a:effectRef>
+            <a:fontRef idx="minor">
+              <a:schemeClr val="lt1"/>
+            </a:fontRef>
+          </p:style>
+          <p:txBody>
+            <a:bodyPr rtlCol="0" anchor="ctr"/>
+            <a:lstStyle/>
+            <a:p>
+              <a:pPr algn="ctr"/>
+              <a:r>
+                <a:rPr lang="en-US" sz="1400" dirty="0"/>
+                <a:t>Chaotic Neutral</a:t>
+              </a:r>
             </a:p>
           </p:txBody>
         </p:sp>
@@ -9297,7 +9785,7 @@
           <a:p>
             <a:r>
               <a:rPr lang="en-US" dirty="0"/>
-              <a:t>Thus, I wanted to explore challenge rating of monsters and evaluate what other stats can help a DM plan their attack without killing all the players</a:t>
+              <a:t>Thus, I wanted to explore challenge rating of monsters and evaluate what other stats can help a DM plan a tough fight without killing all the players</a:t>
             </a:r>
           </a:p>
           <a:p>
@@ -10465,15 +10953,6 @@
 </file>
 
 <file path=customXml/item1.xml><?xml version="1.0" encoding="utf-8"?>
-<?mso-contentType ?>
-<FormTemplates xmlns="http://schemas.microsoft.com/sharepoint/v3/contenttype/forms">
-  <Display>DocumentLibraryForm</Display>
-  <Edit>DocumentLibraryForm</Edit>
-  <New>DocumentLibraryForm</New>
-</FormTemplates>
-</file>
-
-<file path=customXml/item2.xml><?xml version="1.0" encoding="utf-8"?>
 <ct:contentTypeSchema xmlns:ct="http://schemas.microsoft.com/office/2006/metadata/contentType" xmlns:ma="http://schemas.microsoft.com/office/2006/metadata/properties/metaAttributes" ct:_="" ma:_="" ma:contentTypeName="Document" ma:contentTypeID="0x010100EBD8572566DE154D8658E79E7EDB543A" ma:contentTypeVersion="11" ma:contentTypeDescription="Create a new document." ma:contentTypeScope="" ma:versionID="b21bcda7d30b06e59daccd643b20796b">
   <xsd:schema xmlns:xsd="http://www.w3.org/2001/XMLSchema" xmlns:xs="http://www.w3.org/2001/XMLSchema" xmlns:p="http://schemas.microsoft.com/office/2006/metadata/properties" xmlns:ns3="cda81d79-cf03-4f88-a1b0-4a07a6e00c8b" targetNamespace="http://schemas.microsoft.com/office/2006/metadata/properties" ma:root="true" ma:fieldsID="8faa612ccffca5bafa2d9a8f7253b6a6" ns3:_="">
     <xsd:import namespace="cda81d79-cf03-4f88-a1b0-4a07a6e00c8b"/>
@@ -10661,6 +11140,15 @@
 </ct:contentTypeSchema>
 </file>
 
+<file path=customXml/item2.xml><?xml version="1.0" encoding="utf-8"?>
+<?mso-contentType ?>
+<FormTemplates xmlns="http://schemas.microsoft.com/sharepoint/v3/contenttype/forms">
+  <Display>DocumentLibraryForm</Display>
+  <Edit>DocumentLibraryForm</Edit>
+  <New>DocumentLibraryForm</New>
+</FormTemplates>
+</file>
+
 <file path=customXml/item3.xml><?xml version="1.0" encoding="utf-8"?>
 <p:properties xmlns:p="http://schemas.microsoft.com/office/2006/metadata/properties" xmlns:xsi="http://www.w3.org/2001/XMLSchema-instance" xmlns:pc="http://schemas.microsoft.com/office/infopath/2007/PartnerControls">
   <documentManagement>
@@ -10670,14 +11158,6 @@
 </file>
 
 <file path=customXml/itemProps1.xml><?xml version="1.0" encoding="utf-8"?>
-<ds:datastoreItem xmlns:ds="http://schemas.openxmlformats.org/officeDocument/2006/customXml" ds:itemID="{75F69625-8D95-4C2E-A3F1-C196685241EE}">
-  <ds:schemaRefs>
-    <ds:schemaRef ds:uri="http://schemas.microsoft.com/sharepoint/v3/contenttype/forms"/>
-  </ds:schemaRefs>
-</ds:datastoreItem>
-</file>
-
-<file path=customXml/itemProps2.xml><?xml version="1.0" encoding="utf-8"?>
 <ds:datastoreItem xmlns:ds="http://schemas.openxmlformats.org/officeDocument/2006/customXml" ds:itemID="{D0F15AA4-1BF3-461B-BE5D-89A293C50FCB}">
   <ds:schemaRefs>
     <ds:schemaRef ds:uri="http://schemas.microsoft.com/office/2006/metadata/contentType"/>
@@ -10691,6 +11171,14 @@
     <ds:schemaRef ds:uri="http://purl.org/dc/elements/1.1/"/>
     <ds:schemaRef ds:uri="http://purl.org/dc/terms/"/>
     <ds:schemaRef ds:uri="http://schemas.microsoft.com/internal/obd"/>
+  </ds:schemaRefs>
+</ds:datastoreItem>
+</file>
+
+<file path=customXml/itemProps2.xml><?xml version="1.0" encoding="utf-8"?>
+<ds:datastoreItem xmlns:ds="http://schemas.openxmlformats.org/officeDocument/2006/customXml" ds:itemID="{75F69625-8D95-4C2E-A3F1-C196685241EE}">
+  <ds:schemaRefs>
+    <ds:schemaRef ds:uri="http://schemas.microsoft.com/sharepoint/v3/contenttype/forms"/>
   </ds:schemaRefs>
 </ds:datastoreItem>
 </file>

--- a/Monsters of Dungeons and Dragons.pptx
+++ b/Monsters of Dungeons and Dragons.pptx
@@ -5,7 +5,7 @@
     <p:sldMasterId id="2147483648" r:id="rId4"/>
   </p:sldMasterIdLst>
   <p:notesMasterIdLst>
-    <p:notesMasterId r:id="rId27"/>
+    <p:notesMasterId r:id="rId28"/>
   </p:notesMasterIdLst>
   <p:sldIdLst>
     <p:sldId id="256" r:id="rId5"/>
@@ -29,7 +29,8 @@
     <p:sldId id="268" r:id="rId23"/>
     <p:sldId id="264" r:id="rId24"/>
     <p:sldId id="272" r:id="rId25"/>
-    <p:sldId id="278" r:id="rId26"/>
+    <p:sldId id="279" r:id="rId26"/>
+    <p:sldId id="278" r:id="rId27"/>
   </p:sldIdLst>
   <p:sldSz cx="12192000" cy="6858000"/>
   <p:notesSz cx="6858000" cy="9144000"/>
@@ -8158,6 +8159,160 @@
   <p:cSld>
     <p:spTree>
       <p:nvGrpSpPr>
+        <p:cNvPr id="1" name="">
+          <a:extLst>
+            <a:ext uri="{FF2B5EF4-FFF2-40B4-BE49-F238E27FC236}">
+              <a16:creationId xmlns:a16="http://schemas.microsoft.com/office/drawing/2014/main" id="{75456442-911C-A402-BEE8-A4F09D9293F3}"/>
+            </a:ext>
+          </a:extLst>
+        </p:cNvPr>
+        <p:cNvGrpSpPr/>
+        <p:nvPr/>
+      </p:nvGrpSpPr>
+      <p:grpSpPr>
+        <a:xfrm>
+          <a:off x="0" y="0"/>
+          <a:ext cx="0" cy="0"/>
+          <a:chOff x="0" y="0"/>
+          <a:chExt cx="0" cy="0"/>
+        </a:xfrm>
+      </p:grpSpPr>
+      <p:sp>
+        <p:nvSpPr>
+          <p:cNvPr id="2" name="Title 1">
+            <a:extLst>
+              <a:ext uri="{FF2B5EF4-FFF2-40B4-BE49-F238E27FC236}">
+                <a16:creationId xmlns:a16="http://schemas.microsoft.com/office/drawing/2014/main" id="{A8C5D2E8-8AF7-DE40-0AD6-B9EC9B758AB4}"/>
+              </a:ext>
+            </a:extLst>
+          </p:cNvPr>
+          <p:cNvSpPr>
+            <a:spLocks noGrp="1"/>
+          </p:cNvSpPr>
+          <p:nvPr>
+            <p:ph type="title"/>
+          </p:nvPr>
+        </p:nvSpPr>
+        <p:spPr/>
+        <p:txBody>
+          <a:bodyPr/>
+          <a:lstStyle/>
+          <a:p>
+            <a:r>
+              <a:rPr lang="en-US" dirty="0"/>
+              <a:t>Link to GitHub (another just in case!)</a:t>
+            </a:r>
+          </a:p>
+        </p:txBody>
+      </p:sp>
+      <p:sp>
+        <p:nvSpPr>
+          <p:cNvPr id="3" name="Content Placeholder 2">
+            <a:extLst>
+              <a:ext uri="{FF2B5EF4-FFF2-40B4-BE49-F238E27FC236}">
+                <a16:creationId xmlns:a16="http://schemas.microsoft.com/office/drawing/2014/main" id="{8CD9E528-4445-AAE2-1A4B-3E1799B920E8}"/>
+              </a:ext>
+            </a:extLst>
+          </p:cNvPr>
+          <p:cNvSpPr>
+            <a:spLocks noGrp="1"/>
+          </p:cNvSpPr>
+          <p:nvPr>
+            <p:ph idx="1"/>
+          </p:nvPr>
+        </p:nvSpPr>
+        <p:spPr/>
+        <p:txBody>
+          <a:bodyPr/>
+          <a:lstStyle/>
+          <a:p>
+            <a:r>
+              <a:rPr lang="en-US" dirty="0">
+                <a:hlinkClick r:id="rId2"/>
+              </a:rPr>
+              <a:t>https://github.com/odelmas-sci/824-final</a:t>
+            </a:r>
+            <a:endParaRPr lang="en-US" dirty="0"/>
+          </a:p>
+          <a:p>
+            <a:r>
+              <a:rPr lang="en-US" dirty="0"/>
+              <a:t>README page:</a:t>
+            </a:r>
+          </a:p>
+          <a:p>
+            <a:pPr lvl="1"/>
+            <a:r>
+              <a:rPr lang="en-US" dirty="0"/>
+              <a:t>File name: </a:t>
+            </a:r>
+            <a:r>
+              <a:rPr lang="en-US" u="sng" dirty="0"/>
+              <a:t>Monsters of </a:t>
+            </a:r>
+            <a:r>
+              <a:rPr lang="en-US" u="sng" dirty="0" err="1"/>
+              <a:t>DnD.R</a:t>
+            </a:r>
+            <a:r>
+              <a:rPr lang="en-US" u="sng" dirty="0"/>
+              <a:t> </a:t>
+            </a:r>
+            <a:r>
+              <a:rPr lang="en-US" dirty="0"/>
+              <a:t>is the R script where I cleaned the data that I used in the Shiny app</a:t>
+            </a:r>
+          </a:p>
+          <a:p>
+            <a:pPr lvl="1"/>
+            <a:r>
+              <a:rPr lang="en-US" dirty="0"/>
+              <a:t>File name: </a:t>
+            </a:r>
+            <a:r>
+              <a:rPr lang="en-US" u="sng" dirty="0"/>
+              <a:t>monsters_cleaned.csv </a:t>
+            </a:r>
+            <a:r>
+              <a:rPr lang="en-US" dirty="0"/>
+              <a:t>is the csv file I saved of the cleaned data</a:t>
+            </a:r>
+          </a:p>
+          <a:p>
+            <a:pPr lvl="1"/>
+            <a:r>
+              <a:rPr lang="en-US" dirty="0"/>
+              <a:t>File name: </a:t>
+            </a:r>
+            <a:r>
+              <a:rPr lang="en-US" u="sng" dirty="0" err="1"/>
+              <a:t>app.R</a:t>
+            </a:r>
+            <a:r>
+              <a:rPr lang="en-US" dirty="0"/>
+              <a:t> is the Shiny App</a:t>
+            </a:r>
+          </a:p>
+        </p:txBody>
+      </p:sp>
+    </p:spTree>
+    <p:extLst>
+      <p:ext uri="{BB962C8B-B14F-4D97-AF65-F5344CB8AC3E}">
+        <p14:creationId xmlns:p14="http://schemas.microsoft.com/office/powerpoint/2010/main" val="3182182818"/>
+      </p:ext>
+    </p:extLst>
+  </p:cSld>
+  <p:clrMapOvr>
+    <a:masterClrMapping/>
+  </p:clrMapOvr>
+</p:sld>
+</file>
+
+<file path=ppt/slides/slide23.xml><?xml version="1.0" encoding="utf-8"?>
+<p:sld xmlns:a="http://schemas.openxmlformats.org/drawingml/2006/main" xmlns:r="http://schemas.openxmlformats.org/officeDocument/2006/relationships" xmlns:p="http://schemas.openxmlformats.org/presentationml/2006/main">
+  <p:cSld>
+    <p:spTree>
+      <p:nvGrpSpPr>
         <p:cNvPr id="1" name=""/>
         <p:cNvGrpSpPr/>
         <p:nvPr/>
@@ -8230,7 +8385,7 @@
         </p:spPr>
         <p:txBody>
           <a:bodyPr>
-            <a:normAutofit fontScale="90000"/>
+            <a:normAutofit/>
           </a:bodyPr>
           <a:lstStyle/>
           <a:p>
@@ -8240,7 +8395,7 @@
                   <a:schemeClr val="bg1"/>
                 </a:solidFill>
               </a:rPr>
-              <a:t>Thank you and happy fighting!</a:t>
+              <a:t>Happy fighting!</a:t>
             </a:r>
           </a:p>
         </p:txBody>
@@ -8331,7 +8486,9 @@
           </a:xfrm>
         </p:spPr>
         <p:txBody>
-          <a:bodyPr/>
+          <a:bodyPr>
+            <a:normAutofit lnSpcReduction="10000"/>
+          </a:bodyPr>
           <a:lstStyle/>
           <a:p>
             <a:r>
@@ -8345,6 +8502,13 @@
               <a:t>https://www.kaggle.com/datasets/travistyler/dnd-5e-monster-manual-stats?select=cleaned_monsters_basic.csv</a:t>
             </a:r>
             <a:endParaRPr lang="en-US" dirty="0"/>
+          </a:p>
+          <a:p>
+            <a:pPr lvl="1"/>
+            <a:r>
+              <a:rPr lang="en-US" dirty="0"/>
+              <a:t>The data was sourced from the D&amp;D guidebook</a:t>
+            </a:r>
           </a:p>
           <a:p>
             <a:endParaRPr lang="en-US" dirty="0"/>
@@ -9355,6 +9519,9 @@
                 <a:schemeClr val="tx1"/>
               </a:solidFill>
             </a:ln>
+            <a:effectLst>
+              <a:softEdge rad="31750"/>
+            </a:effectLst>
           </p:spPr>
           <p:style>
             <a:lnRef idx="2">
@@ -9785,7 +9952,7 @@
           <a:p>
             <a:r>
               <a:rPr lang="en-US" dirty="0"/>
-              <a:t>Thus, I wanted to explore challenge rating of monsters and evaluate what other stats can help a DM plan a tough fight without killing all the players</a:t>
+              <a:t>Thus, I wanted to make something that would make it easy to explore challenge rating of monsters and evaluate what other stats can help a DM plan a tough fight without killing all the players</a:t>
             </a:r>
           </a:p>
           <a:p>
@@ -10953,6 +11120,15 @@
 </file>
 
 <file path=customXml/item1.xml><?xml version="1.0" encoding="utf-8"?>
+<?mso-contentType ?>
+<FormTemplates xmlns="http://schemas.microsoft.com/sharepoint/v3/contenttype/forms">
+  <Display>DocumentLibraryForm</Display>
+  <Edit>DocumentLibraryForm</Edit>
+  <New>DocumentLibraryForm</New>
+</FormTemplates>
+</file>
+
+<file path=customXml/item2.xml><?xml version="1.0" encoding="utf-8"?>
 <ct:contentTypeSchema xmlns:ct="http://schemas.microsoft.com/office/2006/metadata/contentType" xmlns:ma="http://schemas.microsoft.com/office/2006/metadata/properties/metaAttributes" ct:_="" ma:_="" ma:contentTypeName="Document" ma:contentTypeID="0x010100EBD8572566DE154D8658E79E7EDB543A" ma:contentTypeVersion="11" ma:contentTypeDescription="Create a new document." ma:contentTypeScope="" ma:versionID="b21bcda7d30b06e59daccd643b20796b">
   <xsd:schema xmlns:xsd="http://www.w3.org/2001/XMLSchema" xmlns:xs="http://www.w3.org/2001/XMLSchema" xmlns:p="http://schemas.microsoft.com/office/2006/metadata/properties" xmlns:ns3="cda81d79-cf03-4f88-a1b0-4a07a6e00c8b" targetNamespace="http://schemas.microsoft.com/office/2006/metadata/properties" ma:root="true" ma:fieldsID="8faa612ccffca5bafa2d9a8f7253b6a6" ns3:_="">
     <xsd:import namespace="cda81d79-cf03-4f88-a1b0-4a07a6e00c8b"/>
@@ -11140,15 +11316,6 @@
 </ct:contentTypeSchema>
 </file>
 
-<file path=customXml/item2.xml><?xml version="1.0" encoding="utf-8"?>
-<?mso-contentType ?>
-<FormTemplates xmlns="http://schemas.microsoft.com/sharepoint/v3/contenttype/forms">
-  <Display>DocumentLibraryForm</Display>
-  <Edit>DocumentLibraryForm</Edit>
-  <New>DocumentLibraryForm</New>
-</FormTemplates>
-</file>
-
 <file path=customXml/item3.xml><?xml version="1.0" encoding="utf-8"?>
 <p:properties xmlns:p="http://schemas.microsoft.com/office/2006/metadata/properties" xmlns:xsi="http://www.w3.org/2001/XMLSchema-instance" xmlns:pc="http://schemas.microsoft.com/office/infopath/2007/PartnerControls">
   <documentManagement>
@@ -11158,6 +11325,14 @@
 </file>
 
 <file path=customXml/itemProps1.xml><?xml version="1.0" encoding="utf-8"?>
+<ds:datastoreItem xmlns:ds="http://schemas.openxmlformats.org/officeDocument/2006/customXml" ds:itemID="{75F69625-8D95-4C2E-A3F1-C196685241EE}">
+  <ds:schemaRefs>
+    <ds:schemaRef ds:uri="http://schemas.microsoft.com/sharepoint/v3/contenttype/forms"/>
+  </ds:schemaRefs>
+</ds:datastoreItem>
+</file>
+
+<file path=customXml/itemProps2.xml><?xml version="1.0" encoding="utf-8"?>
 <ds:datastoreItem xmlns:ds="http://schemas.openxmlformats.org/officeDocument/2006/customXml" ds:itemID="{D0F15AA4-1BF3-461B-BE5D-89A293C50FCB}">
   <ds:schemaRefs>
     <ds:schemaRef ds:uri="http://schemas.microsoft.com/office/2006/metadata/contentType"/>
@@ -11171,14 +11346,6 @@
     <ds:schemaRef ds:uri="http://purl.org/dc/elements/1.1/"/>
     <ds:schemaRef ds:uri="http://purl.org/dc/terms/"/>
     <ds:schemaRef ds:uri="http://schemas.microsoft.com/internal/obd"/>
-  </ds:schemaRefs>
-</ds:datastoreItem>
-</file>
-
-<file path=customXml/itemProps2.xml><?xml version="1.0" encoding="utf-8"?>
-<ds:datastoreItem xmlns:ds="http://schemas.openxmlformats.org/officeDocument/2006/customXml" ds:itemID="{75F69625-8D95-4C2E-A3F1-C196685241EE}">
-  <ds:schemaRefs>
-    <ds:schemaRef ds:uri="http://schemas.microsoft.com/sharepoint/v3/contenttype/forms"/>
   </ds:schemaRefs>
 </ds:datastoreItem>
 </file>
